--- a/Document/New Webframework Introduction.pptx
+++ b/Document/New Webframework Introduction.pptx
@@ -5,10 +5,10 @@
     <p:sldMasterId id="2147483648" r:id="rId1"/>
   </p:sldMasterIdLst>
   <p:notesMasterIdLst>
-    <p:notesMasterId r:id="rId37"/>
+    <p:notesMasterId r:id="rId38"/>
   </p:notesMasterIdLst>
   <p:handoutMasterIdLst>
-    <p:handoutMasterId r:id="rId38"/>
+    <p:handoutMasterId r:id="rId39"/>
   </p:handoutMasterIdLst>
   <p:sldIdLst>
     <p:sldId id="260" r:id="rId2"/>
@@ -16,36 +16,37 @@
     <p:sldId id="314" r:id="rId4"/>
     <p:sldId id="320" r:id="rId5"/>
     <p:sldId id="343" r:id="rId6"/>
-    <p:sldId id="348" r:id="rId7"/>
-    <p:sldId id="346" r:id="rId8"/>
-    <p:sldId id="347" r:id="rId9"/>
-    <p:sldId id="350" r:id="rId10"/>
-    <p:sldId id="352" r:id="rId11"/>
-    <p:sldId id="321" r:id="rId12"/>
-    <p:sldId id="322" r:id="rId13"/>
-    <p:sldId id="356" r:id="rId14"/>
-    <p:sldId id="353" r:id="rId15"/>
-    <p:sldId id="323" r:id="rId16"/>
-    <p:sldId id="324" r:id="rId17"/>
-    <p:sldId id="327" r:id="rId18"/>
-    <p:sldId id="334" r:id="rId19"/>
-    <p:sldId id="329" r:id="rId20"/>
-    <p:sldId id="328" r:id="rId21"/>
-    <p:sldId id="335" r:id="rId22"/>
-    <p:sldId id="330" r:id="rId23"/>
-    <p:sldId id="331" r:id="rId24"/>
-    <p:sldId id="332" r:id="rId25"/>
-    <p:sldId id="337" r:id="rId26"/>
-    <p:sldId id="336" r:id="rId27"/>
-    <p:sldId id="338" r:id="rId28"/>
-    <p:sldId id="340" r:id="rId29"/>
-    <p:sldId id="325" r:id="rId30"/>
-    <p:sldId id="326" r:id="rId31"/>
-    <p:sldId id="355" r:id="rId32"/>
-    <p:sldId id="354" r:id="rId33"/>
-    <p:sldId id="333" r:id="rId34"/>
-    <p:sldId id="339" r:id="rId35"/>
-    <p:sldId id="263" r:id="rId36"/>
+    <p:sldId id="357" r:id="rId7"/>
+    <p:sldId id="348" r:id="rId8"/>
+    <p:sldId id="346" r:id="rId9"/>
+    <p:sldId id="347" r:id="rId10"/>
+    <p:sldId id="350" r:id="rId11"/>
+    <p:sldId id="352" r:id="rId12"/>
+    <p:sldId id="321" r:id="rId13"/>
+    <p:sldId id="322" r:id="rId14"/>
+    <p:sldId id="356" r:id="rId15"/>
+    <p:sldId id="353" r:id="rId16"/>
+    <p:sldId id="323" r:id="rId17"/>
+    <p:sldId id="324" r:id="rId18"/>
+    <p:sldId id="327" r:id="rId19"/>
+    <p:sldId id="334" r:id="rId20"/>
+    <p:sldId id="329" r:id="rId21"/>
+    <p:sldId id="328" r:id="rId22"/>
+    <p:sldId id="335" r:id="rId23"/>
+    <p:sldId id="330" r:id="rId24"/>
+    <p:sldId id="331" r:id="rId25"/>
+    <p:sldId id="332" r:id="rId26"/>
+    <p:sldId id="337" r:id="rId27"/>
+    <p:sldId id="336" r:id="rId28"/>
+    <p:sldId id="338" r:id="rId29"/>
+    <p:sldId id="340" r:id="rId30"/>
+    <p:sldId id="325" r:id="rId31"/>
+    <p:sldId id="326" r:id="rId32"/>
+    <p:sldId id="355" r:id="rId33"/>
+    <p:sldId id="354" r:id="rId34"/>
+    <p:sldId id="333" r:id="rId35"/>
+    <p:sldId id="339" r:id="rId36"/>
+    <p:sldId id="263" r:id="rId37"/>
   </p:sldIdLst>
   <p:sldSz cx="10693400" cy="7561263"/>
   <p:notesSz cx="9144000" cy="6858000"/>
@@ -1241,6 +1242,13 @@
         </dgm:presLayoutVars>
       </dgm:prSet>
       <dgm:spPr/>
+      <dgm:t>
+        <a:bodyPr/>
+        <a:lstStyle/>
+        <a:p>
+          <a:endParaRPr lang="zh-CN" altLang="en-US"/>
+        </a:p>
+      </dgm:t>
     </dgm:pt>
     <dgm:pt modelId="{9A6DEB0D-BC8F-4848-A7E7-5309EF8C1C56}" type="pres">
       <dgm:prSet presAssocID="{95E097B8-FCD9-463E-8C61-3433CD20CC26}" presName="composite" presStyleCnt="0"/>
@@ -1255,6 +1263,13 @@
         </dgm:presLayoutVars>
       </dgm:prSet>
       <dgm:spPr/>
+      <dgm:t>
+        <a:bodyPr/>
+        <a:lstStyle/>
+        <a:p>
+          <a:endParaRPr lang="zh-CN" altLang="en-US"/>
+        </a:p>
+      </dgm:t>
     </dgm:pt>
     <dgm:pt modelId="{94A30096-F307-4849-A917-3BC9096A5572}" type="pres">
       <dgm:prSet presAssocID="{95E097B8-FCD9-463E-8C61-3433CD20CC26}" presName="Childtext1" presStyleLbl="revTx" presStyleIdx="0" presStyleCnt="3">
@@ -1284,6 +1299,13 @@
     <dgm:pt modelId="{5A541985-3AC8-4036-B349-DA05F5396AD0}" type="pres">
       <dgm:prSet presAssocID="{C03FF421-4BA5-41EC-AD89-86695123B214}" presName="Accent1Text" presStyleLbl="node1" presStyleIdx="1" presStyleCnt="6"/>
       <dgm:spPr/>
+      <dgm:t>
+        <a:bodyPr/>
+        <a:lstStyle/>
+        <a:p>
+          <a:endParaRPr lang="zh-CN" altLang="en-US"/>
+        </a:p>
+      </dgm:t>
     </dgm:pt>
     <dgm:pt modelId="{82933C78-4D04-418B-95B3-698A942D912C}" type="pres">
       <dgm:prSet presAssocID="{C03FF421-4BA5-41EC-AD89-86695123B214}" presName="spaceBetweenRectangles" presStyleCnt="0"/>
@@ -1319,6 +1341,13 @@
         </dgm:presLayoutVars>
       </dgm:prSet>
       <dgm:spPr/>
+      <dgm:t>
+        <a:bodyPr/>
+        <a:lstStyle/>
+        <a:p>
+          <a:endParaRPr lang="zh-CN" altLang="en-US"/>
+        </a:p>
+      </dgm:t>
     </dgm:pt>
     <dgm:pt modelId="{B843B670-8B4B-4387-A3B4-C6D7FBAA513D}" type="pres">
       <dgm:prSet presAssocID="{78936B71-8C61-48A2-8E1E-7FD003F99EE7}" presName="BalanceSpacing" presStyleCnt="0"/>
@@ -1331,6 +1360,13 @@
     <dgm:pt modelId="{6ACFC83D-F549-4BE1-ADC2-3FCBF2C408E6}" type="pres">
       <dgm:prSet presAssocID="{9F37409B-7FC8-4164-8906-CFC5CB460387}" presName="Accent1Text" presStyleLbl="node1" presStyleIdx="3" presStyleCnt="6"/>
       <dgm:spPr/>
+      <dgm:t>
+        <a:bodyPr/>
+        <a:lstStyle/>
+        <a:p>
+          <a:endParaRPr lang="zh-CN" altLang="en-US"/>
+        </a:p>
+      </dgm:t>
     </dgm:pt>
     <dgm:pt modelId="{78F57941-A1CD-4106-8643-DF1D06BCCB4E}" type="pres">
       <dgm:prSet presAssocID="{9F37409B-7FC8-4164-8906-CFC5CB460387}" presName="spaceBetweenRectangles" presStyleCnt="0"/>
@@ -1349,6 +1385,13 @@
         </dgm:presLayoutVars>
       </dgm:prSet>
       <dgm:spPr/>
+      <dgm:t>
+        <a:bodyPr/>
+        <a:lstStyle/>
+        <a:p>
+          <a:endParaRPr lang="zh-CN" altLang="en-US"/>
+        </a:p>
+      </dgm:t>
     </dgm:pt>
     <dgm:pt modelId="{491012A3-0F47-4A13-A4AA-3FF37BD8E5BD}" type="pres">
       <dgm:prSet presAssocID="{845130CA-4E29-4105-B276-D9D6C5791384}" presName="Childtext1" presStyleLbl="revTx" presStyleIdx="2" presStyleCnt="3">
@@ -1359,6 +1402,13 @@
         </dgm:presLayoutVars>
       </dgm:prSet>
       <dgm:spPr/>
+      <dgm:t>
+        <a:bodyPr/>
+        <a:lstStyle/>
+        <a:p>
+          <a:endParaRPr lang="zh-CN" altLang="en-US"/>
+        </a:p>
+      </dgm:t>
     </dgm:pt>
     <dgm:pt modelId="{66540BFD-E857-4E64-8275-534543F5F7BD}" type="pres">
       <dgm:prSet presAssocID="{845130CA-4E29-4105-B276-D9D6C5791384}" presName="BalanceSpacing" presStyleCnt="0"/>
@@ -1371,6 +1421,13 @@
     <dgm:pt modelId="{1CA494B2-3FC0-435E-97D6-0C29250FFD6A}" type="pres">
       <dgm:prSet presAssocID="{474098F8-8B05-4FE0-BE90-468BA2259FD8}" presName="Accent1Text" presStyleLbl="node1" presStyleIdx="5" presStyleCnt="6"/>
       <dgm:spPr/>
+      <dgm:t>
+        <a:bodyPr/>
+        <a:lstStyle/>
+        <a:p>
+          <a:endParaRPr lang="zh-CN" altLang="en-US"/>
+        </a:p>
+      </dgm:t>
     </dgm:pt>
   </dgm:ptLst>
   <dgm:cxnLst>
@@ -1378,8 +1435,8 @@
     <dgm:cxn modelId="{B0DF9DFA-A0AC-434F-B5C9-3F3C053428F7}" srcId="{B69EB86F-31E4-4729-AB28-BF1CC84C5F73}" destId="{95E097B8-FCD9-463E-8C61-3433CD20CC26}" srcOrd="0" destOrd="0" parTransId="{E661B417-63C0-4985-B8C7-E7B91873848D}" sibTransId="{C03FF421-4BA5-41EC-AD89-86695123B214}"/>
     <dgm:cxn modelId="{C04DDF40-3DCA-4163-8792-808725963419}" srcId="{B69EB86F-31E4-4729-AB28-BF1CC84C5F73}" destId="{78936B71-8C61-48A2-8E1E-7FD003F99EE7}" srcOrd="1" destOrd="0" parTransId="{DBE691DC-E41F-4C60-88B9-3D3661BE478B}" sibTransId="{9F37409B-7FC8-4164-8906-CFC5CB460387}"/>
     <dgm:cxn modelId="{A62BDF88-9FF1-49AB-B89F-2E1C0229A24D}" type="presOf" srcId="{78936B71-8C61-48A2-8E1E-7FD003F99EE7}" destId="{A324C4B5-B37E-4252-855E-3A7EF4CF4F6E}" srcOrd="0" destOrd="0" presId="urn:microsoft.com/office/officeart/2008/layout/AlternatingHexagons"/>
+    <dgm:cxn modelId="{F9984941-FA73-46A0-A252-8EE82B05C896}" type="presOf" srcId="{845130CA-4E29-4105-B276-D9D6C5791384}" destId="{D20ECCAA-9E0B-4779-9FB4-3220F95DCBB0}" srcOrd="0" destOrd="0" presId="urn:microsoft.com/office/officeart/2008/layout/AlternatingHexagons"/>
     <dgm:cxn modelId="{09D2FBC3-7D3A-44FC-B125-781D3E7B6530}" srcId="{95E097B8-FCD9-463E-8C61-3433CD20CC26}" destId="{6535B2B3-26A2-49CE-ACF9-83C8EE4DAB25}" srcOrd="0" destOrd="0" parTransId="{9DB9BFC1-3F2B-487F-873C-1D33773D6039}" sibTransId="{59D43CA1-FA68-470D-9BE6-4CE71A44A1A0}"/>
-    <dgm:cxn modelId="{F9984941-FA73-46A0-A252-8EE82B05C896}" type="presOf" srcId="{845130CA-4E29-4105-B276-D9D6C5791384}" destId="{D20ECCAA-9E0B-4779-9FB4-3220F95DCBB0}" srcOrd="0" destOrd="0" presId="urn:microsoft.com/office/officeart/2008/layout/AlternatingHexagons"/>
     <dgm:cxn modelId="{7E33F717-5540-4177-B42F-18E49FE2E049}" type="presOf" srcId="{474098F8-8B05-4FE0-BE90-468BA2259FD8}" destId="{1CA494B2-3FC0-435E-97D6-0C29250FFD6A}" srcOrd="0" destOrd="0" presId="urn:microsoft.com/office/officeart/2008/layout/AlternatingHexagons"/>
     <dgm:cxn modelId="{124690B5-7941-46DB-BB62-6DBA70DE705B}" type="presOf" srcId="{9F37409B-7FC8-4164-8906-CFC5CB460387}" destId="{6ACFC83D-F549-4BE1-ADC2-3FCBF2C408E6}" srcOrd="0" destOrd="0" presId="urn:microsoft.com/office/officeart/2008/layout/AlternatingHexagons"/>
     <dgm:cxn modelId="{1BF65A39-1ABB-4827-ACEE-5EC2161D863A}" type="presOf" srcId="{55849F79-AAE2-4B6C-897B-994CB93499F6}" destId="{0765DBC3-82FF-47C9-86DE-B49DB6D985E1}" srcOrd="0" destOrd="0" presId="urn:microsoft.com/office/officeart/2008/layout/AlternatingHexagons"/>
@@ -4746,7 +4803,7 @@
       </p:grpSpPr>
       <p:sp>
         <p:nvSpPr>
-          <p:cNvPr id="34818" name="Rectangle 7"/>
+          <p:cNvPr id="33794" name="Rectangle 7"/>
           <p:cNvSpPr>
             <a:spLocks noGrp="1" noChangeArrowheads="1"/>
           </p:cNvSpPr>
@@ -4909,7 +4966,7 @@
               <a:buFontTx/>
               <a:buNone/>
             </a:pPr>
-            <a:fld id="{93A0C4A7-0B76-442C-B7C3-6A63DE344EDD}" type="slidenum">
+            <a:fld id="{71EA50F0-CDEA-4A2E-84B6-35956D1F3573}" type="slidenum">
               <a:rPr lang="en-US" altLang="zh-TW" sz="1700" smtClean="0">
                 <a:latin typeface="Gill Sans MT"/>
                 <a:ea typeface="Microsoft JhengHei" pitchFamily="34" charset="-120"/>
@@ -4932,7 +4989,7 @@
       </p:sp>
       <p:sp>
         <p:nvSpPr>
-          <p:cNvPr id="34819" name="Rectangle 2"/>
+          <p:cNvPr id="33795" name="Rectangle 2"/>
           <p:cNvSpPr>
             <a:spLocks noGrp="1" noRot="1" noChangeAspect="1" noChangeArrowheads="1" noTextEdit="1"/>
           </p:cNvSpPr>
@@ -4946,7 +5003,7 @@
       </p:sp>
       <p:sp>
         <p:nvSpPr>
-          <p:cNvPr id="34820" name="Rectangle 3"/>
+          <p:cNvPr id="33796" name="Rectangle 3"/>
           <p:cNvSpPr>
             <a:spLocks noGrp="1" noChangeArrowheads="1"/>
           </p:cNvSpPr>
@@ -5017,7 +5074,7 @@
       </p:grpSpPr>
       <p:sp>
         <p:nvSpPr>
-          <p:cNvPr id="35842" name="Rectangle 7"/>
+          <p:cNvPr id="34818" name="Rectangle 7"/>
           <p:cNvSpPr>
             <a:spLocks noGrp="1" noChangeArrowheads="1"/>
           </p:cNvSpPr>
@@ -5180,7 +5237,7 @@
               <a:buFontTx/>
               <a:buNone/>
             </a:pPr>
-            <a:fld id="{E2406B01-3F92-47EC-9A75-5D7069FFE6B4}" type="slidenum">
+            <a:fld id="{93A0C4A7-0B76-442C-B7C3-6A63DE344EDD}" type="slidenum">
               <a:rPr lang="en-US" altLang="zh-TW" sz="1700" smtClean="0">
                 <a:latin typeface="Gill Sans MT"/>
                 <a:ea typeface="Microsoft JhengHei" pitchFamily="34" charset="-120"/>
@@ -5203,7 +5260,7 @@
       </p:sp>
       <p:sp>
         <p:nvSpPr>
-          <p:cNvPr id="35843" name="Rectangle 2"/>
+          <p:cNvPr id="34819" name="Rectangle 2"/>
           <p:cNvSpPr>
             <a:spLocks noGrp="1" noRot="1" noChangeAspect="1" noChangeArrowheads="1" noTextEdit="1"/>
           </p:cNvSpPr>
@@ -5217,7 +5274,7 @@
       </p:sp>
       <p:sp>
         <p:nvSpPr>
-          <p:cNvPr id="35844" name="Rectangle 3"/>
+          <p:cNvPr id="34820" name="Rectangle 3"/>
           <p:cNvSpPr>
             <a:spLocks noGrp="1" noChangeArrowheads="1"/>
           </p:cNvSpPr>
@@ -5288,7 +5345,7 @@
       </p:grpSpPr>
       <p:sp>
         <p:nvSpPr>
-          <p:cNvPr id="34818" name="Rectangle 7"/>
+          <p:cNvPr id="35842" name="Rectangle 7"/>
           <p:cNvSpPr>
             <a:spLocks noGrp="1" noChangeArrowheads="1"/>
           </p:cNvSpPr>
@@ -5451,7 +5508,7 @@
               <a:buFontTx/>
               <a:buNone/>
             </a:pPr>
-            <a:fld id="{93A0C4A7-0B76-442C-B7C3-6A63DE344EDD}" type="slidenum">
+            <a:fld id="{E2406B01-3F92-47EC-9A75-5D7069FFE6B4}" type="slidenum">
               <a:rPr lang="en-US" altLang="zh-TW" sz="1700" smtClean="0">
                 <a:latin typeface="Gill Sans MT"/>
                 <a:ea typeface="Microsoft JhengHei" pitchFamily="34" charset="-120"/>
@@ -5474,7 +5531,7 @@
       </p:sp>
       <p:sp>
         <p:nvSpPr>
-          <p:cNvPr id="34819" name="Rectangle 2"/>
+          <p:cNvPr id="35843" name="Rectangle 2"/>
           <p:cNvSpPr>
             <a:spLocks noGrp="1" noRot="1" noChangeAspect="1" noChangeArrowheads="1" noTextEdit="1"/>
           </p:cNvSpPr>
@@ -5488,7 +5545,7 @@
       </p:sp>
       <p:sp>
         <p:nvSpPr>
-          <p:cNvPr id="34820" name="Rectangle 3"/>
+          <p:cNvPr id="35844" name="Rectangle 3"/>
           <p:cNvSpPr>
             <a:spLocks noGrp="1" noChangeArrowheads="1"/>
           </p:cNvSpPr>
@@ -5830,7 +5887,7 @@
       </p:grpSpPr>
       <p:sp>
         <p:nvSpPr>
-          <p:cNvPr id="36866" name="Rectangle 7"/>
+          <p:cNvPr id="34818" name="Rectangle 7"/>
           <p:cNvSpPr>
             <a:spLocks noGrp="1" noChangeArrowheads="1"/>
           </p:cNvSpPr>
@@ -5993,7 +6050,7 @@
               <a:buFontTx/>
               <a:buNone/>
             </a:pPr>
-            <a:fld id="{35751310-37C4-44AD-9515-A55426D1282B}" type="slidenum">
+            <a:fld id="{93A0C4A7-0B76-442C-B7C3-6A63DE344EDD}" type="slidenum">
               <a:rPr lang="en-US" altLang="zh-TW" sz="1700" smtClean="0">
                 <a:latin typeface="Gill Sans MT"/>
                 <a:ea typeface="Microsoft JhengHei" pitchFamily="34" charset="-120"/>
@@ -6016,7 +6073,7 @@
       </p:sp>
       <p:sp>
         <p:nvSpPr>
-          <p:cNvPr id="36867" name="Rectangle 2"/>
+          <p:cNvPr id="34819" name="Rectangle 2"/>
           <p:cNvSpPr>
             <a:spLocks noGrp="1" noRot="1" noChangeAspect="1" noChangeArrowheads="1" noTextEdit="1"/>
           </p:cNvSpPr>
@@ -6030,7 +6087,7 @@
       </p:sp>
       <p:sp>
         <p:nvSpPr>
-          <p:cNvPr id="36868" name="Rectangle 3"/>
+          <p:cNvPr id="34820" name="Rectangle 3"/>
           <p:cNvSpPr>
             <a:spLocks noGrp="1" noChangeArrowheads="1"/>
           </p:cNvSpPr>
@@ -6101,7 +6158,7 @@
       </p:grpSpPr>
       <p:sp>
         <p:nvSpPr>
-          <p:cNvPr id="37890" name="Rectangle 7"/>
+          <p:cNvPr id="36866" name="Rectangle 7"/>
           <p:cNvSpPr>
             <a:spLocks noGrp="1" noChangeArrowheads="1"/>
           </p:cNvSpPr>
@@ -6264,7 +6321,7 @@
               <a:buFontTx/>
               <a:buNone/>
             </a:pPr>
-            <a:fld id="{256CB498-8448-47E2-9D90-EC266B632BD5}" type="slidenum">
+            <a:fld id="{35751310-37C4-44AD-9515-A55426D1282B}" type="slidenum">
               <a:rPr lang="en-US" altLang="zh-TW" sz="1700" smtClean="0">
                 <a:latin typeface="Gill Sans MT"/>
                 <a:ea typeface="Microsoft JhengHei" pitchFamily="34" charset="-120"/>
@@ -6287,7 +6344,7 @@
       </p:sp>
       <p:sp>
         <p:nvSpPr>
-          <p:cNvPr id="37891" name="Rectangle 2"/>
+          <p:cNvPr id="36867" name="Rectangle 2"/>
           <p:cNvSpPr>
             <a:spLocks noGrp="1" noRot="1" noChangeAspect="1" noChangeArrowheads="1" noTextEdit="1"/>
           </p:cNvSpPr>
@@ -6301,7 +6358,7 @@
       </p:sp>
       <p:sp>
         <p:nvSpPr>
-          <p:cNvPr id="37892" name="Rectangle 3"/>
+          <p:cNvPr id="36868" name="Rectangle 3"/>
           <p:cNvSpPr>
             <a:spLocks noGrp="1" noChangeArrowheads="1"/>
           </p:cNvSpPr>
@@ -6372,7 +6429,7 @@
       </p:grpSpPr>
       <p:sp>
         <p:nvSpPr>
-          <p:cNvPr id="38914" name="Rectangle 7"/>
+          <p:cNvPr id="37890" name="Rectangle 7"/>
           <p:cNvSpPr>
             <a:spLocks noGrp="1" noChangeArrowheads="1"/>
           </p:cNvSpPr>
@@ -6535,7 +6592,7 @@
               <a:buFontTx/>
               <a:buNone/>
             </a:pPr>
-            <a:fld id="{FCF96E4F-692E-4468-8BA2-7FE3D2FF6DB6}" type="slidenum">
+            <a:fld id="{256CB498-8448-47E2-9D90-EC266B632BD5}" type="slidenum">
               <a:rPr lang="en-US" altLang="zh-TW" sz="1700" smtClean="0">
                 <a:latin typeface="Gill Sans MT"/>
                 <a:ea typeface="Microsoft JhengHei" pitchFamily="34" charset="-120"/>
@@ -6558,7 +6615,7 @@
       </p:sp>
       <p:sp>
         <p:nvSpPr>
-          <p:cNvPr id="38915" name="Rectangle 2"/>
+          <p:cNvPr id="37891" name="Rectangle 2"/>
           <p:cNvSpPr>
             <a:spLocks noGrp="1" noRot="1" noChangeAspect="1" noChangeArrowheads="1" noTextEdit="1"/>
           </p:cNvSpPr>
@@ -6572,7 +6629,7 @@
       </p:sp>
       <p:sp>
         <p:nvSpPr>
-          <p:cNvPr id="38916" name="Rectangle 3"/>
+          <p:cNvPr id="37892" name="Rectangle 3"/>
           <p:cNvSpPr>
             <a:spLocks noGrp="1" noChangeArrowheads="1"/>
           </p:cNvSpPr>
@@ -6643,7 +6700,7 @@
       </p:grpSpPr>
       <p:sp>
         <p:nvSpPr>
-          <p:cNvPr id="39938" name="Rectangle 7"/>
+          <p:cNvPr id="38914" name="Rectangle 7"/>
           <p:cNvSpPr>
             <a:spLocks noGrp="1" noChangeArrowheads="1"/>
           </p:cNvSpPr>
@@ -6806,7 +6863,7 @@
               <a:buFontTx/>
               <a:buNone/>
             </a:pPr>
-            <a:fld id="{E070DCFA-6F6B-4336-A010-D1DB13A68224}" type="slidenum">
+            <a:fld id="{FCF96E4F-692E-4468-8BA2-7FE3D2FF6DB6}" type="slidenum">
               <a:rPr lang="en-US" altLang="zh-TW" sz="1700" smtClean="0">
                 <a:latin typeface="Gill Sans MT"/>
                 <a:ea typeface="Microsoft JhengHei" pitchFamily="34" charset="-120"/>
@@ -6829,7 +6886,7 @@
       </p:sp>
       <p:sp>
         <p:nvSpPr>
-          <p:cNvPr id="39939" name="Rectangle 2"/>
+          <p:cNvPr id="38915" name="Rectangle 2"/>
           <p:cNvSpPr>
             <a:spLocks noGrp="1" noRot="1" noChangeAspect="1" noChangeArrowheads="1" noTextEdit="1"/>
           </p:cNvSpPr>
@@ -6843,7 +6900,7 @@
       </p:sp>
       <p:sp>
         <p:nvSpPr>
-          <p:cNvPr id="39940" name="Rectangle 3"/>
+          <p:cNvPr id="38916" name="Rectangle 3"/>
           <p:cNvSpPr>
             <a:spLocks noGrp="1" noChangeArrowheads="1"/>
           </p:cNvSpPr>
@@ -6914,7 +6971,7 @@
       </p:grpSpPr>
       <p:sp>
         <p:nvSpPr>
-          <p:cNvPr id="40962" name="Rectangle 7"/>
+          <p:cNvPr id="39938" name="Rectangle 7"/>
           <p:cNvSpPr>
             <a:spLocks noGrp="1" noChangeArrowheads="1"/>
           </p:cNvSpPr>
@@ -7077,7 +7134,7 @@
               <a:buFontTx/>
               <a:buNone/>
             </a:pPr>
-            <a:fld id="{84AC8B3C-FAA5-4C0C-A23F-BBDB26C9FE6F}" type="slidenum">
+            <a:fld id="{E070DCFA-6F6B-4336-A010-D1DB13A68224}" type="slidenum">
               <a:rPr lang="en-US" altLang="zh-TW" sz="1700" smtClean="0">
                 <a:latin typeface="Gill Sans MT"/>
                 <a:ea typeface="Microsoft JhengHei" pitchFamily="34" charset="-120"/>
@@ -7100,7 +7157,7 @@
       </p:sp>
       <p:sp>
         <p:nvSpPr>
-          <p:cNvPr id="40963" name="Rectangle 2"/>
+          <p:cNvPr id="39939" name="Rectangle 2"/>
           <p:cNvSpPr>
             <a:spLocks noGrp="1" noRot="1" noChangeAspect="1" noChangeArrowheads="1" noTextEdit="1"/>
           </p:cNvSpPr>
@@ -7114,7 +7171,7 @@
       </p:sp>
       <p:sp>
         <p:nvSpPr>
-          <p:cNvPr id="40964" name="Rectangle 3"/>
+          <p:cNvPr id="39940" name="Rectangle 3"/>
           <p:cNvSpPr>
             <a:spLocks noGrp="1" noChangeArrowheads="1"/>
           </p:cNvSpPr>
@@ -7456,7 +7513,7 @@
       </p:grpSpPr>
       <p:sp>
         <p:nvSpPr>
-          <p:cNvPr id="41986" name="Rectangle 7"/>
+          <p:cNvPr id="40962" name="Rectangle 7"/>
           <p:cNvSpPr>
             <a:spLocks noGrp="1" noChangeArrowheads="1"/>
           </p:cNvSpPr>
@@ -7619,7 +7676,7 @@
               <a:buFontTx/>
               <a:buNone/>
             </a:pPr>
-            <a:fld id="{229F0FBB-C768-434E-B04F-47F143CF11ED}" type="slidenum">
+            <a:fld id="{84AC8B3C-FAA5-4C0C-A23F-BBDB26C9FE6F}" type="slidenum">
               <a:rPr lang="en-US" altLang="zh-TW" sz="1700" smtClean="0">
                 <a:latin typeface="Gill Sans MT"/>
                 <a:ea typeface="Microsoft JhengHei" pitchFamily="34" charset="-120"/>
@@ -7642,7 +7699,7 @@
       </p:sp>
       <p:sp>
         <p:nvSpPr>
-          <p:cNvPr id="41987" name="Rectangle 2"/>
+          <p:cNvPr id="40963" name="Rectangle 2"/>
           <p:cNvSpPr>
             <a:spLocks noGrp="1" noRot="1" noChangeAspect="1" noChangeArrowheads="1" noTextEdit="1"/>
           </p:cNvSpPr>
@@ -7656,7 +7713,7 @@
       </p:sp>
       <p:sp>
         <p:nvSpPr>
-          <p:cNvPr id="41988" name="Rectangle 3"/>
+          <p:cNvPr id="40964" name="Rectangle 3"/>
           <p:cNvSpPr>
             <a:spLocks noGrp="1" noChangeArrowheads="1"/>
           </p:cNvSpPr>
@@ -7727,7 +7784,7 @@
       </p:grpSpPr>
       <p:sp>
         <p:nvSpPr>
-          <p:cNvPr id="43010" name="Rectangle 7"/>
+          <p:cNvPr id="41986" name="Rectangle 7"/>
           <p:cNvSpPr>
             <a:spLocks noGrp="1" noChangeArrowheads="1"/>
           </p:cNvSpPr>
@@ -7890,7 +7947,7 @@
               <a:buFontTx/>
               <a:buNone/>
             </a:pPr>
-            <a:fld id="{ABB7AB4E-A8A4-44E7-896E-688AE57C9ADA}" type="slidenum">
+            <a:fld id="{229F0FBB-C768-434E-B04F-47F143CF11ED}" type="slidenum">
               <a:rPr lang="en-US" altLang="zh-TW" sz="1700" smtClean="0">
                 <a:latin typeface="Gill Sans MT"/>
                 <a:ea typeface="Microsoft JhengHei" pitchFamily="34" charset="-120"/>
@@ -7913,7 +7970,7 @@
       </p:sp>
       <p:sp>
         <p:nvSpPr>
-          <p:cNvPr id="43011" name="Rectangle 2"/>
+          <p:cNvPr id="41987" name="Rectangle 2"/>
           <p:cNvSpPr>
             <a:spLocks noGrp="1" noRot="1" noChangeAspect="1" noChangeArrowheads="1" noTextEdit="1"/>
           </p:cNvSpPr>
@@ -7927,7 +7984,7 @@
       </p:sp>
       <p:sp>
         <p:nvSpPr>
-          <p:cNvPr id="43012" name="Rectangle 3"/>
+          <p:cNvPr id="41988" name="Rectangle 3"/>
           <p:cNvSpPr>
             <a:spLocks noGrp="1" noChangeArrowheads="1"/>
           </p:cNvSpPr>
@@ -7998,7 +8055,7 @@
       </p:grpSpPr>
       <p:sp>
         <p:nvSpPr>
-          <p:cNvPr id="44034" name="Rectangle 7"/>
+          <p:cNvPr id="43010" name="Rectangle 7"/>
           <p:cNvSpPr>
             <a:spLocks noGrp="1" noChangeArrowheads="1"/>
           </p:cNvSpPr>
@@ -8161,7 +8218,7 @@
               <a:buFontTx/>
               <a:buNone/>
             </a:pPr>
-            <a:fld id="{ACCB13B5-A33A-40DE-A3B5-636E6C383548}" type="slidenum">
+            <a:fld id="{ABB7AB4E-A8A4-44E7-896E-688AE57C9ADA}" type="slidenum">
               <a:rPr lang="en-US" altLang="zh-TW" sz="1700" smtClean="0">
                 <a:latin typeface="Gill Sans MT"/>
                 <a:ea typeface="Microsoft JhengHei" pitchFamily="34" charset="-120"/>
@@ -8184,7 +8241,7 @@
       </p:sp>
       <p:sp>
         <p:nvSpPr>
-          <p:cNvPr id="44035" name="Rectangle 2"/>
+          <p:cNvPr id="43011" name="Rectangle 2"/>
           <p:cNvSpPr>
             <a:spLocks noGrp="1" noRot="1" noChangeAspect="1" noChangeArrowheads="1" noTextEdit="1"/>
           </p:cNvSpPr>
@@ -8198,7 +8255,7 @@
       </p:sp>
       <p:sp>
         <p:nvSpPr>
-          <p:cNvPr id="44036" name="Rectangle 3"/>
+          <p:cNvPr id="43012" name="Rectangle 3"/>
           <p:cNvSpPr>
             <a:spLocks noGrp="1" noChangeArrowheads="1"/>
           </p:cNvSpPr>
@@ -8269,7 +8326,7 @@
       </p:grpSpPr>
       <p:sp>
         <p:nvSpPr>
-          <p:cNvPr id="45058" name="Rectangle 7"/>
+          <p:cNvPr id="44034" name="Rectangle 7"/>
           <p:cNvSpPr>
             <a:spLocks noGrp="1" noChangeArrowheads="1"/>
           </p:cNvSpPr>
@@ -8432,7 +8489,7 @@
               <a:buFontTx/>
               <a:buNone/>
             </a:pPr>
-            <a:fld id="{AE63837C-540A-436D-BA00-B24755E51095}" type="slidenum">
+            <a:fld id="{ACCB13B5-A33A-40DE-A3B5-636E6C383548}" type="slidenum">
               <a:rPr lang="en-US" altLang="zh-TW" sz="1700" smtClean="0">
                 <a:latin typeface="Gill Sans MT"/>
                 <a:ea typeface="Microsoft JhengHei" pitchFamily="34" charset="-120"/>
@@ -8455,7 +8512,7 @@
       </p:sp>
       <p:sp>
         <p:nvSpPr>
-          <p:cNvPr id="45059" name="Rectangle 2"/>
+          <p:cNvPr id="44035" name="Rectangle 2"/>
           <p:cNvSpPr>
             <a:spLocks noGrp="1" noRot="1" noChangeAspect="1" noChangeArrowheads="1" noTextEdit="1"/>
           </p:cNvSpPr>
@@ -8469,7 +8526,7 @@
       </p:sp>
       <p:sp>
         <p:nvSpPr>
-          <p:cNvPr id="45060" name="Rectangle 3"/>
+          <p:cNvPr id="44036" name="Rectangle 3"/>
           <p:cNvSpPr>
             <a:spLocks noGrp="1" noChangeArrowheads="1"/>
           </p:cNvSpPr>
@@ -8540,7 +8597,7 @@
       </p:grpSpPr>
       <p:sp>
         <p:nvSpPr>
-          <p:cNvPr id="46082" name="Rectangle 7"/>
+          <p:cNvPr id="45058" name="Rectangle 7"/>
           <p:cNvSpPr>
             <a:spLocks noGrp="1" noChangeArrowheads="1"/>
           </p:cNvSpPr>
@@ -8703,7 +8760,7 @@
               <a:buFontTx/>
               <a:buNone/>
             </a:pPr>
-            <a:fld id="{4F61A8E6-3397-4DA3-B49E-0B3E9D99320C}" type="slidenum">
+            <a:fld id="{AE63837C-540A-436D-BA00-B24755E51095}" type="slidenum">
               <a:rPr lang="en-US" altLang="zh-TW" sz="1700" smtClean="0">
                 <a:latin typeface="Gill Sans MT"/>
                 <a:ea typeface="Microsoft JhengHei" pitchFamily="34" charset="-120"/>
@@ -8726,7 +8783,7 @@
       </p:sp>
       <p:sp>
         <p:nvSpPr>
-          <p:cNvPr id="46083" name="Rectangle 2"/>
+          <p:cNvPr id="45059" name="Rectangle 2"/>
           <p:cNvSpPr>
             <a:spLocks noGrp="1" noRot="1" noChangeAspect="1" noChangeArrowheads="1" noTextEdit="1"/>
           </p:cNvSpPr>
@@ -8740,7 +8797,7 @@
       </p:sp>
       <p:sp>
         <p:nvSpPr>
-          <p:cNvPr id="46084" name="Rectangle 3"/>
+          <p:cNvPr id="45060" name="Rectangle 3"/>
           <p:cNvSpPr>
             <a:spLocks noGrp="1" noChangeArrowheads="1"/>
           </p:cNvSpPr>
@@ -8811,7 +8868,7 @@
       </p:grpSpPr>
       <p:sp>
         <p:nvSpPr>
-          <p:cNvPr id="47106" name="Rectangle 7"/>
+          <p:cNvPr id="46082" name="Rectangle 7"/>
           <p:cNvSpPr>
             <a:spLocks noGrp="1" noChangeArrowheads="1"/>
           </p:cNvSpPr>
@@ -8974,7 +9031,7 @@
               <a:buFontTx/>
               <a:buNone/>
             </a:pPr>
-            <a:fld id="{402D4089-729D-4453-87BA-EAF4EBDFE332}" type="slidenum">
+            <a:fld id="{4F61A8E6-3397-4DA3-B49E-0B3E9D99320C}" type="slidenum">
               <a:rPr lang="en-US" altLang="zh-TW" sz="1700" smtClean="0">
                 <a:latin typeface="Gill Sans MT"/>
                 <a:ea typeface="Microsoft JhengHei" pitchFamily="34" charset="-120"/>
@@ -8997,7 +9054,7 @@
       </p:sp>
       <p:sp>
         <p:nvSpPr>
-          <p:cNvPr id="47107" name="Rectangle 2"/>
+          <p:cNvPr id="46083" name="Rectangle 2"/>
           <p:cNvSpPr>
             <a:spLocks noGrp="1" noRot="1" noChangeAspect="1" noChangeArrowheads="1" noTextEdit="1"/>
           </p:cNvSpPr>
@@ -9011,7 +9068,7 @@
       </p:sp>
       <p:sp>
         <p:nvSpPr>
-          <p:cNvPr id="47108" name="Rectangle 3"/>
+          <p:cNvPr id="46084" name="Rectangle 3"/>
           <p:cNvSpPr>
             <a:spLocks noGrp="1" noChangeArrowheads="1"/>
           </p:cNvSpPr>
@@ -9082,7 +9139,7 @@
       </p:grpSpPr>
       <p:sp>
         <p:nvSpPr>
-          <p:cNvPr id="48130" name="Rectangle 7"/>
+          <p:cNvPr id="47106" name="Rectangle 7"/>
           <p:cNvSpPr>
             <a:spLocks noGrp="1" noChangeArrowheads="1"/>
           </p:cNvSpPr>
@@ -9245,7 +9302,7 @@
               <a:buFontTx/>
               <a:buNone/>
             </a:pPr>
-            <a:fld id="{EC41CF58-19D2-40FF-A1F0-D4FDD55F7B47}" type="slidenum">
+            <a:fld id="{402D4089-729D-4453-87BA-EAF4EBDFE332}" type="slidenum">
               <a:rPr lang="en-US" altLang="zh-TW" sz="1700" smtClean="0">
                 <a:latin typeface="Gill Sans MT"/>
                 <a:ea typeface="Microsoft JhengHei" pitchFamily="34" charset="-120"/>
@@ -9268,7 +9325,7 @@
       </p:sp>
       <p:sp>
         <p:nvSpPr>
-          <p:cNvPr id="48131" name="Rectangle 2"/>
+          <p:cNvPr id="47107" name="Rectangle 2"/>
           <p:cNvSpPr>
             <a:spLocks noGrp="1" noRot="1" noChangeAspect="1" noChangeArrowheads="1" noTextEdit="1"/>
           </p:cNvSpPr>
@@ -9282,7 +9339,7 @@
       </p:sp>
       <p:sp>
         <p:nvSpPr>
-          <p:cNvPr id="48132" name="Rectangle 3"/>
+          <p:cNvPr id="47108" name="Rectangle 3"/>
           <p:cNvSpPr>
             <a:spLocks noGrp="1" noChangeArrowheads="1"/>
           </p:cNvSpPr>
@@ -9353,7 +9410,7 @@
       </p:grpSpPr>
       <p:sp>
         <p:nvSpPr>
-          <p:cNvPr id="49154" name="Rectangle 7"/>
+          <p:cNvPr id="48130" name="Rectangle 7"/>
           <p:cNvSpPr>
             <a:spLocks noGrp="1" noChangeArrowheads="1"/>
           </p:cNvSpPr>
@@ -9516,7 +9573,7 @@
               <a:buFontTx/>
               <a:buNone/>
             </a:pPr>
-            <a:fld id="{A3523A42-A92A-4E24-9A35-725EF05DE577}" type="slidenum">
+            <a:fld id="{EC41CF58-19D2-40FF-A1F0-D4FDD55F7B47}" type="slidenum">
               <a:rPr lang="en-US" altLang="zh-TW" sz="1700" smtClean="0">
                 <a:latin typeface="Gill Sans MT"/>
                 <a:ea typeface="Microsoft JhengHei" pitchFamily="34" charset="-120"/>
@@ -9539,7 +9596,7 @@
       </p:sp>
       <p:sp>
         <p:nvSpPr>
-          <p:cNvPr id="49155" name="Rectangle 2"/>
+          <p:cNvPr id="48131" name="Rectangle 2"/>
           <p:cNvSpPr>
             <a:spLocks noGrp="1" noRot="1" noChangeAspect="1" noChangeArrowheads="1" noTextEdit="1"/>
           </p:cNvSpPr>
@@ -9553,7 +9610,7 @@
       </p:sp>
       <p:sp>
         <p:nvSpPr>
-          <p:cNvPr id="49156" name="Rectangle 3"/>
+          <p:cNvPr id="48132" name="Rectangle 3"/>
           <p:cNvSpPr>
             <a:spLocks noGrp="1" noChangeArrowheads="1"/>
           </p:cNvSpPr>
@@ -9624,7 +9681,7 @@
       </p:grpSpPr>
       <p:sp>
         <p:nvSpPr>
-          <p:cNvPr id="50178" name="Rectangle 7"/>
+          <p:cNvPr id="49154" name="Rectangle 7"/>
           <p:cNvSpPr>
             <a:spLocks noGrp="1" noChangeArrowheads="1"/>
           </p:cNvSpPr>
@@ -9787,7 +9844,7 @@
               <a:buFontTx/>
               <a:buNone/>
             </a:pPr>
-            <a:fld id="{B82D7ACC-B7CF-4BE8-BE84-143B165A4879}" type="slidenum">
+            <a:fld id="{A3523A42-A92A-4E24-9A35-725EF05DE577}" type="slidenum">
               <a:rPr lang="en-US" altLang="zh-TW" sz="1700" smtClean="0">
                 <a:latin typeface="Gill Sans MT"/>
                 <a:ea typeface="Microsoft JhengHei" pitchFamily="34" charset="-120"/>
@@ -9810,7 +9867,7 @@
       </p:sp>
       <p:sp>
         <p:nvSpPr>
-          <p:cNvPr id="50179" name="Rectangle 2"/>
+          <p:cNvPr id="49155" name="Rectangle 2"/>
           <p:cNvSpPr>
             <a:spLocks noGrp="1" noRot="1" noChangeAspect="1" noChangeArrowheads="1" noTextEdit="1"/>
           </p:cNvSpPr>
@@ -9824,7 +9881,7 @@
       </p:sp>
       <p:sp>
         <p:nvSpPr>
-          <p:cNvPr id="50180" name="Rectangle 3"/>
+          <p:cNvPr id="49156" name="Rectangle 3"/>
           <p:cNvSpPr>
             <a:spLocks noGrp="1" noChangeArrowheads="1"/>
           </p:cNvSpPr>
@@ -9895,7 +9952,7 @@
       </p:grpSpPr>
       <p:sp>
         <p:nvSpPr>
-          <p:cNvPr id="51202" name="Rectangle 7"/>
+          <p:cNvPr id="50178" name="Rectangle 7"/>
           <p:cNvSpPr>
             <a:spLocks noGrp="1" noChangeArrowheads="1"/>
           </p:cNvSpPr>
@@ -10058,7 +10115,7 @@
               <a:buFontTx/>
               <a:buNone/>
             </a:pPr>
-            <a:fld id="{C4F2119B-691C-4EB8-B620-F5274C8C424F}" type="slidenum">
+            <a:fld id="{B82D7ACC-B7CF-4BE8-BE84-143B165A4879}" type="slidenum">
               <a:rPr lang="en-US" altLang="zh-TW" sz="1700" smtClean="0">
                 <a:latin typeface="Gill Sans MT"/>
                 <a:ea typeface="Microsoft JhengHei" pitchFamily="34" charset="-120"/>
@@ -10081,7 +10138,7 @@
       </p:sp>
       <p:sp>
         <p:nvSpPr>
-          <p:cNvPr id="51203" name="Rectangle 2"/>
+          <p:cNvPr id="50179" name="Rectangle 2"/>
           <p:cNvSpPr>
             <a:spLocks noGrp="1" noRot="1" noChangeAspect="1" noChangeArrowheads="1" noTextEdit="1"/>
           </p:cNvSpPr>
@@ -10095,7 +10152,7 @@
       </p:sp>
       <p:sp>
         <p:nvSpPr>
-          <p:cNvPr id="51204" name="Rectangle 3"/>
+          <p:cNvPr id="50180" name="Rectangle 3"/>
           <p:cNvSpPr>
             <a:spLocks noGrp="1" noChangeArrowheads="1"/>
           </p:cNvSpPr>
@@ -10437,7 +10494,7 @@
       </p:grpSpPr>
       <p:sp>
         <p:nvSpPr>
-          <p:cNvPr id="52226" name="Rectangle 7"/>
+          <p:cNvPr id="51202" name="Rectangle 7"/>
           <p:cNvSpPr>
             <a:spLocks noGrp="1" noChangeArrowheads="1"/>
           </p:cNvSpPr>
@@ -10600,7 +10657,7 @@
               <a:buFontTx/>
               <a:buNone/>
             </a:pPr>
-            <a:fld id="{336686D5-D307-4823-8333-76F50C77A074}" type="slidenum">
+            <a:fld id="{C4F2119B-691C-4EB8-B620-F5274C8C424F}" type="slidenum">
               <a:rPr lang="en-US" altLang="zh-TW" sz="1700" smtClean="0">
                 <a:latin typeface="Gill Sans MT"/>
                 <a:ea typeface="Microsoft JhengHei" pitchFamily="34" charset="-120"/>
@@ -10623,7 +10680,7 @@
       </p:sp>
       <p:sp>
         <p:nvSpPr>
-          <p:cNvPr id="52227" name="Rectangle 2"/>
+          <p:cNvPr id="51203" name="Rectangle 2"/>
           <p:cNvSpPr>
             <a:spLocks noGrp="1" noRot="1" noChangeAspect="1" noChangeArrowheads="1" noTextEdit="1"/>
           </p:cNvSpPr>
@@ -10637,7 +10694,7 @@
       </p:sp>
       <p:sp>
         <p:nvSpPr>
-          <p:cNvPr id="52228" name="Rectangle 3"/>
+          <p:cNvPr id="51204" name="Rectangle 3"/>
           <p:cNvSpPr>
             <a:spLocks noGrp="1" noChangeArrowheads="1"/>
           </p:cNvSpPr>
@@ -11250,7 +11307,7 @@
       </p:grpSpPr>
       <p:sp>
         <p:nvSpPr>
-          <p:cNvPr id="54274" name="Rectangle 7"/>
+          <p:cNvPr id="52226" name="Rectangle 7"/>
           <p:cNvSpPr>
             <a:spLocks noGrp="1" noChangeArrowheads="1"/>
           </p:cNvSpPr>
@@ -11413,7 +11470,7 @@
               <a:buFontTx/>
               <a:buNone/>
             </a:pPr>
-            <a:fld id="{160DB81A-39C8-47BD-BE21-CD39A6975DD9}" type="slidenum">
+            <a:fld id="{336686D5-D307-4823-8333-76F50C77A074}" type="slidenum">
               <a:rPr lang="en-US" altLang="zh-TW" sz="1700" smtClean="0">
                 <a:latin typeface="Gill Sans MT"/>
                 <a:ea typeface="Microsoft JhengHei" pitchFamily="34" charset="-120"/>
@@ -11436,7 +11493,7 @@
       </p:sp>
       <p:sp>
         <p:nvSpPr>
-          <p:cNvPr id="54275" name="Rectangle 2"/>
+          <p:cNvPr id="52227" name="Rectangle 2"/>
           <p:cNvSpPr>
             <a:spLocks noGrp="1" noRot="1" noChangeAspect="1" noChangeArrowheads="1" noTextEdit="1"/>
           </p:cNvSpPr>
@@ -11450,7 +11507,7 @@
       </p:sp>
       <p:sp>
         <p:nvSpPr>
-          <p:cNvPr id="54276" name="Rectangle 3"/>
+          <p:cNvPr id="52228" name="Rectangle 3"/>
           <p:cNvSpPr>
             <a:spLocks noGrp="1" noChangeArrowheads="1"/>
           </p:cNvSpPr>
@@ -11521,7 +11578,7 @@
       </p:grpSpPr>
       <p:sp>
         <p:nvSpPr>
-          <p:cNvPr id="55298" name="Rectangle 7"/>
+          <p:cNvPr id="54274" name="Rectangle 7"/>
           <p:cNvSpPr>
             <a:spLocks noGrp="1" noChangeArrowheads="1"/>
           </p:cNvSpPr>
@@ -11684,7 +11741,7 @@
               <a:buFontTx/>
               <a:buNone/>
             </a:pPr>
-            <a:fld id="{4A52CA37-17A7-4A76-9E73-F7B0375E7F50}" type="slidenum">
+            <a:fld id="{160DB81A-39C8-47BD-BE21-CD39A6975DD9}" type="slidenum">
               <a:rPr lang="en-US" altLang="zh-TW" sz="1700" smtClean="0">
                 <a:latin typeface="Gill Sans MT"/>
                 <a:ea typeface="Microsoft JhengHei" pitchFamily="34" charset="-120"/>
@@ -11707,7 +11764,7 @@
       </p:sp>
       <p:sp>
         <p:nvSpPr>
-          <p:cNvPr id="55299" name="Rectangle 2"/>
+          <p:cNvPr id="54275" name="Rectangle 2"/>
           <p:cNvSpPr>
             <a:spLocks noGrp="1" noRot="1" noChangeAspect="1" noChangeArrowheads="1" noTextEdit="1"/>
           </p:cNvSpPr>
@@ -11721,7 +11778,7 @@
       </p:sp>
       <p:sp>
         <p:nvSpPr>
-          <p:cNvPr id="55300" name="Rectangle 3"/>
+          <p:cNvPr id="54276" name="Rectangle 3"/>
           <p:cNvSpPr>
             <a:spLocks noGrp="1" noChangeArrowheads="1"/>
           </p:cNvSpPr>
@@ -11792,6 +11849,277 @@
       </p:grpSpPr>
       <p:sp>
         <p:nvSpPr>
+          <p:cNvPr id="55298" name="Rectangle 7"/>
+          <p:cNvSpPr>
+            <a:spLocks noGrp="1" noChangeArrowheads="1"/>
+          </p:cNvSpPr>
+          <p:nvPr>
+            <p:ph type="sldNum" sz="quarter" idx="5"/>
+          </p:nvPr>
+        </p:nvSpPr>
+        <p:spPr>
+          <a:noFill/>
+          <a:ln/>
+          <a:extLst>
+            <a:ext uri="{909E8E84-426E-40DD-AFC4-6F175D3DCCD1}">
+              <a14:hiddenFill xmlns:a14="http://schemas.microsoft.com/office/drawing/2010/main">
+                <a:solidFill>
+                  <a:srgbClr val="FFFFFF"/>
+                </a:solidFill>
+              </a14:hiddenFill>
+            </a:ext>
+            <a:ext uri="{91240B29-F687-4F45-9708-019B960494DF}">
+              <a14:hiddenLine xmlns:a14="http://schemas.microsoft.com/office/drawing/2010/main" w="9525">
+                <a:solidFill>
+                  <a:srgbClr val="000000"/>
+                </a:solidFill>
+                <a:miter lim="800000"/>
+                <a:headEnd/>
+                <a:tailEnd/>
+              </a14:hiddenLine>
+            </a:ext>
+          </a:extLst>
+        </p:spPr>
+        <p:txBody>
+          <a:bodyPr/>
+          <a:lstStyle>
+            <a:lvl1pPr eaLnBrk="0" hangingPunct="0">
+              <a:spcBef>
+                <a:spcPct val="30000"/>
+              </a:spcBef>
+              <a:defRPr sz="1200">
+                <a:solidFill>
+                  <a:schemeClr val="tx1"/>
+                </a:solidFill>
+                <a:latin typeface="Arial" pitchFamily="34" charset="0"/>
+                <a:ea typeface="PMingLiU" pitchFamily="18" charset="-120"/>
+              </a:defRPr>
+            </a:lvl1pPr>
+            <a:lvl2pPr marL="742950" indent="-285750" eaLnBrk="0" hangingPunct="0">
+              <a:spcBef>
+                <a:spcPct val="30000"/>
+              </a:spcBef>
+              <a:defRPr sz="1200">
+                <a:solidFill>
+                  <a:schemeClr val="tx1"/>
+                </a:solidFill>
+                <a:latin typeface="Arial" pitchFamily="34" charset="0"/>
+                <a:ea typeface="PMingLiU" pitchFamily="18" charset="-120"/>
+              </a:defRPr>
+            </a:lvl2pPr>
+            <a:lvl3pPr marL="1143000" indent="-228600" eaLnBrk="0" hangingPunct="0">
+              <a:spcBef>
+                <a:spcPct val="30000"/>
+              </a:spcBef>
+              <a:defRPr sz="1200">
+                <a:solidFill>
+                  <a:schemeClr val="tx1"/>
+                </a:solidFill>
+                <a:latin typeface="Arial" pitchFamily="34" charset="0"/>
+                <a:ea typeface="PMingLiU" pitchFamily="18" charset="-120"/>
+              </a:defRPr>
+            </a:lvl3pPr>
+            <a:lvl4pPr marL="1600200" indent="-228600" eaLnBrk="0" hangingPunct="0">
+              <a:spcBef>
+                <a:spcPct val="30000"/>
+              </a:spcBef>
+              <a:defRPr sz="1200">
+                <a:solidFill>
+                  <a:schemeClr val="tx1"/>
+                </a:solidFill>
+                <a:latin typeface="Arial" pitchFamily="34" charset="0"/>
+                <a:ea typeface="PMingLiU" pitchFamily="18" charset="-120"/>
+              </a:defRPr>
+            </a:lvl4pPr>
+            <a:lvl5pPr marL="2057400" indent="-228600" eaLnBrk="0" hangingPunct="0">
+              <a:spcBef>
+                <a:spcPct val="30000"/>
+              </a:spcBef>
+              <a:defRPr sz="1200">
+                <a:solidFill>
+                  <a:schemeClr val="tx1"/>
+                </a:solidFill>
+                <a:latin typeface="Arial" pitchFamily="34" charset="0"/>
+                <a:ea typeface="PMingLiU" pitchFamily="18" charset="-120"/>
+              </a:defRPr>
+            </a:lvl5pPr>
+            <a:lvl6pPr marL="2514600" indent="-228600" eaLnBrk="0" fontAlgn="base" hangingPunct="0">
+              <a:spcBef>
+                <a:spcPct val="30000"/>
+              </a:spcBef>
+              <a:spcAft>
+                <a:spcPct val="0"/>
+              </a:spcAft>
+              <a:defRPr sz="1200">
+                <a:solidFill>
+                  <a:schemeClr val="tx1"/>
+                </a:solidFill>
+                <a:latin typeface="Arial" pitchFamily="34" charset="0"/>
+                <a:ea typeface="PMingLiU" pitchFamily="18" charset="-120"/>
+              </a:defRPr>
+            </a:lvl6pPr>
+            <a:lvl7pPr marL="2971800" indent="-228600" eaLnBrk="0" fontAlgn="base" hangingPunct="0">
+              <a:spcBef>
+                <a:spcPct val="30000"/>
+              </a:spcBef>
+              <a:spcAft>
+                <a:spcPct val="0"/>
+              </a:spcAft>
+              <a:defRPr sz="1200">
+                <a:solidFill>
+                  <a:schemeClr val="tx1"/>
+                </a:solidFill>
+                <a:latin typeface="Arial" pitchFamily="34" charset="0"/>
+                <a:ea typeface="PMingLiU" pitchFamily="18" charset="-120"/>
+              </a:defRPr>
+            </a:lvl7pPr>
+            <a:lvl8pPr marL="3429000" indent="-228600" eaLnBrk="0" fontAlgn="base" hangingPunct="0">
+              <a:spcBef>
+                <a:spcPct val="30000"/>
+              </a:spcBef>
+              <a:spcAft>
+                <a:spcPct val="0"/>
+              </a:spcAft>
+              <a:defRPr sz="1200">
+                <a:solidFill>
+                  <a:schemeClr val="tx1"/>
+                </a:solidFill>
+                <a:latin typeface="Arial" pitchFamily="34" charset="0"/>
+                <a:ea typeface="PMingLiU" pitchFamily="18" charset="-120"/>
+              </a:defRPr>
+            </a:lvl8pPr>
+            <a:lvl9pPr marL="3886200" indent="-228600" eaLnBrk="0" fontAlgn="base" hangingPunct="0">
+              <a:spcBef>
+                <a:spcPct val="30000"/>
+              </a:spcBef>
+              <a:spcAft>
+                <a:spcPct val="0"/>
+              </a:spcAft>
+              <a:defRPr sz="1200">
+                <a:solidFill>
+                  <a:schemeClr val="tx1"/>
+                </a:solidFill>
+                <a:latin typeface="Arial" pitchFamily="34" charset="0"/>
+                <a:ea typeface="PMingLiU" pitchFamily="18" charset="-120"/>
+              </a:defRPr>
+            </a:lvl9pPr>
+          </a:lstStyle>
+          <a:p>
+            <a:pPr eaLnBrk="1" hangingPunct="1">
+              <a:spcBef>
+                <a:spcPct val="0"/>
+              </a:spcBef>
+              <a:buFontTx/>
+              <a:buNone/>
+            </a:pPr>
+            <a:fld id="{4A52CA37-17A7-4A76-9E73-F7B0375E7F50}" type="slidenum">
+              <a:rPr lang="en-US" altLang="zh-TW" sz="1700" smtClean="0">
+                <a:latin typeface="Gill Sans MT"/>
+                <a:ea typeface="Microsoft JhengHei" pitchFamily="34" charset="-120"/>
+              </a:rPr>
+              <a:pPr eaLnBrk="1" hangingPunct="1">
+                <a:spcBef>
+                  <a:spcPct val="0"/>
+                </a:spcBef>
+                <a:buFontTx/>
+                <a:buNone/>
+              </a:pPr>
+              <a:t>35</a:t>
+            </a:fld>
+            <a:endParaRPr lang="en-US" altLang="zh-TW" sz="1700" smtClean="0">
+              <a:latin typeface="Gill Sans MT"/>
+              <a:ea typeface="Microsoft JhengHei" pitchFamily="34" charset="-120"/>
+            </a:endParaRPr>
+          </a:p>
+        </p:txBody>
+      </p:sp>
+      <p:sp>
+        <p:nvSpPr>
+          <p:cNvPr id="55299" name="Rectangle 2"/>
+          <p:cNvSpPr>
+            <a:spLocks noGrp="1" noRot="1" noChangeAspect="1" noChangeArrowheads="1" noTextEdit="1"/>
+          </p:cNvSpPr>
+          <p:nvPr>
+            <p:ph type="sldImg" idx="4294967295"/>
+          </p:nvPr>
+        </p:nvSpPr>
+        <p:spPr>
+          <a:ln/>
+        </p:spPr>
+      </p:sp>
+      <p:sp>
+        <p:nvSpPr>
+          <p:cNvPr id="55300" name="Rectangle 3"/>
+          <p:cNvSpPr>
+            <a:spLocks noGrp="1" noChangeArrowheads="1"/>
+          </p:cNvSpPr>
+          <p:nvPr>
+            <p:ph type="body" idx="4294967295"/>
+          </p:nvPr>
+        </p:nvSpPr>
+        <p:spPr>
+          <a:noFill/>
+          <a:ln/>
+          <a:extLst>
+            <a:ext uri="{909E8E84-426E-40DD-AFC4-6F175D3DCCD1}">
+              <a14:hiddenFill xmlns:a14="http://schemas.microsoft.com/office/drawing/2010/main">
+                <a:solidFill>
+                  <a:srgbClr val="FFFFFF"/>
+                </a:solidFill>
+              </a14:hiddenFill>
+            </a:ext>
+            <a:ext uri="{91240B29-F687-4F45-9708-019B960494DF}">
+              <a14:hiddenLine xmlns:a14="http://schemas.microsoft.com/office/drawing/2010/main" w="9525">
+                <a:solidFill>
+                  <a:srgbClr val="000000"/>
+                </a:solidFill>
+                <a:miter lim="800000"/>
+                <a:headEnd/>
+                <a:tailEnd/>
+              </a14:hiddenLine>
+            </a:ext>
+          </a:extLst>
+        </p:spPr>
+        <p:txBody>
+          <a:bodyPr>
+            <a:prstTxWarp prst="textNoShape">
+              <a:avLst/>
+            </a:prstTxWarp>
+          </a:bodyPr>
+          <a:lstStyle/>
+          <a:p>
+            <a:pPr eaLnBrk="1" hangingPunct="1"/>
+            <a:endParaRPr lang="zh-CN" altLang="en-US" smtClean="0"/>
+          </a:p>
+        </p:txBody>
+      </p:sp>
+    </p:spTree>
+  </p:cSld>
+  <p:clrMapOvr>
+    <a:masterClrMapping/>
+  </p:clrMapOvr>
+</p:notes>
+</file>
+
+<file path=ppt/notesSlides/notesSlide36.xml><?xml version="1.0" encoding="utf-8"?>
+<p:notes xmlns:a="http://schemas.openxmlformats.org/drawingml/2006/main" xmlns:r="http://schemas.openxmlformats.org/officeDocument/2006/relationships" xmlns:p="http://schemas.openxmlformats.org/presentationml/2006/main">
+  <p:cSld>
+    <p:spTree>
+      <p:nvGrpSpPr>
+        <p:cNvPr id="1" name=""/>
+        <p:cNvGrpSpPr/>
+        <p:nvPr/>
+      </p:nvGrpSpPr>
+      <p:grpSpPr>
+        <a:xfrm>
+          <a:off x="0" y="0"/>
+          <a:ext cx="0" cy="0"/>
+          <a:chOff x="0" y="0"/>
+          <a:chExt cx="0" cy="0"/>
+        </a:xfrm>
+      </p:grpSpPr>
+      <p:sp>
+        <p:nvSpPr>
           <p:cNvPr id="57346" name="Rectangle 7"/>
           <p:cNvSpPr>
             <a:spLocks noGrp="1" noChangeArrowheads="1"/>
@@ -11967,7 +12295,7 @@
                 <a:buFontTx/>
                 <a:buNone/>
               </a:pPr>
-              <a:t>35</a:t>
+              <a:t>36</a:t>
             </a:fld>
             <a:endParaRPr lang="en-US" altLang="zh-TW" sz="1700" smtClean="0">
               <a:latin typeface="Gill Sans MT"/>
@@ -17215,7 +17543,7 @@
       </p:sp>
       <p:pic>
         <p:nvPicPr>
-          <p:cNvPr id="78851" name="Picture 3"/>
+          <p:cNvPr id="77826" name="Picture 2"/>
           <p:cNvPicPr>
             <a:picLocks noChangeAspect="1" noChangeArrowheads="1"/>
           </p:cNvPicPr>
@@ -17236,8 +17564,8 @@
         </p:blipFill>
         <p:spPr bwMode="auto">
           <a:xfrm>
-            <a:off x="331788" y="2127250"/>
-            <a:ext cx="10147906" cy="3917950"/>
+            <a:off x="420688" y="2419350"/>
+            <a:ext cx="9720279" cy="3752850"/>
           </a:xfrm>
           <a:prstGeom prst="rect">
             <a:avLst/>
@@ -17270,7 +17598,7 @@
     </p:spTree>
     <p:extLst>
       <p:ext uri="{BB962C8B-B14F-4D97-AF65-F5344CB8AC3E}">
-        <p14:creationId xmlns:p14="http://schemas.microsoft.com/office/powerpoint/2010/main" val="2379001480"/>
+        <p14:creationId xmlns:p14="http://schemas.microsoft.com/office/powerpoint/2010/main" val="3004429615"/>
       </p:ext>
     </p:extLst>
   </p:cSld>
@@ -17306,6 +17634,500 @@
       </p:grpSpPr>
       <p:sp>
         <p:nvSpPr>
+          <p:cNvPr id="6146" name="灯片编号占位符 3"/>
+          <p:cNvSpPr>
+            <a:spLocks noGrp="1" noChangeArrowheads="1"/>
+          </p:cNvSpPr>
+          <p:nvPr>
+            <p:ph type="sldNum" sz="quarter" idx="10"/>
+          </p:nvPr>
+        </p:nvSpPr>
+        <p:spPr>
+          <a:noFill/>
+          <a:ln/>
+          <a:extLst>
+            <a:ext uri="{909E8E84-426E-40DD-AFC4-6F175D3DCCD1}">
+              <a14:hiddenFill xmlns:a14="http://schemas.microsoft.com/office/drawing/2010/main">
+                <a:solidFill>
+                  <a:srgbClr val="FFFFFF"/>
+                </a:solidFill>
+              </a14:hiddenFill>
+            </a:ext>
+            <a:ext uri="{91240B29-F687-4F45-9708-019B960494DF}">
+              <a14:hiddenLine xmlns:a14="http://schemas.microsoft.com/office/drawing/2010/main" w="9525">
+                <a:solidFill>
+                  <a:srgbClr val="000000"/>
+                </a:solidFill>
+                <a:miter lim="800000"/>
+                <a:headEnd/>
+                <a:tailEnd/>
+              </a14:hiddenLine>
+            </a:ext>
+          </a:extLst>
+        </p:spPr>
+        <p:txBody>
+          <a:bodyPr/>
+          <a:lstStyle>
+            <a:lvl1pPr defTabSz="820738" eaLnBrk="0" hangingPunct="0">
+              <a:spcBef>
+                <a:spcPct val="20000"/>
+              </a:spcBef>
+              <a:buChar char="•"/>
+              <a:defRPr sz="3300">
+                <a:solidFill>
+                  <a:srgbClr val="004664"/>
+                </a:solidFill>
+                <a:latin typeface="Gill Sans MT"/>
+                <a:ea typeface="Microsoft JhengHei" pitchFamily="34" charset="-120"/>
+              </a:defRPr>
+            </a:lvl1pPr>
+            <a:lvl2pPr marL="742950" indent="-285750" defTabSz="820738" eaLnBrk="0" hangingPunct="0">
+              <a:spcBef>
+                <a:spcPct val="20000"/>
+              </a:spcBef>
+              <a:buChar char="–"/>
+              <a:defRPr sz="2500">
+                <a:solidFill>
+                  <a:schemeClr val="tx1"/>
+                </a:solidFill>
+                <a:latin typeface="Gill Sans MT"/>
+                <a:ea typeface="Microsoft JhengHei" pitchFamily="34" charset="-120"/>
+              </a:defRPr>
+            </a:lvl2pPr>
+            <a:lvl3pPr marL="1143000" indent="-228600" defTabSz="820738" eaLnBrk="0" hangingPunct="0">
+              <a:spcBef>
+                <a:spcPct val="20000"/>
+              </a:spcBef>
+              <a:buChar char="•"/>
+              <a:defRPr sz="1700">
+                <a:solidFill>
+                  <a:srgbClr val="00638E"/>
+                </a:solidFill>
+                <a:latin typeface="Gill Sans MT"/>
+                <a:ea typeface="Microsoft JhengHei" pitchFamily="34" charset="-120"/>
+              </a:defRPr>
+            </a:lvl3pPr>
+            <a:lvl4pPr marL="1600200" indent="-228600" defTabSz="820738" eaLnBrk="0" hangingPunct="0">
+              <a:spcBef>
+                <a:spcPct val="20000"/>
+              </a:spcBef>
+              <a:buChar char="–"/>
+              <a:defRPr sz="1600">
+                <a:solidFill>
+                  <a:srgbClr val="777777"/>
+                </a:solidFill>
+                <a:latin typeface="Gill Sans MT"/>
+                <a:ea typeface="Microsoft JhengHei" pitchFamily="34" charset="-120"/>
+              </a:defRPr>
+            </a:lvl4pPr>
+            <a:lvl5pPr marL="2057400" indent="-228600" defTabSz="820738" eaLnBrk="0" hangingPunct="0">
+              <a:spcBef>
+                <a:spcPct val="20000"/>
+              </a:spcBef>
+              <a:buChar char="»"/>
+              <a:defRPr sz="2200">
+                <a:solidFill>
+                  <a:schemeClr val="tx1"/>
+                </a:solidFill>
+                <a:latin typeface="Gill Sans MT"/>
+                <a:ea typeface="PMingLiU" pitchFamily="18" charset="-120"/>
+              </a:defRPr>
+            </a:lvl5pPr>
+            <a:lvl6pPr marL="2514600" indent="-228600" defTabSz="820738" eaLnBrk="0" fontAlgn="base" hangingPunct="0">
+              <a:spcBef>
+                <a:spcPct val="20000"/>
+              </a:spcBef>
+              <a:spcAft>
+                <a:spcPct val="0"/>
+              </a:spcAft>
+              <a:buChar char="»"/>
+              <a:defRPr sz="2200">
+                <a:solidFill>
+                  <a:schemeClr val="tx1"/>
+                </a:solidFill>
+                <a:latin typeface="Gill Sans MT"/>
+                <a:ea typeface="PMingLiU" pitchFamily="18" charset="-120"/>
+              </a:defRPr>
+            </a:lvl6pPr>
+            <a:lvl7pPr marL="2971800" indent="-228600" defTabSz="820738" eaLnBrk="0" fontAlgn="base" hangingPunct="0">
+              <a:spcBef>
+                <a:spcPct val="20000"/>
+              </a:spcBef>
+              <a:spcAft>
+                <a:spcPct val="0"/>
+              </a:spcAft>
+              <a:buChar char="»"/>
+              <a:defRPr sz="2200">
+                <a:solidFill>
+                  <a:schemeClr val="tx1"/>
+                </a:solidFill>
+                <a:latin typeface="Gill Sans MT"/>
+                <a:ea typeface="PMingLiU" pitchFamily="18" charset="-120"/>
+              </a:defRPr>
+            </a:lvl7pPr>
+            <a:lvl8pPr marL="3429000" indent="-228600" defTabSz="820738" eaLnBrk="0" fontAlgn="base" hangingPunct="0">
+              <a:spcBef>
+                <a:spcPct val="20000"/>
+              </a:spcBef>
+              <a:spcAft>
+                <a:spcPct val="0"/>
+              </a:spcAft>
+              <a:buChar char="»"/>
+              <a:defRPr sz="2200">
+                <a:solidFill>
+                  <a:schemeClr val="tx1"/>
+                </a:solidFill>
+                <a:latin typeface="Gill Sans MT"/>
+                <a:ea typeface="PMingLiU" pitchFamily="18" charset="-120"/>
+              </a:defRPr>
+            </a:lvl8pPr>
+            <a:lvl9pPr marL="3886200" indent="-228600" defTabSz="820738" eaLnBrk="0" fontAlgn="base" hangingPunct="0">
+              <a:spcBef>
+                <a:spcPct val="20000"/>
+              </a:spcBef>
+              <a:spcAft>
+                <a:spcPct val="0"/>
+              </a:spcAft>
+              <a:buChar char="»"/>
+              <a:defRPr sz="2200">
+                <a:solidFill>
+                  <a:schemeClr val="tx1"/>
+                </a:solidFill>
+                <a:latin typeface="Gill Sans MT"/>
+                <a:ea typeface="PMingLiU" pitchFamily="18" charset="-120"/>
+              </a:defRPr>
+            </a:lvl9pPr>
+          </a:lstStyle>
+          <a:p>
+            <a:pPr eaLnBrk="1" hangingPunct="1">
+              <a:spcBef>
+                <a:spcPct val="0"/>
+              </a:spcBef>
+              <a:buFontTx/>
+              <a:buNone/>
+            </a:pPr>
+            <a:fld id="{0EE87806-33A4-49F6-B50C-513E7DA96333}" type="slidenum">
+              <a:rPr lang="en-US" altLang="zh-TW" sz="1300" smtClean="0">
+                <a:solidFill>
+                  <a:srgbClr val="B2B2B2"/>
+                </a:solidFill>
+                <a:latin typeface="Arial" pitchFamily="34" charset="0"/>
+                <a:ea typeface="PMingLiU" pitchFamily="18" charset="-120"/>
+              </a:rPr>
+              <a:pPr eaLnBrk="1" hangingPunct="1">
+                <a:spcBef>
+                  <a:spcPct val="0"/>
+                </a:spcBef>
+                <a:buFontTx/>
+                <a:buNone/>
+              </a:pPr>
+              <a:t>11</a:t>
+            </a:fld>
+            <a:endParaRPr lang="en-US" altLang="zh-TW" sz="1300" smtClean="0">
+              <a:solidFill>
+                <a:srgbClr val="B2B2B2"/>
+              </a:solidFill>
+              <a:latin typeface="Arial" pitchFamily="34" charset="0"/>
+              <a:ea typeface="PMingLiU" pitchFamily="18" charset="-120"/>
+            </a:endParaRPr>
+          </a:p>
+        </p:txBody>
+      </p:sp>
+      <p:sp>
+        <p:nvSpPr>
+          <p:cNvPr id="6147" name="Rectangle 4"/>
+          <p:cNvSpPr>
+            <a:spLocks noChangeArrowheads="1"/>
+          </p:cNvSpPr>
+          <p:nvPr/>
+        </p:nvSpPr>
+        <p:spPr bwMode="auto">
+          <a:xfrm>
+            <a:off x="623888" y="434975"/>
+            <a:ext cx="8280400" cy="647700"/>
+          </a:xfrm>
+          <a:prstGeom prst="rect">
+            <a:avLst/>
+          </a:prstGeom>
+          <a:noFill/>
+          <a:ln>
+            <a:noFill/>
+          </a:ln>
+          <a:extLst>
+            <a:ext uri="{909E8E84-426E-40DD-AFC4-6F175D3DCCD1}">
+              <a14:hiddenFill xmlns:a14="http://schemas.microsoft.com/office/drawing/2010/main">
+                <a:solidFill>
+                  <a:srgbClr val="FFFFFF"/>
+                </a:solidFill>
+              </a14:hiddenFill>
+            </a:ext>
+            <a:ext uri="{91240B29-F687-4F45-9708-019B960494DF}">
+              <a14:hiddenLine xmlns:a14="http://schemas.microsoft.com/office/drawing/2010/main" w="9525">
+                <a:solidFill>
+                  <a:srgbClr val="000000"/>
+                </a:solidFill>
+                <a:miter lim="800000"/>
+                <a:headEnd/>
+                <a:tailEnd/>
+              </a14:hiddenLine>
+            </a:ext>
+          </a:extLst>
+        </p:spPr>
+        <p:txBody>
+          <a:bodyPr anchor="ctr"/>
+          <a:lstStyle>
+            <a:lvl1pPr eaLnBrk="0" hangingPunct="0">
+              <a:spcBef>
+                <a:spcPct val="20000"/>
+              </a:spcBef>
+              <a:buChar char="•"/>
+              <a:defRPr sz="3300">
+                <a:solidFill>
+                  <a:srgbClr val="004664"/>
+                </a:solidFill>
+                <a:latin typeface="Gill Sans MT"/>
+                <a:ea typeface="Microsoft JhengHei" pitchFamily="34" charset="-120"/>
+              </a:defRPr>
+            </a:lvl1pPr>
+            <a:lvl2pPr marL="742950" indent="-285750" eaLnBrk="0" hangingPunct="0">
+              <a:spcBef>
+                <a:spcPct val="20000"/>
+              </a:spcBef>
+              <a:buChar char="–"/>
+              <a:defRPr sz="2500">
+                <a:solidFill>
+                  <a:schemeClr val="tx1"/>
+                </a:solidFill>
+                <a:latin typeface="Gill Sans MT"/>
+                <a:ea typeface="Microsoft JhengHei" pitchFamily="34" charset="-120"/>
+              </a:defRPr>
+            </a:lvl2pPr>
+            <a:lvl3pPr marL="1143000" indent="-228600" eaLnBrk="0" hangingPunct="0">
+              <a:spcBef>
+                <a:spcPct val="20000"/>
+              </a:spcBef>
+              <a:buChar char="•"/>
+              <a:defRPr sz="1700">
+                <a:solidFill>
+                  <a:srgbClr val="00638E"/>
+                </a:solidFill>
+                <a:latin typeface="Gill Sans MT"/>
+                <a:ea typeface="Microsoft JhengHei" pitchFamily="34" charset="-120"/>
+              </a:defRPr>
+            </a:lvl3pPr>
+            <a:lvl4pPr marL="1600200" indent="-228600" eaLnBrk="0" hangingPunct="0">
+              <a:spcBef>
+                <a:spcPct val="20000"/>
+              </a:spcBef>
+              <a:buChar char="–"/>
+              <a:defRPr sz="1600">
+                <a:solidFill>
+                  <a:srgbClr val="777777"/>
+                </a:solidFill>
+                <a:latin typeface="Gill Sans MT"/>
+                <a:ea typeface="Microsoft JhengHei" pitchFamily="34" charset="-120"/>
+              </a:defRPr>
+            </a:lvl4pPr>
+            <a:lvl5pPr marL="2057400" indent="-228600" eaLnBrk="0" hangingPunct="0">
+              <a:spcBef>
+                <a:spcPct val="20000"/>
+              </a:spcBef>
+              <a:buChar char="»"/>
+              <a:defRPr sz="2200">
+                <a:solidFill>
+                  <a:schemeClr val="tx1"/>
+                </a:solidFill>
+                <a:latin typeface="Gill Sans MT"/>
+                <a:ea typeface="PMingLiU" pitchFamily="18" charset="-120"/>
+              </a:defRPr>
+            </a:lvl5pPr>
+            <a:lvl6pPr marL="2514600" indent="-228600" eaLnBrk="0" fontAlgn="base" hangingPunct="0">
+              <a:spcBef>
+                <a:spcPct val="20000"/>
+              </a:spcBef>
+              <a:spcAft>
+                <a:spcPct val="0"/>
+              </a:spcAft>
+              <a:buChar char="»"/>
+              <a:defRPr sz="2200">
+                <a:solidFill>
+                  <a:schemeClr val="tx1"/>
+                </a:solidFill>
+                <a:latin typeface="Gill Sans MT"/>
+                <a:ea typeface="PMingLiU" pitchFamily="18" charset="-120"/>
+              </a:defRPr>
+            </a:lvl6pPr>
+            <a:lvl7pPr marL="2971800" indent="-228600" eaLnBrk="0" fontAlgn="base" hangingPunct="0">
+              <a:spcBef>
+                <a:spcPct val="20000"/>
+              </a:spcBef>
+              <a:spcAft>
+                <a:spcPct val="0"/>
+              </a:spcAft>
+              <a:buChar char="»"/>
+              <a:defRPr sz="2200">
+                <a:solidFill>
+                  <a:schemeClr val="tx1"/>
+                </a:solidFill>
+                <a:latin typeface="Gill Sans MT"/>
+                <a:ea typeface="PMingLiU" pitchFamily="18" charset="-120"/>
+              </a:defRPr>
+            </a:lvl7pPr>
+            <a:lvl8pPr marL="3429000" indent="-228600" eaLnBrk="0" fontAlgn="base" hangingPunct="0">
+              <a:spcBef>
+                <a:spcPct val="20000"/>
+              </a:spcBef>
+              <a:spcAft>
+                <a:spcPct val="0"/>
+              </a:spcAft>
+              <a:buChar char="»"/>
+              <a:defRPr sz="2200">
+                <a:solidFill>
+                  <a:schemeClr val="tx1"/>
+                </a:solidFill>
+                <a:latin typeface="Gill Sans MT"/>
+                <a:ea typeface="PMingLiU" pitchFamily="18" charset="-120"/>
+              </a:defRPr>
+            </a:lvl8pPr>
+            <a:lvl9pPr marL="3886200" indent="-228600" eaLnBrk="0" fontAlgn="base" hangingPunct="0">
+              <a:spcBef>
+                <a:spcPct val="20000"/>
+              </a:spcBef>
+              <a:spcAft>
+                <a:spcPct val="0"/>
+              </a:spcAft>
+              <a:buChar char="»"/>
+              <a:defRPr sz="2200">
+                <a:solidFill>
+                  <a:schemeClr val="tx1"/>
+                </a:solidFill>
+                <a:latin typeface="Gill Sans MT"/>
+                <a:ea typeface="PMingLiU" pitchFamily="18" charset="-120"/>
+              </a:defRPr>
+            </a:lvl9pPr>
+          </a:lstStyle>
+          <a:p>
+            <a:pPr eaLnBrk="1" hangingPunct="1">
+              <a:spcBef>
+                <a:spcPct val="0"/>
+              </a:spcBef>
+              <a:buFontTx/>
+              <a:buNone/>
+            </a:pPr>
+            <a:r>
+              <a:rPr lang="zh-CN" altLang="en-US" sz="3400" b="1" dirty="0" smtClean="0">
+                <a:latin typeface="微软雅黑" pitchFamily="34" charset="-122"/>
+                <a:ea typeface="微软雅黑" pitchFamily="34" charset="-122"/>
+              </a:rPr>
+              <a:t>权限模型 </a:t>
+            </a:r>
+            <a:r>
+              <a:rPr lang="en-US" altLang="zh-CN" sz="3400" b="1" dirty="0" smtClean="0">
+                <a:latin typeface="微软雅黑" pitchFamily="34" charset="-122"/>
+                <a:ea typeface="微软雅黑" pitchFamily="34" charset="-122"/>
+              </a:rPr>
+              <a:t>– Permission</a:t>
+            </a:r>
+            <a:endParaRPr lang="en-US" altLang="zh-TW" sz="3400" b="1" dirty="0">
+              <a:latin typeface="微软雅黑" pitchFamily="34" charset="-122"/>
+              <a:ea typeface="微软雅黑" pitchFamily="34" charset="-122"/>
+            </a:endParaRPr>
+          </a:p>
+        </p:txBody>
+      </p:sp>
+      <p:pic>
+        <p:nvPicPr>
+          <p:cNvPr id="78851" name="Picture 3"/>
+          <p:cNvPicPr>
+            <a:picLocks noChangeAspect="1" noChangeArrowheads="1"/>
+          </p:cNvPicPr>
+          <p:nvPr/>
+        </p:nvPicPr>
+        <p:blipFill>
+          <a:blip r:embed="rId3">
+            <a:extLst>
+              <a:ext uri="{28A0092B-C50C-407E-A947-70E740481C1C}">
+                <a14:useLocalDpi xmlns:a14="http://schemas.microsoft.com/office/drawing/2010/main" val="0"/>
+              </a:ext>
+            </a:extLst>
+          </a:blip>
+          <a:srcRect/>
+          <a:stretch>
+            <a:fillRect/>
+          </a:stretch>
+        </p:blipFill>
+        <p:spPr bwMode="auto">
+          <a:xfrm>
+            <a:off x="331788" y="2127250"/>
+            <a:ext cx="10147906" cy="3917950"/>
+          </a:xfrm>
+          <a:prstGeom prst="rect">
+            <a:avLst/>
+          </a:prstGeom>
+          <a:noFill/>
+          <a:ln>
+            <a:noFill/>
+          </a:ln>
+          <a:extLst>
+            <a:ext uri="{909E8E84-426E-40DD-AFC4-6F175D3DCCD1}">
+              <a14:hiddenFill xmlns:a14="http://schemas.microsoft.com/office/drawing/2010/main">
+                <a:solidFill>
+                  <a:schemeClr val="accent1"/>
+                </a:solidFill>
+              </a14:hiddenFill>
+            </a:ext>
+            <a:ext uri="{91240B29-F687-4F45-9708-019B960494DF}">
+              <a14:hiddenLine xmlns:a14="http://schemas.microsoft.com/office/drawing/2010/main" w="9525">
+                <a:solidFill>
+                  <a:schemeClr val="tx1"/>
+                </a:solidFill>
+                <a:miter lim="800000"/>
+                <a:headEnd/>
+                <a:tailEnd/>
+              </a14:hiddenLine>
+            </a:ext>
+          </a:extLst>
+        </p:spPr>
+      </p:pic>
+    </p:spTree>
+    <p:extLst>
+      <p:ext uri="{BB962C8B-B14F-4D97-AF65-F5344CB8AC3E}">
+        <p14:creationId xmlns:p14="http://schemas.microsoft.com/office/powerpoint/2010/main" val="2379001480"/>
+      </p:ext>
+    </p:extLst>
+  </p:cSld>
+  <p:clrMapOvr>
+    <a:masterClrMapping/>
+  </p:clrMapOvr>
+  <p:timing>
+    <p:tnLst>
+      <p:par>
+        <p:cTn id="1" dur="indefinite" restart="never" nodeType="tmRoot"/>
+      </p:par>
+    </p:tnLst>
+  </p:timing>
+</p:sld>
+</file>
+
+<file path=ppt/slides/slide12.xml><?xml version="1.0" encoding="utf-8"?>
+<p:sld xmlns:a="http://schemas.openxmlformats.org/drawingml/2006/main" xmlns:r="http://schemas.openxmlformats.org/officeDocument/2006/relationships" xmlns:p="http://schemas.openxmlformats.org/presentationml/2006/main">
+  <p:cSld>
+    <p:spTree>
+      <p:nvGrpSpPr>
+        <p:cNvPr id="1" name=""/>
+        <p:cNvGrpSpPr/>
+        <p:nvPr/>
+      </p:nvGrpSpPr>
+      <p:grpSpPr>
+        <a:xfrm>
+          <a:off x="0" y="0"/>
+          <a:ext cx="0" cy="0"/>
+          <a:chOff x="0" y="0"/>
+          <a:chExt cx="0" cy="0"/>
+        </a:xfrm>
+      </p:grpSpPr>
+      <p:sp>
+        <p:nvSpPr>
           <p:cNvPr id="7170" name="灯片编号占位符 3"/>
           <p:cNvSpPr>
             <a:spLocks noGrp="1" noChangeArrowheads="1"/>
@@ -17493,7 +18315,7 @@
                 <a:buFontTx/>
                 <a:buNone/>
               </a:pPr>
-              <a:t>11</a:t>
+              <a:t>12</a:t>
             </a:fld>
             <a:endParaRPr lang="en-US" altLang="zh-TW" sz="1300" smtClean="0">
               <a:solidFill>
@@ -17691,21 +18513,7 @@
                 <a:latin typeface="微软雅黑" pitchFamily="34" charset="-122"/>
                 <a:ea typeface="微软雅黑" pitchFamily="34" charset="-122"/>
               </a:rPr>
-              <a:t>简介 </a:t>
-            </a:r>
-            <a:r>
-              <a:rPr lang="en-US" altLang="zh-CN" sz="3400" b="1" dirty="0" smtClean="0">
-                <a:latin typeface="微软雅黑" pitchFamily="34" charset="-122"/>
-                <a:ea typeface="微软雅黑" pitchFamily="34" charset="-122"/>
-              </a:rPr>
-              <a:t>– </a:t>
-            </a:r>
-            <a:r>
-              <a:rPr lang="zh-CN" altLang="en-US" sz="3400" b="1" dirty="0" smtClean="0">
-                <a:latin typeface="微软雅黑" pitchFamily="34" charset="-122"/>
-                <a:ea typeface="微软雅黑" pitchFamily="34" charset="-122"/>
-              </a:rPr>
-              <a:t>特点</a:t>
+              <a:t>特性</a:t>
             </a:r>
             <a:endParaRPr lang="en-US" altLang="zh-TW" sz="3400" b="1" dirty="0">
               <a:latin typeface="微软雅黑" pitchFamily="34" charset="-122"/>
@@ -17938,7 +18746,7 @@
 </p:sld>
 </file>
 
-<file path=ppt/slides/slide12.xml><?xml version="1.0" encoding="utf-8"?>
+<file path=ppt/slides/slide13.xml><?xml version="1.0" encoding="utf-8"?>
 <p:sld xmlns:a="http://schemas.openxmlformats.org/drawingml/2006/main" xmlns:r="http://schemas.openxmlformats.org/officeDocument/2006/relationships" xmlns:p="http://schemas.openxmlformats.org/presentationml/2006/main">
   <p:cSld>
     <p:spTree>
@@ -18144,7 +18952,7 @@
                 <a:buFontTx/>
                 <a:buNone/>
               </a:pPr>
-              <a:t>12</a:t>
+              <a:t>13</a:t>
             </a:fld>
             <a:endParaRPr lang="en-US" altLang="zh-TW" sz="1300" smtClean="0">
               <a:solidFill>
@@ -18342,7 +19150,7 @@
                 <a:latin typeface="微软雅黑" pitchFamily="34" charset="-122"/>
                 <a:ea typeface="微软雅黑" pitchFamily="34" charset="-122"/>
               </a:rPr>
-              <a:t>特点 </a:t>
+              <a:t>特性 </a:t>
             </a:r>
             <a:r>
               <a:rPr lang="en-US" altLang="zh-CN" sz="3400" b="1" dirty="0" smtClean="0">
@@ -18689,7 +19497,7 @@
 </p:sld>
 </file>
 
-<file path=ppt/slides/slide13.xml><?xml version="1.0" encoding="utf-8"?>
+<file path=ppt/slides/slide14.xml><?xml version="1.0" encoding="utf-8"?>
 <p:sld xmlns:a="http://schemas.openxmlformats.org/drawingml/2006/main" xmlns:r="http://schemas.openxmlformats.org/officeDocument/2006/relationships" xmlns:p="http://schemas.openxmlformats.org/presentationml/2006/main">
   <p:cSld>
     <p:spTree>
@@ -18895,7 +19703,7 @@
                 <a:buFontTx/>
                 <a:buNone/>
               </a:pPr>
-              <a:t>13</a:t>
+              <a:t>14</a:t>
             </a:fld>
             <a:endParaRPr lang="en-US" altLang="zh-TW" sz="1300" smtClean="0">
               <a:solidFill>
@@ -19089,11 +19897,18 @@
               <a:buNone/>
             </a:pPr>
             <a:r>
+              <a:rPr lang="zh-CN" altLang="en-US" sz="3400" b="1" dirty="0">
+                <a:latin typeface="微软雅黑" pitchFamily="34" charset="-122"/>
+                <a:ea typeface="微软雅黑" pitchFamily="34" charset="-122"/>
+              </a:rPr>
+              <a:t>特性</a:t>
+            </a:r>
+            <a:r>
               <a:rPr lang="zh-CN" altLang="en-US" sz="3400" b="1" dirty="0" smtClean="0">
                 <a:latin typeface="微软雅黑" pitchFamily="34" charset="-122"/>
                 <a:ea typeface="微软雅黑" pitchFamily="34" charset="-122"/>
               </a:rPr>
-              <a:t>特点 </a:t>
+              <a:t> </a:t>
             </a:r>
             <a:r>
               <a:rPr lang="en-US" altLang="zh-CN" sz="3400" b="1" dirty="0" smtClean="0">
@@ -19445,7 +20260,7 @@
 </p:sld>
 </file>
 
-<file path=ppt/slides/slide14.xml><?xml version="1.0" encoding="utf-8"?>
+<file path=ppt/slides/slide15.xml><?xml version="1.0" encoding="utf-8"?>
 <p:sld xmlns:a="http://schemas.openxmlformats.org/drawingml/2006/main" xmlns:r="http://schemas.openxmlformats.org/officeDocument/2006/relationships" xmlns:p="http://schemas.openxmlformats.org/presentationml/2006/main">
   <p:cSld>
     <p:spTree>
@@ -19651,7 +20466,7 @@
                 <a:buFontTx/>
                 <a:buNone/>
               </a:pPr>
-              <a:t>14</a:t>
+              <a:t>15</a:t>
             </a:fld>
             <a:endParaRPr lang="en-US" altLang="zh-TW" sz="1300" smtClean="0">
               <a:solidFill>
@@ -19845,11 +20660,18 @@
               <a:buNone/>
             </a:pPr>
             <a:r>
+              <a:rPr lang="zh-CN" altLang="en-US" sz="3400" b="1" dirty="0">
+                <a:latin typeface="微软雅黑" pitchFamily="34" charset="-122"/>
+                <a:ea typeface="微软雅黑" pitchFamily="34" charset="-122"/>
+              </a:rPr>
+              <a:t>特性</a:t>
+            </a:r>
+            <a:r>
               <a:rPr lang="zh-CN" altLang="en-US" sz="3400" b="1" dirty="0" smtClean="0">
                 <a:latin typeface="微软雅黑" pitchFamily="34" charset="-122"/>
                 <a:ea typeface="微软雅黑" pitchFamily="34" charset="-122"/>
               </a:rPr>
-              <a:t>特点 </a:t>
+              <a:t> </a:t>
             </a:r>
             <a:r>
               <a:rPr lang="en-US" altLang="zh-CN" sz="3400" b="1" dirty="0" smtClean="0">
@@ -20201,7 +21023,7 @@
 </p:sld>
 </file>
 
-<file path=ppt/slides/slide15.xml><?xml version="1.0" encoding="utf-8"?>
+<file path=ppt/slides/slide16.xml><?xml version="1.0" encoding="utf-8"?>
 <p:sld xmlns:a="http://schemas.openxmlformats.org/drawingml/2006/main" xmlns:r="http://schemas.openxmlformats.org/officeDocument/2006/relationships" xmlns:p="http://schemas.openxmlformats.org/presentationml/2006/main">
   <p:cSld>
     <p:spTree>
@@ -20265,7 +21087,7 @@
 </p:sld>
 </file>
 
-<file path=ppt/slides/slide16.xml><?xml version="1.0" encoding="utf-8"?>
+<file path=ppt/slides/slide17.xml><?xml version="1.0" encoding="utf-8"?>
 <p:sld xmlns:a="http://schemas.openxmlformats.org/drawingml/2006/main" xmlns:r="http://schemas.openxmlformats.org/officeDocument/2006/relationships" xmlns:p="http://schemas.openxmlformats.org/presentationml/2006/main">
   <p:cSld>
     <p:spTree>
@@ -20471,7 +21293,7 @@
                 <a:buFontTx/>
                 <a:buNone/>
               </a:pPr>
-              <a:t>16</a:t>
+              <a:t>17</a:t>
             </a:fld>
             <a:endParaRPr lang="en-US" altLang="zh-TW" sz="1300" smtClean="0">
               <a:solidFill>
@@ -21788,7 +22610,7 @@
 </p:sld>
 </file>
 
-<file path=ppt/slides/slide17.xml><?xml version="1.0" encoding="utf-8"?>
+<file path=ppt/slides/slide18.xml><?xml version="1.0" encoding="utf-8"?>
 <p:sld xmlns:a="http://schemas.openxmlformats.org/drawingml/2006/main" xmlns:r="http://schemas.openxmlformats.org/officeDocument/2006/relationships" xmlns:p="http://schemas.openxmlformats.org/presentationml/2006/main">
   <p:cSld>
     <p:spTree>
@@ -21805,6 +22627,128 @@
           <a:chExt cx="0" cy="0"/>
         </a:xfrm>
       </p:grpSpPr>
+      <p:pic>
+        <p:nvPicPr>
+          <p:cNvPr id="1027" name="Picture 3"/>
+          <p:cNvPicPr>
+            <a:picLocks noChangeAspect="1" noChangeArrowheads="1"/>
+          </p:cNvPicPr>
+          <p:nvPr/>
+        </p:nvPicPr>
+        <p:blipFill>
+          <a:blip r:embed="rId3">
+            <a:extLst>
+              <a:ext uri="{28A0092B-C50C-407E-A947-70E740481C1C}">
+                <a14:useLocalDpi xmlns:a14="http://schemas.microsoft.com/office/drawing/2010/main" val="0"/>
+              </a:ext>
+            </a:extLst>
+          </a:blip>
+          <a:srcRect/>
+          <a:stretch>
+            <a:fillRect/>
+          </a:stretch>
+        </p:blipFill>
+        <p:spPr bwMode="auto">
+          <a:xfrm>
+            <a:off x="852488" y="1398063"/>
+            <a:ext cx="3495675" cy="5620799"/>
+          </a:xfrm>
+          <a:prstGeom prst="rect">
+            <a:avLst/>
+          </a:prstGeom>
+          <a:noFill/>
+          <a:ln>
+            <a:noFill/>
+          </a:ln>
+          <a:extLst>
+            <a:ext uri="{909E8E84-426E-40DD-AFC4-6F175D3DCCD1}">
+              <a14:hiddenFill xmlns:a14="http://schemas.microsoft.com/office/drawing/2010/main">
+                <a:solidFill>
+                  <a:schemeClr val="accent1"/>
+                </a:solidFill>
+              </a14:hiddenFill>
+            </a:ext>
+            <a:ext uri="{91240B29-F687-4F45-9708-019B960494DF}">
+              <a14:hiddenLine xmlns:a14="http://schemas.microsoft.com/office/drawing/2010/main" w="9525">
+                <a:solidFill>
+                  <a:schemeClr val="tx1"/>
+                </a:solidFill>
+                <a:miter lim="800000"/>
+                <a:headEnd/>
+                <a:tailEnd/>
+              </a14:hiddenLine>
+            </a:ext>
+          </a:extLst>
+        </p:spPr>
+      </p:pic>
+      <p:cxnSp>
+        <p:nvCxnSpPr>
+          <p:cNvPr id="44" name="直接箭头连接符 43"/>
+          <p:cNvCxnSpPr/>
+          <p:nvPr/>
+        </p:nvCxnSpPr>
+        <p:spPr bwMode="auto">
+          <a:xfrm flipH="1" flipV="1">
+            <a:off x="4089400" y="6380161"/>
+            <a:ext cx="1473200" cy="0"/>
+          </a:xfrm>
+          <a:prstGeom prst="straightConnector1">
+            <a:avLst/>
+          </a:prstGeom>
+          <a:ln w="19050">
+            <a:headEnd type="none" w="med" len="med"/>
+            <a:tailEnd type="arrow"/>
+          </a:ln>
+        </p:spPr>
+        <p:style>
+          <a:lnRef idx="1">
+            <a:schemeClr val="accent3"/>
+          </a:lnRef>
+          <a:fillRef idx="0">
+            <a:schemeClr val="accent3"/>
+          </a:fillRef>
+          <a:effectRef idx="0">
+            <a:schemeClr val="accent3"/>
+          </a:effectRef>
+          <a:fontRef idx="minor">
+            <a:schemeClr val="tx1"/>
+          </a:fontRef>
+        </p:style>
+      </p:cxnSp>
+      <p:cxnSp>
+        <p:nvCxnSpPr>
+          <p:cNvPr id="34" name="直接箭头连接符 33"/>
+          <p:cNvCxnSpPr/>
+          <p:nvPr/>
+        </p:nvCxnSpPr>
+        <p:spPr bwMode="auto">
+          <a:xfrm flipH="1" flipV="1">
+            <a:off x="4089400" y="5518150"/>
+            <a:ext cx="952500" cy="0"/>
+          </a:xfrm>
+          <a:prstGeom prst="straightConnector1">
+            <a:avLst/>
+          </a:prstGeom>
+          <a:ln w="19050">
+            <a:headEnd type="none" w="med" len="med"/>
+            <a:tailEnd type="arrow"/>
+          </a:ln>
+        </p:spPr>
+        <p:style>
+          <a:lnRef idx="1">
+            <a:schemeClr val="accent3"/>
+          </a:lnRef>
+          <a:fillRef idx="0">
+            <a:schemeClr val="accent3"/>
+          </a:fillRef>
+          <a:effectRef idx="0">
+            <a:schemeClr val="accent3"/>
+          </a:effectRef>
+          <a:fontRef idx="minor">
+            <a:schemeClr val="tx1"/>
+          </a:fontRef>
+        </p:style>
+      </p:cxnSp>
       <p:sp>
         <p:nvSpPr>
           <p:cNvPr id="11266" name="灯片编号占位符 3"/>
@@ -21994,7 +22938,7 @@
                 <a:buFontTx/>
                 <a:buNone/>
               </a:pPr>
-              <a:t>17</a:t>
+              <a:t>18</a:t>
             </a:fld>
             <a:endParaRPr lang="en-US" altLang="zh-TW" sz="1300" smtClean="0">
               <a:solidFill>
@@ -22201,249 +23145,6 @@
           </a:p>
         </p:txBody>
       </p:sp>
-      <p:sp>
-        <p:nvSpPr>
-          <p:cNvPr id="11268" name="Rectangle 5"/>
-          <p:cNvSpPr>
-            <a:spLocks noChangeArrowheads="1"/>
-          </p:cNvSpPr>
-          <p:nvPr/>
-        </p:nvSpPr>
-        <p:spPr bwMode="auto">
-          <a:xfrm>
-            <a:off x="292100" y="1370013"/>
-            <a:ext cx="9855200" cy="4679950"/>
-          </a:xfrm>
-          <a:prstGeom prst="rect">
-            <a:avLst/>
-          </a:prstGeom>
-          <a:noFill/>
-          <a:ln>
-            <a:noFill/>
-          </a:ln>
-          <a:extLst>
-            <a:ext uri="{909E8E84-426E-40DD-AFC4-6F175D3DCCD1}">
-              <a14:hiddenFill xmlns:a14="http://schemas.microsoft.com/office/drawing/2010/main">
-                <a:solidFill>
-                  <a:srgbClr val="FFFFFF"/>
-                </a:solidFill>
-              </a14:hiddenFill>
-            </a:ext>
-            <a:ext uri="{91240B29-F687-4F45-9708-019B960494DF}">
-              <a14:hiddenLine xmlns:a14="http://schemas.microsoft.com/office/drawing/2010/main" w="9525">
-                <a:solidFill>
-                  <a:srgbClr val="000000"/>
-                </a:solidFill>
-                <a:miter lim="800000"/>
-                <a:headEnd/>
-                <a:tailEnd/>
-              </a14:hiddenLine>
-            </a:ext>
-          </a:extLst>
-        </p:spPr>
-        <p:txBody>
-          <a:bodyPr/>
-          <a:lstStyle>
-            <a:lvl1pPr marL="390525" eaLnBrk="0" hangingPunct="0">
-              <a:spcBef>
-                <a:spcPct val="20000"/>
-              </a:spcBef>
-              <a:buChar char="•"/>
-              <a:defRPr sz="3300">
-                <a:solidFill>
-                  <a:srgbClr val="004664"/>
-                </a:solidFill>
-                <a:latin typeface="Gill Sans MT"/>
-                <a:ea typeface="Microsoft JhengHei" pitchFamily="34" charset="-120"/>
-              </a:defRPr>
-            </a:lvl1pPr>
-            <a:lvl2pPr marL="742950" indent="-285750" eaLnBrk="0" hangingPunct="0">
-              <a:spcBef>
-                <a:spcPct val="20000"/>
-              </a:spcBef>
-              <a:buChar char="–"/>
-              <a:defRPr sz="2500">
-                <a:solidFill>
-                  <a:schemeClr val="tx1"/>
-                </a:solidFill>
-                <a:latin typeface="Gill Sans MT"/>
-                <a:ea typeface="Microsoft JhengHei" pitchFamily="34" charset="-120"/>
-              </a:defRPr>
-            </a:lvl2pPr>
-            <a:lvl3pPr marL="1143000" indent="-228600" eaLnBrk="0" hangingPunct="0">
-              <a:spcBef>
-                <a:spcPct val="20000"/>
-              </a:spcBef>
-              <a:buChar char="•"/>
-              <a:defRPr sz="1700">
-                <a:solidFill>
-                  <a:srgbClr val="00638E"/>
-                </a:solidFill>
-                <a:latin typeface="Gill Sans MT"/>
-                <a:ea typeface="Microsoft JhengHei" pitchFamily="34" charset="-120"/>
-              </a:defRPr>
-            </a:lvl3pPr>
-            <a:lvl4pPr marL="1600200" indent="-228600" eaLnBrk="0" hangingPunct="0">
-              <a:spcBef>
-                <a:spcPct val="20000"/>
-              </a:spcBef>
-              <a:buChar char="–"/>
-              <a:defRPr sz="1600">
-                <a:solidFill>
-                  <a:srgbClr val="777777"/>
-                </a:solidFill>
-                <a:latin typeface="Gill Sans MT"/>
-                <a:ea typeface="Microsoft JhengHei" pitchFamily="34" charset="-120"/>
-              </a:defRPr>
-            </a:lvl4pPr>
-            <a:lvl5pPr marL="2057400" indent="-228600" eaLnBrk="0" hangingPunct="0">
-              <a:spcBef>
-                <a:spcPct val="20000"/>
-              </a:spcBef>
-              <a:buChar char="»"/>
-              <a:defRPr sz="2200">
-                <a:solidFill>
-                  <a:schemeClr val="tx1"/>
-                </a:solidFill>
-                <a:latin typeface="Gill Sans MT"/>
-                <a:ea typeface="PMingLiU" pitchFamily="18" charset="-120"/>
-              </a:defRPr>
-            </a:lvl5pPr>
-            <a:lvl6pPr marL="2514600" indent="-228600" eaLnBrk="0" fontAlgn="base" hangingPunct="0">
-              <a:spcBef>
-                <a:spcPct val="20000"/>
-              </a:spcBef>
-              <a:spcAft>
-                <a:spcPct val="0"/>
-              </a:spcAft>
-              <a:buChar char="»"/>
-              <a:defRPr sz="2200">
-                <a:solidFill>
-                  <a:schemeClr val="tx1"/>
-                </a:solidFill>
-                <a:latin typeface="Gill Sans MT"/>
-                <a:ea typeface="PMingLiU" pitchFamily="18" charset="-120"/>
-              </a:defRPr>
-            </a:lvl6pPr>
-            <a:lvl7pPr marL="2971800" indent="-228600" eaLnBrk="0" fontAlgn="base" hangingPunct="0">
-              <a:spcBef>
-                <a:spcPct val="20000"/>
-              </a:spcBef>
-              <a:spcAft>
-                <a:spcPct val="0"/>
-              </a:spcAft>
-              <a:buChar char="»"/>
-              <a:defRPr sz="2200">
-                <a:solidFill>
-                  <a:schemeClr val="tx1"/>
-                </a:solidFill>
-                <a:latin typeface="Gill Sans MT"/>
-                <a:ea typeface="PMingLiU" pitchFamily="18" charset="-120"/>
-              </a:defRPr>
-            </a:lvl7pPr>
-            <a:lvl8pPr marL="3429000" indent="-228600" eaLnBrk="0" fontAlgn="base" hangingPunct="0">
-              <a:spcBef>
-                <a:spcPct val="20000"/>
-              </a:spcBef>
-              <a:spcAft>
-                <a:spcPct val="0"/>
-              </a:spcAft>
-              <a:buChar char="»"/>
-              <a:defRPr sz="2200">
-                <a:solidFill>
-                  <a:schemeClr val="tx1"/>
-                </a:solidFill>
-                <a:latin typeface="Gill Sans MT"/>
-                <a:ea typeface="PMingLiU" pitchFamily="18" charset="-120"/>
-              </a:defRPr>
-            </a:lvl8pPr>
-            <a:lvl9pPr marL="3886200" indent="-228600" eaLnBrk="0" fontAlgn="base" hangingPunct="0">
-              <a:spcBef>
-                <a:spcPct val="20000"/>
-              </a:spcBef>
-              <a:spcAft>
-                <a:spcPct val="0"/>
-              </a:spcAft>
-              <a:buChar char="»"/>
-              <a:defRPr sz="2200">
-                <a:solidFill>
-                  <a:schemeClr val="tx1"/>
-                </a:solidFill>
-                <a:latin typeface="Gill Sans MT"/>
-                <a:ea typeface="PMingLiU" pitchFamily="18" charset="-120"/>
-              </a:defRPr>
-            </a:lvl9pPr>
-          </a:lstStyle>
-          <a:p>
-            <a:pPr eaLnBrk="1" hangingPunct="1">
-              <a:buFontTx/>
-              <a:buNone/>
-            </a:pPr>
-            <a:endParaRPr lang="en-US" altLang="zh-CN" sz="2500">
-              <a:solidFill>
-                <a:schemeClr val="tx1"/>
-              </a:solidFill>
-              <a:latin typeface="Microsoft New Tai Lue" panose="020B0502040204020203" pitchFamily="34" charset="0"/>
-              <a:ea typeface="微软雅黑" pitchFamily="34" charset="-122"/>
-              <a:cs typeface="Microsoft New Tai Lue" panose="020B0502040204020203" pitchFamily="34" charset="0"/>
-            </a:endParaRPr>
-          </a:p>
-        </p:txBody>
-      </p:sp>
-      <p:pic>
-        <p:nvPicPr>
-          <p:cNvPr id="11269" name="Picture 2"/>
-          <p:cNvPicPr>
-            <a:picLocks noChangeAspect="1" noChangeArrowheads="1"/>
-          </p:cNvPicPr>
-          <p:nvPr/>
-        </p:nvPicPr>
-        <p:blipFill>
-          <a:blip r:embed="rId3">
-            <a:extLst>
-              <a:ext uri="{28A0092B-C50C-407E-A947-70E740481C1C}">
-                <a14:useLocalDpi xmlns:a14="http://schemas.microsoft.com/office/drawing/2010/main" val="0"/>
-              </a:ext>
-            </a:extLst>
-          </a:blip>
-          <a:srcRect/>
-          <a:stretch>
-            <a:fillRect/>
-          </a:stretch>
-        </p:blipFill>
-        <p:spPr bwMode="auto">
-          <a:xfrm>
-            <a:off x="1004888" y="1370013"/>
-            <a:ext cx="3376612" cy="5395912"/>
-          </a:xfrm>
-          <a:prstGeom prst="rect">
-            <a:avLst/>
-          </a:prstGeom>
-          <a:noFill/>
-          <a:ln>
-            <a:noFill/>
-          </a:ln>
-          <a:extLst>
-            <a:ext uri="{909E8E84-426E-40DD-AFC4-6F175D3DCCD1}">
-              <a14:hiddenFill xmlns:a14="http://schemas.microsoft.com/office/drawing/2010/main">
-                <a:solidFill>
-                  <a:schemeClr val="accent1"/>
-                </a:solidFill>
-              </a14:hiddenFill>
-            </a:ext>
-            <a:ext uri="{91240B29-F687-4F45-9708-019B960494DF}">
-              <a14:hiddenLine xmlns:a14="http://schemas.microsoft.com/office/drawing/2010/main" w="9525">
-                <a:solidFill>
-                  <a:schemeClr val="tx1"/>
-                </a:solidFill>
-                <a:miter lim="800000"/>
-                <a:headEnd/>
-                <a:tailEnd/>
-              </a14:hiddenLine>
-            </a:ext>
-          </a:extLst>
-        </p:spPr>
-      </p:pic>
       <p:sp>
         <p:nvSpPr>
           <p:cNvPr id="2" name="圆角矩形 1"/>
@@ -22572,7 +23273,7 @@
         </p:nvSpPr>
         <p:spPr bwMode="auto">
           <a:xfrm>
-            <a:off x="5041900" y="2911475"/>
+            <a:off x="5041900" y="4740275"/>
             <a:ext cx="1397000" cy="428625"/>
           </a:xfrm>
           <a:prstGeom prst="roundRect">
@@ -22632,8 +23333,8 @@
         </p:nvSpPr>
         <p:spPr bwMode="auto">
           <a:xfrm>
-            <a:off x="5041900" y="3640138"/>
-            <a:ext cx="1397000" cy="428625"/>
+            <a:off x="4746625" y="5291138"/>
+            <a:ext cx="1987550" cy="428625"/>
           </a:xfrm>
           <a:prstGeom prst="roundRect">
             <a:avLst/>
@@ -22665,14 +23366,14 @@
               <a:defRPr/>
             </a:pPr>
             <a:r>
-              <a:rPr kumimoji="1" lang="en-US" altLang="zh-CN" dirty="0">
+              <a:rPr kumimoji="1" lang="en-US" altLang="zh-CN" dirty="0" smtClean="0">
                 <a:solidFill>
                   <a:schemeClr val="tx1"/>
                 </a:solidFill>
                 <a:latin typeface="Microsoft New Tai Lue" panose="020B0502040204020203" pitchFamily="34" charset="0"/>
                 <a:cs typeface="Microsoft New Tai Lue" panose="020B0502040204020203" pitchFamily="34" charset="0"/>
               </a:rPr>
-              <a:t>Function</a:t>
+              <a:t>Function Category</a:t>
             </a:r>
             <a:endParaRPr kumimoji="1" lang="zh-CN" altLang="en-US" dirty="0">
               <a:solidFill>
@@ -22692,7 +23393,7 @@
         </p:nvSpPr>
         <p:spPr bwMode="auto">
           <a:xfrm>
-            <a:off x="5549900" y="4402138"/>
+            <a:off x="5048250" y="6165849"/>
             <a:ext cx="1397000" cy="428625"/>
           </a:xfrm>
           <a:prstGeom prst="roundRect">
@@ -22725,14 +23426,14 @@
               <a:defRPr/>
             </a:pPr>
             <a:r>
-              <a:rPr kumimoji="1" lang="en-US" altLang="zh-CN" dirty="0">
+              <a:rPr kumimoji="1" lang="en-US" altLang="zh-CN" dirty="0" smtClean="0">
                 <a:solidFill>
                   <a:schemeClr val="tx1"/>
                 </a:solidFill>
                 <a:latin typeface="Microsoft New Tai Lue" panose="020B0502040204020203" pitchFamily="34" charset="0"/>
                 <a:cs typeface="Microsoft New Tai Lue" panose="020B0502040204020203" pitchFamily="34" charset="0"/>
               </a:rPr>
-              <a:t>Sub Function</a:t>
+              <a:t>Function</a:t>
             </a:r>
             <a:endParaRPr kumimoji="1" lang="zh-CN" altLang="en-US" dirty="0">
               <a:solidFill>
@@ -22752,7 +23453,7 @@
         </p:nvSpPr>
         <p:spPr bwMode="auto">
           <a:xfrm>
-            <a:off x="7962900" y="5164138"/>
+            <a:off x="7975600" y="6713538"/>
             <a:ext cx="1397000" cy="428625"/>
           </a:xfrm>
           <a:prstGeom prst="roundRect">
@@ -22785,74 +23486,14 @@
               <a:defRPr/>
             </a:pPr>
             <a:r>
-              <a:rPr kumimoji="1" lang="en-US" altLang="zh-CN" dirty="0">
+              <a:rPr kumimoji="1" lang="en-US" altLang="zh-CN" dirty="0" smtClean="0">
                 <a:solidFill>
                   <a:schemeClr val="tx1"/>
                 </a:solidFill>
                 <a:latin typeface="Microsoft New Tai Lue" panose="020B0502040204020203" pitchFamily="34" charset="0"/>
                 <a:cs typeface="Microsoft New Tai Lue" panose="020B0502040204020203" pitchFamily="34" charset="0"/>
               </a:rPr>
-              <a:t>Sub Function</a:t>
-            </a:r>
-            <a:endParaRPr kumimoji="1" lang="zh-CN" altLang="en-US" dirty="0">
-              <a:solidFill>
-                <a:schemeClr val="tx1"/>
-              </a:solidFill>
-              <a:latin typeface="Microsoft New Tai Lue" panose="020B0502040204020203" pitchFamily="34" charset="0"/>
-              <a:cs typeface="Microsoft New Tai Lue" panose="020B0502040204020203" pitchFamily="34" charset="0"/>
-            </a:endParaRPr>
-          </a:p>
-        </p:txBody>
-      </p:sp>
-      <p:sp>
-        <p:nvSpPr>
-          <p:cNvPr id="12" name="圆角矩形 11"/>
-          <p:cNvSpPr/>
-          <p:nvPr/>
-        </p:nvSpPr>
-        <p:spPr bwMode="auto">
-          <a:xfrm>
-            <a:off x="6121400" y="5164138"/>
-            <a:ext cx="1397000" cy="428625"/>
-          </a:xfrm>
-          <a:prstGeom prst="roundRect">
-            <a:avLst/>
-          </a:prstGeom>
-          <a:ln>
-            <a:headEnd type="none" w="med" len="med"/>
-            <a:tailEnd type="none" w="med" len="med"/>
-          </a:ln>
-        </p:spPr>
-        <p:style>
-          <a:lnRef idx="1">
-            <a:schemeClr val="accent3"/>
-          </a:lnRef>
-          <a:fillRef idx="2">
-            <a:schemeClr val="accent3"/>
-          </a:fillRef>
-          <a:effectRef idx="1">
-            <a:schemeClr val="accent3"/>
-          </a:effectRef>
-          <a:fontRef idx="minor">
-            <a:schemeClr val="dk1"/>
-          </a:fontRef>
-        </p:style>
-        <p:txBody>
-          <a:bodyPr wrap="none" lIns="0" tIns="0" rIns="0" bIns="0" anchor="ctr"/>
-          <a:lstStyle/>
-          <a:p>
-            <a:pPr algn="ctr" defTabSz="1044575">
-              <a:defRPr/>
-            </a:pPr>
-            <a:r>
-              <a:rPr kumimoji="1" lang="en-US" altLang="zh-CN" dirty="0">
-                <a:solidFill>
-                  <a:schemeClr val="tx1"/>
-                </a:solidFill>
-                <a:latin typeface="Microsoft New Tai Lue" panose="020B0502040204020203" pitchFamily="34" charset="0"/>
-                <a:cs typeface="Microsoft New Tai Lue" panose="020B0502040204020203" pitchFamily="34" charset="0"/>
-              </a:rPr>
-              <a:t>Sub Function</a:t>
+              <a:t>Function</a:t>
             </a:r>
             <a:endParaRPr kumimoji="1" lang="zh-CN" altLang="en-US" dirty="0">
               <a:solidFill>
@@ -22913,7 +23554,7 @@
         <p:spPr bwMode="auto">
           <a:xfrm>
             <a:off x="5740400" y="2578100"/>
-            <a:ext cx="0" cy="333375"/>
+            <a:ext cx="0" cy="2162175"/>
           </a:xfrm>
           <a:prstGeom prst="line">
             <a:avLst/>
@@ -22949,8 +23590,8 @@
         </p:nvCxnSpPr>
         <p:spPr bwMode="auto">
           <a:xfrm>
-            <a:off x="5740400" y="3340100"/>
-            <a:ext cx="0" cy="300038"/>
+            <a:off x="5740400" y="5168900"/>
+            <a:ext cx="0" cy="122238"/>
           </a:xfrm>
           <a:prstGeom prst="line">
             <a:avLst/>
@@ -22986,8 +23627,8 @@
         </p:nvCxnSpPr>
         <p:spPr bwMode="auto">
           <a:xfrm rot="16200000" flipH="1">
-            <a:off x="5827712" y="3981451"/>
-            <a:ext cx="333375" cy="508000"/>
+            <a:off x="5520532" y="5939631"/>
+            <a:ext cx="446086" cy="6350"/>
           </a:xfrm>
           <a:prstGeom prst="bentConnector3">
             <a:avLst/>
@@ -23014,61 +23655,20 @@
       </p:cxnSp>
       <p:cxnSp>
         <p:nvCxnSpPr>
-          <p:cNvPr id="24" name="肘形连接符 23"/>
-          <p:cNvCxnSpPr>
-            <a:stCxn id="10" idx="2"/>
-            <a:endCxn id="12" idx="0"/>
-          </p:cNvCxnSpPr>
-          <p:nvPr/>
-        </p:nvCxnSpPr>
-        <p:spPr bwMode="auto">
-          <a:xfrm rot="16200000" flipH="1">
-            <a:off x="6367462" y="4711701"/>
-            <a:ext cx="333375" cy="571500"/>
-          </a:xfrm>
-          <a:prstGeom prst="bentConnector3">
-            <a:avLst>
-              <a:gd name="adj1" fmla="val 50000"/>
-            </a:avLst>
-          </a:prstGeom>
-          <a:ln>
-            <a:headEnd type="none" w="med" len="med"/>
-            <a:tailEnd type="none" w="med" len="med"/>
-          </a:ln>
-        </p:spPr>
-        <p:style>
-          <a:lnRef idx="1">
-            <a:schemeClr val="dk1"/>
-          </a:lnRef>
-          <a:fillRef idx="0">
-            <a:schemeClr val="dk1"/>
-          </a:fillRef>
-          <a:effectRef idx="0">
-            <a:schemeClr val="dk1"/>
-          </a:effectRef>
-          <a:fontRef idx="minor">
-            <a:schemeClr val="tx1"/>
-          </a:fontRef>
-        </p:style>
-      </p:cxnSp>
-      <p:cxnSp>
-        <p:nvCxnSpPr>
           <p:cNvPr id="27" name="肘形连接符 26"/>
           <p:cNvCxnSpPr>
-            <a:stCxn id="10" idx="2"/>
+            <a:stCxn id="8" idx="3"/>
             <a:endCxn id="11" idx="0"/>
           </p:cNvCxnSpPr>
           <p:nvPr/>
         </p:nvCxnSpPr>
         <p:spPr bwMode="auto">
-          <a:xfrm rot="16200000" flipH="1">
-            <a:off x="7288212" y="3790951"/>
-            <a:ext cx="333375" cy="2413000"/>
+          <a:xfrm>
+            <a:off x="6438900" y="4954588"/>
+            <a:ext cx="2235200" cy="1758950"/>
           </a:xfrm>
-          <a:prstGeom prst="bentConnector3">
-            <a:avLst>
-              <a:gd name="adj1" fmla="val 50000"/>
-            </a:avLst>
+          <a:prstGeom prst="bentConnector2">
+            <a:avLst/>
           </a:prstGeom>
           <a:ln>
             <a:headEnd type="none" w="med" len="med"/>
@@ -23168,76 +23768,8 @@
         </p:nvCxnSpPr>
         <p:spPr bwMode="auto">
           <a:xfrm flipH="1" flipV="1">
-            <a:off x="4089400" y="3125788"/>
+            <a:off x="4089400" y="4954588"/>
             <a:ext cx="952500" cy="0"/>
-          </a:xfrm>
-          <a:prstGeom prst="straightConnector1">
-            <a:avLst/>
-          </a:prstGeom>
-          <a:ln w="19050">
-            <a:headEnd type="none" w="med" len="med"/>
-            <a:tailEnd type="arrow"/>
-          </a:ln>
-        </p:spPr>
-        <p:style>
-          <a:lnRef idx="1">
-            <a:schemeClr val="accent3"/>
-          </a:lnRef>
-          <a:fillRef idx="0">
-            <a:schemeClr val="accent3"/>
-          </a:fillRef>
-          <a:effectRef idx="0">
-            <a:schemeClr val="accent3"/>
-          </a:effectRef>
-          <a:fontRef idx="minor">
-            <a:schemeClr val="tx1"/>
-          </a:fontRef>
-        </p:style>
-      </p:cxnSp>
-      <p:cxnSp>
-        <p:nvCxnSpPr>
-          <p:cNvPr id="34" name="直接箭头连接符 33"/>
-          <p:cNvCxnSpPr/>
-          <p:nvPr/>
-        </p:nvCxnSpPr>
-        <p:spPr bwMode="auto">
-          <a:xfrm flipH="1" flipV="1">
-            <a:off x="4089400" y="3854450"/>
-            <a:ext cx="952500" cy="0"/>
-          </a:xfrm>
-          <a:prstGeom prst="straightConnector1">
-            <a:avLst/>
-          </a:prstGeom>
-          <a:ln w="19050">
-            <a:headEnd type="none" w="med" len="med"/>
-            <a:tailEnd type="arrow"/>
-          </a:ln>
-        </p:spPr>
-        <p:style>
-          <a:lnRef idx="1">
-            <a:schemeClr val="accent3"/>
-          </a:lnRef>
-          <a:fillRef idx="0">
-            <a:schemeClr val="accent3"/>
-          </a:fillRef>
-          <a:effectRef idx="0">
-            <a:schemeClr val="accent3"/>
-          </a:effectRef>
-          <a:fontRef idx="minor">
-            <a:schemeClr val="tx1"/>
-          </a:fontRef>
-        </p:style>
-      </p:cxnSp>
-      <p:cxnSp>
-        <p:nvCxnSpPr>
-          <p:cNvPr id="35" name="直接箭头连接符 34"/>
-          <p:cNvCxnSpPr/>
-          <p:nvPr/>
-        </p:nvCxnSpPr>
-        <p:spPr bwMode="auto">
-          <a:xfrm flipH="1" flipV="1">
-            <a:off x="4089400" y="4616450"/>
-            <a:ext cx="1473200" cy="0"/>
           </a:xfrm>
           <a:prstGeom prst="straightConnector1">
             <a:avLst/>
@@ -23270,7 +23802,7 @@
         </p:nvSpPr>
         <p:spPr bwMode="auto">
           <a:xfrm>
-            <a:off x="1030288" y="3876675"/>
+            <a:off x="1208088" y="6416675"/>
             <a:ext cx="1219200" cy="358775"/>
           </a:xfrm>
           <a:prstGeom prst="roundRect">
@@ -23337,7 +23869,7 @@
 </p:sld>
 </file>
 
-<file path=ppt/slides/slide18.xml><?xml version="1.0" encoding="utf-8"?>
+<file path=ppt/slides/slide19.xml><?xml version="1.0" encoding="utf-8"?>
 <p:sld xmlns:a="http://schemas.openxmlformats.org/drawingml/2006/main" xmlns:r="http://schemas.openxmlformats.org/officeDocument/2006/relationships" xmlns:p="http://schemas.openxmlformats.org/presentationml/2006/main">
   <p:cSld>
     <p:spTree>
@@ -23543,7 +24075,7 @@
                 <a:buFontTx/>
                 <a:buNone/>
               </a:pPr>
-              <a:t>18</a:t>
+              <a:t>19</a:t>
             </a:fld>
             <a:endParaRPr lang="en-US" altLang="zh-TW" sz="1300" smtClean="0">
               <a:solidFill>
@@ -23752,7 +24284,7 @@
       </p:sp>
       <p:pic>
         <p:nvPicPr>
-          <p:cNvPr id="12292" name="Picture 6"/>
+          <p:cNvPr id="2050" name="Picture 2"/>
           <p:cNvPicPr>
             <a:picLocks noChangeAspect="1" noChangeArrowheads="1"/>
           </p:cNvPicPr>
@@ -23773,8 +24305,8 @@
         </p:blipFill>
         <p:spPr bwMode="auto">
           <a:xfrm>
-            <a:off x="974725" y="1431925"/>
-            <a:ext cx="5172075" cy="4957763"/>
+            <a:off x="623888" y="1157288"/>
+            <a:ext cx="3683000" cy="6185551"/>
           </a:xfrm>
           <a:prstGeom prst="rect">
             <a:avLst/>
@@ -23806,13 +24338,13 @@
       </p:pic>
       <p:sp>
         <p:nvSpPr>
-          <p:cNvPr id="38" name="圆角矩形 37"/>
+          <p:cNvPr id="8" name="圆角矩形 7"/>
           <p:cNvSpPr/>
           <p:nvPr/>
         </p:nvSpPr>
         <p:spPr bwMode="auto">
           <a:xfrm>
-            <a:off x="4306888" y="1252538"/>
+            <a:off x="3214688" y="1252538"/>
             <a:ext cx="4862512" cy="358775"/>
           </a:xfrm>
           <a:prstGeom prst="roundRect">
@@ -23866,13 +24398,13 @@
       </p:sp>
       <p:sp>
         <p:nvSpPr>
-          <p:cNvPr id="39" name="圆角矩形 38"/>
+          <p:cNvPr id="9" name="圆角矩形 8"/>
           <p:cNvSpPr/>
           <p:nvPr/>
         </p:nvSpPr>
         <p:spPr bwMode="auto">
           <a:xfrm>
-            <a:off x="5030788" y="3906838"/>
+            <a:off x="3214688" y="5151438"/>
             <a:ext cx="4862512" cy="358775"/>
           </a:xfrm>
           <a:prstGeom prst="roundRect">
@@ -23939,7 +24471,676 @@
 </p:sld>
 </file>
 
-<file path=ppt/slides/slide19.xml><?xml version="1.0" encoding="utf-8"?>
+<file path=ppt/slides/slide2.xml><?xml version="1.0" encoding="utf-8"?>
+<p:sld xmlns:a="http://schemas.openxmlformats.org/drawingml/2006/main" xmlns:r="http://schemas.openxmlformats.org/officeDocument/2006/relationships" xmlns:p="http://schemas.openxmlformats.org/presentationml/2006/main">
+  <p:cSld>
+    <p:spTree>
+      <p:nvGrpSpPr>
+        <p:cNvPr id="1" name=""/>
+        <p:cNvGrpSpPr/>
+        <p:nvPr/>
+      </p:nvGrpSpPr>
+      <p:grpSpPr>
+        <a:xfrm>
+          <a:off x="0" y="0"/>
+          <a:ext cx="0" cy="0"/>
+          <a:chOff x="0" y="0"/>
+          <a:chExt cx="0" cy="0"/>
+        </a:xfrm>
+      </p:grpSpPr>
+      <p:sp>
+        <p:nvSpPr>
+          <p:cNvPr id="4098" name="灯片编号占位符 3"/>
+          <p:cNvSpPr>
+            <a:spLocks noGrp="1" noChangeArrowheads="1"/>
+          </p:cNvSpPr>
+          <p:nvPr>
+            <p:ph type="sldNum" sz="quarter" idx="10"/>
+          </p:nvPr>
+        </p:nvSpPr>
+        <p:spPr>
+          <a:noFill/>
+          <a:ln/>
+          <a:extLst>
+            <a:ext uri="{909E8E84-426E-40DD-AFC4-6F175D3DCCD1}">
+              <a14:hiddenFill xmlns:a14="http://schemas.microsoft.com/office/drawing/2010/main">
+                <a:solidFill>
+                  <a:srgbClr val="FFFFFF"/>
+                </a:solidFill>
+              </a14:hiddenFill>
+            </a:ext>
+            <a:ext uri="{91240B29-F687-4F45-9708-019B960494DF}">
+              <a14:hiddenLine xmlns:a14="http://schemas.microsoft.com/office/drawing/2010/main" w="9525">
+                <a:solidFill>
+                  <a:srgbClr val="000000"/>
+                </a:solidFill>
+                <a:miter lim="800000"/>
+                <a:headEnd/>
+                <a:tailEnd/>
+              </a14:hiddenLine>
+            </a:ext>
+          </a:extLst>
+        </p:spPr>
+        <p:txBody>
+          <a:bodyPr/>
+          <a:lstStyle>
+            <a:lvl1pPr defTabSz="820738" eaLnBrk="0" hangingPunct="0">
+              <a:spcBef>
+                <a:spcPct val="20000"/>
+              </a:spcBef>
+              <a:buChar char="•"/>
+              <a:defRPr sz="3300">
+                <a:solidFill>
+                  <a:srgbClr val="004664"/>
+                </a:solidFill>
+                <a:latin typeface="Gill Sans MT"/>
+                <a:ea typeface="Microsoft JhengHei" pitchFamily="34" charset="-120"/>
+              </a:defRPr>
+            </a:lvl1pPr>
+            <a:lvl2pPr marL="742950" indent="-285750" defTabSz="820738" eaLnBrk="0" hangingPunct="0">
+              <a:spcBef>
+                <a:spcPct val="20000"/>
+              </a:spcBef>
+              <a:buChar char="–"/>
+              <a:defRPr sz="2500">
+                <a:solidFill>
+                  <a:schemeClr val="tx1"/>
+                </a:solidFill>
+                <a:latin typeface="Gill Sans MT"/>
+                <a:ea typeface="Microsoft JhengHei" pitchFamily="34" charset="-120"/>
+              </a:defRPr>
+            </a:lvl2pPr>
+            <a:lvl3pPr marL="1143000" indent="-228600" defTabSz="820738" eaLnBrk="0" hangingPunct="0">
+              <a:spcBef>
+                <a:spcPct val="20000"/>
+              </a:spcBef>
+              <a:buChar char="•"/>
+              <a:defRPr sz="1700">
+                <a:solidFill>
+                  <a:srgbClr val="00638E"/>
+                </a:solidFill>
+                <a:latin typeface="Gill Sans MT"/>
+                <a:ea typeface="Microsoft JhengHei" pitchFamily="34" charset="-120"/>
+              </a:defRPr>
+            </a:lvl3pPr>
+            <a:lvl4pPr marL="1600200" indent="-228600" defTabSz="820738" eaLnBrk="0" hangingPunct="0">
+              <a:spcBef>
+                <a:spcPct val="20000"/>
+              </a:spcBef>
+              <a:buChar char="–"/>
+              <a:defRPr sz="1600">
+                <a:solidFill>
+                  <a:srgbClr val="777777"/>
+                </a:solidFill>
+                <a:latin typeface="Gill Sans MT"/>
+                <a:ea typeface="Microsoft JhengHei" pitchFamily="34" charset="-120"/>
+              </a:defRPr>
+            </a:lvl4pPr>
+            <a:lvl5pPr marL="2057400" indent="-228600" defTabSz="820738" eaLnBrk="0" hangingPunct="0">
+              <a:spcBef>
+                <a:spcPct val="20000"/>
+              </a:spcBef>
+              <a:buChar char="»"/>
+              <a:defRPr sz="2200">
+                <a:solidFill>
+                  <a:schemeClr val="tx1"/>
+                </a:solidFill>
+                <a:latin typeface="Gill Sans MT"/>
+                <a:ea typeface="PMingLiU" pitchFamily="18" charset="-120"/>
+              </a:defRPr>
+            </a:lvl5pPr>
+            <a:lvl6pPr marL="2514600" indent="-228600" defTabSz="820738" eaLnBrk="0" fontAlgn="base" hangingPunct="0">
+              <a:spcBef>
+                <a:spcPct val="20000"/>
+              </a:spcBef>
+              <a:spcAft>
+                <a:spcPct val="0"/>
+              </a:spcAft>
+              <a:buChar char="»"/>
+              <a:defRPr sz="2200">
+                <a:solidFill>
+                  <a:schemeClr val="tx1"/>
+                </a:solidFill>
+                <a:latin typeface="Gill Sans MT"/>
+                <a:ea typeface="PMingLiU" pitchFamily="18" charset="-120"/>
+              </a:defRPr>
+            </a:lvl6pPr>
+            <a:lvl7pPr marL="2971800" indent="-228600" defTabSz="820738" eaLnBrk="0" fontAlgn="base" hangingPunct="0">
+              <a:spcBef>
+                <a:spcPct val="20000"/>
+              </a:spcBef>
+              <a:spcAft>
+                <a:spcPct val="0"/>
+              </a:spcAft>
+              <a:buChar char="»"/>
+              <a:defRPr sz="2200">
+                <a:solidFill>
+                  <a:schemeClr val="tx1"/>
+                </a:solidFill>
+                <a:latin typeface="Gill Sans MT"/>
+                <a:ea typeface="PMingLiU" pitchFamily="18" charset="-120"/>
+              </a:defRPr>
+            </a:lvl7pPr>
+            <a:lvl8pPr marL="3429000" indent="-228600" defTabSz="820738" eaLnBrk="0" fontAlgn="base" hangingPunct="0">
+              <a:spcBef>
+                <a:spcPct val="20000"/>
+              </a:spcBef>
+              <a:spcAft>
+                <a:spcPct val="0"/>
+              </a:spcAft>
+              <a:buChar char="»"/>
+              <a:defRPr sz="2200">
+                <a:solidFill>
+                  <a:schemeClr val="tx1"/>
+                </a:solidFill>
+                <a:latin typeface="Gill Sans MT"/>
+                <a:ea typeface="PMingLiU" pitchFamily="18" charset="-120"/>
+              </a:defRPr>
+            </a:lvl8pPr>
+            <a:lvl9pPr marL="3886200" indent="-228600" defTabSz="820738" eaLnBrk="0" fontAlgn="base" hangingPunct="0">
+              <a:spcBef>
+                <a:spcPct val="20000"/>
+              </a:spcBef>
+              <a:spcAft>
+                <a:spcPct val="0"/>
+              </a:spcAft>
+              <a:buChar char="»"/>
+              <a:defRPr sz="2200">
+                <a:solidFill>
+                  <a:schemeClr val="tx1"/>
+                </a:solidFill>
+                <a:latin typeface="Gill Sans MT"/>
+                <a:ea typeface="PMingLiU" pitchFamily="18" charset="-120"/>
+              </a:defRPr>
+            </a:lvl9pPr>
+          </a:lstStyle>
+          <a:p>
+            <a:pPr eaLnBrk="1" hangingPunct="1">
+              <a:spcBef>
+                <a:spcPct val="0"/>
+              </a:spcBef>
+              <a:buFontTx/>
+              <a:buNone/>
+            </a:pPr>
+            <a:fld id="{107AFD8B-C7BC-44DA-8E9D-64AF10D3A9A4}" type="slidenum">
+              <a:rPr lang="en-US" altLang="zh-TW" sz="1300" smtClean="0">
+                <a:solidFill>
+                  <a:srgbClr val="B2B2B2"/>
+                </a:solidFill>
+                <a:latin typeface="Arial" pitchFamily="34" charset="0"/>
+                <a:ea typeface="PMingLiU" pitchFamily="18" charset="-120"/>
+              </a:rPr>
+              <a:pPr eaLnBrk="1" hangingPunct="1">
+                <a:spcBef>
+                  <a:spcPct val="0"/>
+                </a:spcBef>
+                <a:buFontTx/>
+                <a:buNone/>
+              </a:pPr>
+              <a:t>2</a:t>
+            </a:fld>
+            <a:endParaRPr lang="en-US" altLang="zh-TW" sz="1300" smtClean="0">
+              <a:solidFill>
+                <a:srgbClr val="B2B2B2"/>
+              </a:solidFill>
+              <a:latin typeface="Arial" pitchFamily="34" charset="0"/>
+              <a:ea typeface="PMingLiU" pitchFamily="18" charset="-120"/>
+            </a:endParaRPr>
+          </a:p>
+        </p:txBody>
+      </p:sp>
+      <p:sp>
+        <p:nvSpPr>
+          <p:cNvPr id="4099" name="Rectangle 4"/>
+          <p:cNvSpPr>
+            <a:spLocks noChangeArrowheads="1"/>
+          </p:cNvSpPr>
+          <p:nvPr/>
+        </p:nvSpPr>
+        <p:spPr bwMode="auto">
+          <a:xfrm>
+            <a:off x="623888" y="434975"/>
+            <a:ext cx="8280400" cy="647700"/>
+          </a:xfrm>
+          <a:prstGeom prst="rect">
+            <a:avLst/>
+          </a:prstGeom>
+          <a:noFill/>
+          <a:ln>
+            <a:noFill/>
+          </a:ln>
+          <a:extLst>
+            <a:ext uri="{909E8E84-426E-40DD-AFC4-6F175D3DCCD1}">
+              <a14:hiddenFill xmlns:a14="http://schemas.microsoft.com/office/drawing/2010/main">
+                <a:solidFill>
+                  <a:srgbClr val="FFFFFF"/>
+                </a:solidFill>
+              </a14:hiddenFill>
+            </a:ext>
+            <a:ext uri="{91240B29-F687-4F45-9708-019B960494DF}">
+              <a14:hiddenLine xmlns:a14="http://schemas.microsoft.com/office/drawing/2010/main" w="9525">
+                <a:solidFill>
+                  <a:srgbClr val="000000"/>
+                </a:solidFill>
+                <a:miter lim="800000"/>
+                <a:headEnd/>
+                <a:tailEnd/>
+              </a14:hiddenLine>
+            </a:ext>
+          </a:extLst>
+        </p:spPr>
+        <p:txBody>
+          <a:bodyPr anchor="ctr"/>
+          <a:lstStyle>
+            <a:lvl1pPr eaLnBrk="0" hangingPunct="0">
+              <a:spcBef>
+                <a:spcPct val="20000"/>
+              </a:spcBef>
+              <a:buChar char="•"/>
+              <a:defRPr sz="3300">
+                <a:solidFill>
+                  <a:srgbClr val="004664"/>
+                </a:solidFill>
+                <a:latin typeface="Gill Sans MT"/>
+                <a:ea typeface="Microsoft JhengHei" pitchFamily="34" charset="-120"/>
+              </a:defRPr>
+            </a:lvl1pPr>
+            <a:lvl2pPr marL="742950" indent="-285750" eaLnBrk="0" hangingPunct="0">
+              <a:spcBef>
+                <a:spcPct val="20000"/>
+              </a:spcBef>
+              <a:buChar char="–"/>
+              <a:defRPr sz="2500">
+                <a:solidFill>
+                  <a:schemeClr val="tx1"/>
+                </a:solidFill>
+                <a:latin typeface="Gill Sans MT"/>
+                <a:ea typeface="Microsoft JhengHei" pitchFamily="34" charset="-120"/>
+              </a:defRPr>
+            </a:lvl2pPr>
+            <a:lvl3pPr marL="1143000" indent="-228600" eaLnBrk="0" hangingPunct="0">
+              <a:spcBef>
+                <a:spcPct val="20000"/>
+              </a:spcBef>
+              <a:buChar char="•"/>
+              <a:defRPr sz="1700">
+                <a:solidFill>
+                  <a:srgbClr val="00638E"/>
+                </a:solidFill>
+                <a:latin typeface="Gill Sans MT"/>
+                <a:ea typeface="Microsoft JhengHei" pitchFamily="34" charset="-120"/>
+              </a:defRPr>
+            </a:lvl3pPr>
+            <a:lvl4pPr marL="1600200" indent="-228600" eaLnBrk="0" hangingPunct="0">
+              <a:spcBef>
+                <a:spcPct val="20000"/>
+              </a:spcBef>
+              <a:buChar char="–"/>
+              <a:defRPr sz="1600">
+                <a:solidFill>
+                  <a:srgbClr val="777777"/>
+                </a:solidFill>
+                <a:latin typeface="Gill Sans MT"/>
+                <a:ea typeface="Microsoft JhengHei" pitchFamily="34" charset="-120"/>
+              </a:defRPr>
+            </a:lvl4pPr>
+            <a:lvl5pPr marL="2057400" indent="-228600" eaLnBrk="0" hangingPunct="0">
+              <a:spcBef>
+                <a:spcPct val="20000"/>
+              </a:spcBef>
+              <a:buChar char="»"/>
+              <a:defRPr sz="2200">
+                <a:solidFill>
+                  <a:schemeClr val="tx1"/>
+                </a:solidFill>
+                <a:latin typeface="Gill Sans MT"/>
+                <a:ea typeface="PMingLiU" pitchFamily="18" charset="-120"/>
+              </a:defRPr>
+            </a:lvl5pPr>
+            <a:lvl6pPr marL="2514600" indent="-228600" eaLnBrk="0" fontAlgn="base" hangingPunct="0">
+              <a:spcBef>
+                <a:spcPct val="20000"/>
+              </a:spcBef>
+              <a:spcAft>
+                <a:spcPct val="0"/>
+              </a:spcAft>
+              <a:buChar char="»"/>
+              <a:defRPr sz="2200">
+                <a:solidFill>
+                  <a:schemeClr val="tx1"/>
+                </a:solidFill>
+                <a:latin typeface="Gill Sans MT"/>
+                <a:ea typeface="PMingLiU" pitchFamily="18" charset="-120"/>
+              </a:defRPr>
+            </a:lvl6pPr>
+            <a:lvl7pPr marL="2971800" indent="-228600" eaLnBrk="0" fontAlgn="base" hangingPunct="0">
+              <a:spcBef>
+                <a:spcPct val="20000"/>
+              </a:spcBef>
+              <a:spcAft>
+                <a:spcPct val="0"/>
+              </a:spcAft>
+              <a:buChar char="»"/>
+              <a:defRPr sz="2200">
+                <a:solidFill>
+                  <a:schemeClr val="tx1"/>
+                </a:solidFill>
+                <a:latin typeface="Gill Sans MT"/>
+                <a:ea typeface="PMingLiU" pitchFamily="18" charset="-120"/>
+              </a:defRPr>
+            </a:lvl7pPr>
+            <a:lvl8pPr marL="3429000" indent="-228600" eaLnBrk="0" fontAlgn="base" hangingPunct="0">
+              <a:spcBef>
+                <a:spcPct val="20000"/>
+              </a:spcBef>
+              <a:spcAft>
+                <a:spcPct val="0"/>
+              </a:spcAft>
+              <a:buChar char="»"/>
+              <a:defRPr sz="2200">
+                <a:solidFill>
+                  <a:schemeClr val="tx1"/>
+                </a:solidFill>
+                <a:latin typeface="Gill Sans MT"/>
+                <a:ea typeface="PMingLiU" pitchFamily="18" charset="-120"/>
+              </a:defRPr>
+            </a:lvl8pPr>
+            <a:lvl9pPr marL="3886200" indent="-228600" eaLnBrk="0" fontAlgn="base" hangingPunct="0">
+              <a:spcBef>
+                <a:spcPct val="20000"/>
+              </a:spcBef>
+              <a:spcAft>
+                <a:spcPct val="0"/>
+              </a:spcAft>
+              <a:buChar char="»"/>
+              <a:defRPr sz="2200">
+                <a:solidFill>
+                  <a:schemeClr val="tx1"/>
+                </a:solidFill>
+                <a:latin typeface="Gill Sans MT"/>
+                <a:ea typeface="PMingLiU" pitchFamily="18" charset="-120"/>
+              </a:defRPr>
+            </a:lvl9pPr>
+          </a:lstStyle>
+          <a:p>
+            <a:pPr eaLnBrk="1" hangingPunct="1">
+              <a:spcBef>
+                <a:spcPct val="0"/>
+              </a:spcBef>
+            </a:pPr>
+            <a:r>
+              <a:rPr lang="en-US" altLang="zh-TW" sz="3400" b="1">
+                <a:latin typeface="微软雅黑" pitchFamily="34" charset="-122"/>
+                <a:ea typeface="微软雅黑" pitchFamily="34" charset="-122"/>
+              </a:rPr>
+              <a:t>Agenda</a:t>
+            </a:r>
+          </a:p>
+        </p:txBody>
+      </p:sp>
+      <p:sp>
+        <p:nvSpPr>
+          <p:cNvPr id="4100" name="Rectangle 5"/>
+          <p:cNvSpPr>
+            <a:spLocks noChangeArrowheads="1"/>
+          </p:cNvSpPr>
+          <p:nvPr/>
+        </p:nvSpPr>
+        <p:spPr bwMode="auto">
+          <a:xfrm>
+            <a:off x="1039813" y="1370013"/>
+            <a:ext cx="8062912" cy="4679950"/>
+          </a:xfrm>
+          <a:prstGeom prst="rect">
+            <a:avLst/>
+          </a:prstGeom>
+          <a:noFill/>
+          <a:ln>
+            <a:noFill/>
+          </a:ln>
+          <a:extLst>
+            <a:ext uri="{909E8E84-426E-40DD-AFC4-6F175D3DCCD1}">
+              <a14:hiddenFill xmlns:a14="http://schemas.microsoft.com/office/drawing/2010/main">
+                <a:solidFill>
+                  <a:srgbClr val="FFFFFF"/>
+                </a:solidFill>
+              </a14:hiddenFill>
+            </a:ext>
+            <a:ext uri="{91240B29-F687-4F45-9708-019B960494DF}">
+              <a14:hiddenLine xmlns:a14="http://schemas.microsoft.com/office/drawing/2010/main" w="9525">
+                <a:solidFill>
+                  <a:srgbClr val="000000"/>
+                </a:solidFill>
+                <a:miter lim="800000"/>
+                <a:headEnd/>
+                <a:tailEnd/>
+              </a14:hiddenLine>
+            </a:ext>
+          </a:extLst>
+        </p:spPr>
+        <p:txBody>
+          <a:bodyPr/>
+          <a:lstStyle>
+            <a:lvl1pPr marL="390525" indent="-390525" eaLnBrk="0" hangingPunct="0">
+              <a:spcBef>
+                <a:spcPct val="20000"/>
+              </a:spcBef>
+              <a:buChar char="•"/>
+              <a:defRPr sz="3300">
+                <a:solidFill>
+                  <a:srgbClr val="004664"/>
+                </a:solidFill>
+                <a:latin typeface="Gill Sans MT"/>
+                <a:ea typeface="Microsoft JhengHei" pitchFamily="34" charset="-120"/>
+              </a:defRPr>
+            </a:lvl1pPr>
+            <a:lvl2pPr marL="742950" indent="-285750" eaLnBrk="0" hangingPunct="0">
+              <a:spcBef>
+                <a:spcPct val="20000"/>
+              </a:spcBef>
+              <a:buChar char="–"/>
+              <a:defRPr sz="2500">
+                <a:solidFill>
+                  <a:schemeClr val="tx1"/>
+                </a:solidFill>
+                <a:latin typeface="Gill Sans MT"/>
+                <a:ea typeface="Microsoft JhengHei" pitchFamily="34" charset="-120"/>
+              </a:defRPr>
+            </a:lvl2pPr>
+            <a:lvl3pPr marL="1143000" indent="-228600" eaLnBrk="0" hangingPunct="0">
+              <a:spcBef>
+                <a:spcPct val="20000"/>
+              </a:spcBef>
+              <a:buChar char="•"/>
+              <a:defRPr sz="1700">
+                <a:solidFill>
+                  <a:srgbClr val="00638E"/>
+                </a:solidFill>
+                <a:latin typeface="Gill Sans MT"/>
+                <a:ea typeface="Microsoft JhengHei" pitchFamily="34" charset="-120"/>
+              </a:defRPr>
+            </a:lvl3pPr>
+            <a:lvl4pPr marL="1600200" indent="-228600" eaLnBrk="0" hangingPunct="0">
+              <a:spcBef>
+                <a:spcPct val="20000"/>
+              </a:spcBef>
+              <a:buChar char="–"/>
+              <a:defRPr sz="1600">
+                <a:solidFill>
+                  <a:srgbClr val="777777"/>
+                </a:solidFill>
+                <a:latin typeface="Gill Sans MT"/>
+                <a:ea typeface="Microsoft JhengHei" pitchFamily="34" charset="-120"/>
+              </a:defRPr>
+            </a:lvl4pPr>
+            <a:lvl5pPr marL="2057400" indent="-228600" eaLnBrk="0" hangingPunct="0">
+              <a:spcBef>
+                <a:spcPct val="20000"/>
+              </a:spcBef>
+              <a:buChar char="»"/>
+              <a:defRPr sz="2200">
+                <a:solidFill>
+                  <a:schemeClr val="tx1"/>
+                </a:solidFill>
+                <a:latin typeface="Gill Sans MT"/>
+                <a:ea typeface="PMingLiU" pitchFamily="18" charset="-120"/>
+              </a:defRPr>
+            </a:lvl5pPr>
+            <a:lvl6pPr marL="2514600" indent="-228600" eaLnBrk="0" fontAlgn="base" hangingPunct="0">
+              <a:spcBef>
+                <a:spcPct val="20000"/>
+              </a:spcBef>
+              <a:spcAft>
+                <a:spcPct val="0"/>
+              </a:spcAft>
+              <a:buChar char="»"/>
+              <a:defRPr sz="2200">
+                <a:solidFill>
+                  <a:schemeClr val="tx1"/>
+                </a:solidFill>
+                <a:latin typeface="Gill Sans MT"/>
+                <a:ea typeface="PMingLiU" pitchFamily="18" charset="-120"/>
+              </a:defRPr>
+            </a:lvl6pPr>
+            <a:lvl7pPr marL="2971800" indent="-228600" eaLnBrk="0" fontAlgn="base" hangingPunct="0">
+              <a:spcBef>
+                <a:spcPct val="20000"/>
+              </a:spcBef>
+              <a:spcAft>
+                <a:spcPct val="0"/>
+              </a:spcAft>
+              <a:buChar char="»"/>
+              <a:defRPr sz="2200">
+                <a:solidFill>
+                  <a:schemeClr val="tx1"/>
+                </a:solidFill>
+                <a:latin typeface="Gill Sans MT"/>
+                <a:ea typeface="PMingLiU" pitchFamily="18" charset="-120"/>
+              </a:defRPr>
+            </a:lvl7pPr>
+            <a:lvl8pPr marL="3429000" indent="-228600" eaLnBrk="0" fontAlgn="base" hangingPunct="0">
+              <a:spcBef>
+                <a:spcPct val="20000"/>
+              </a:spcBef>
+              <a:spcAft>
+                <a:spcPct val="0"/>
+              </a:spcAft>
+              <a:buChar char="»"/>
+              <a:defRPr sz="2200">
+                <a:solidFill>
+                  <a:schemeClr val="tx1"/>
+                </a:solidFill>
+                <a:latin typeface="Gill Sans MT"/>
+                <a:ea typeface="PMingLiU" pitchFamily="18" charset="-120"/>
+              </a:defRPr>
+            </a:lvl8pPr>
+            <a:lvl9pPr marL="3886200" indent="-228600" eaLnBrk="0" fontAlgn="base" hangingPunct="0">
+              <a:spcBef>
+                <a:spcPct val="20000"/>
+              </a:spcBef>
+              <a:spcAft>
+                <a:spcPct val="0"/>
+              </a:spcAft>
+              <a:buChar char="»"/>
+              <a:defRPr sz="2200">
+                <a:solidFill>
+                  <a:schemeClr val="tx1"/>
+                </a:solidFill>
+                <a:latin typeface="Gill Sans MT"/>
+                <a:ea typeface="PMingLiU" pitchFamily="18" charset="-120"/>
+              </a:defRPr>
+            </a:lvl9pPr>
+          </a:lstStyle>
+          <a:p>
+            <a:pPr eaLnBrk="1" hangingPunct="1">
+              <a:buFont typeface="Wingdings" pitchFamily="2" charset="2"/>
+              <a:buChar char="l"/>
+            </a:pPr>
+            <a:r>
+              <a:rPr lang="zh-CN" altLang="en-US" sz="2500" dirty="0">
+                <a:solidFill>
+                  <a:schemeClr val="tx1"/>
+                </a:solidFill>
+                <a:ea typeface="微软雅黑" pitchFamily="34" charset="-122"/>
+              </a:rPr>
+              <a:t>简介</a:t>
+            </a:r>
+            <a:endParaRPr lang="en-US" altLang="zh-CN" sz="2500" dirty="0">
+              <a:solidFill>
+                <a:schemeClr val="tx1"/>
+              </a:solidFill>
+              <a:ea typeface="微软雅黑" pitchFamily="34" charset="-122"/>
+            </a:endParaRPr>
+          </a:p>
+          <a:p>
+            <a:pPr eaLnBrk="1" hangingPunct="1">
+              <a:buFont typeface="Wingdings" pitchFamily="2" charset="2"/>
+              <a:buChar char="l"/>
+            </a:pPr>
+            <a:r>
+              <a:rPr lang="en-US" altLang="zh-CN" sz="2500" dirty="0">
+                <a:solidFill>
+                  <a:schemeClr val="tx1"/>
+                </a:solidFill>
+                <a:ea typeface="微软雅黑" pitchFamily="34" charset="-122"/>
+              </a:rPr>
+              <a:t>Portal</a:t>
+            </a:r>
+            <a:r>
+              <a:rPr lang="zh-CN" altLang="en-US" sz="2500" dirty="0">
+                <a:solidFill>
+                  <a:schemeClr val="tx1"/>
+                </a:solidFill>
+                <a:ea typeface="微软雅黑" pitchFamily="34" charset="-122"/>
+              </a:rPr>
+              <a:t>功能介绍</a:t>
+            </a:r>
+            <a:endParaRPr lang="en-US" altLang="zh-CN" sz="2500" dirty="0">
+              <a:solidFill>
+                <a:schemeClr val="tx1"/>
+              </a:solidFill>
+              <a:ea typeface="微软雅黑" pitchFamily="34" charset="-122"/>
+            </a:endParaRPr>
+          </a:p>
+          <a:p>
+            <a:pPr eaLnBrk="1" hangingPunct="1">
+              <a:buFont typeface="Wingdings" pitchFamily="2" charset="2"/>
+              <a:buChar char="l"/>
+            </a:pPr>
+            <a:r>
+              <a:rPr lang="zh-CN" altLang="en-US" sz="2500" dirty="0" smtClean="0">
+                <a:solidFill>
+                  <a:schemeClr val="tx1"/>
+                </a:solidFill>
+                <a:ea typeface="微软雅黑" pitchFamily="34" charset="-122"/>
+              </a:rPr>
+              <a:t>使用</a:t>
+            </a:r>
+            <a:endParaRPr lang="en-US" altLang="zh-CN" sz="2500" dirty="0">
+              <a:solidFill>
+                <a:schemeClr val="tx1"/>
+              </a:solidFill>
+              <a:ea typeface="微软雅黑" pitchFamily="34" charset="-122"/>
+            </a:endParaRPr>
+          </a:p>
+        </p:txBody>
+      </p:sp>
+    </p:spTree>
+  </p:cSld>
+  <p:clrMapOvr>
+    <a:masterClrMapping/>
+  </p:clrMapOvr>
+  <p:timing>
+    <p:tnLst>
+      <p:par>
+        <p:cTn id="1" dur="indefinite" restart="never" nodeType="tmRoot"/>
+      </p:par>
+    </p:tnLst>
+  </p:timing>
+</p:sld>
+</file>
+
+<file path=ppt/slides/slide20.xml><?xml version="1.0" encoding="utf-8"?>
 <p:sld xmlns:a="http://schemas.openxmlformats.org/drawingml/2006/main" xmlns:r="http://schemas.openxmlformats.org/officeDocument/2006/relationships" xmlns:p="http://schemas.openxmlformats.org/presentationml/2006/main">
   <p:cSld>
     <p:spTree>
@@ -24194,7 +25395,7 @@
                 <a:buFontTx/>
                 <a:buNone/>
               </a:pPr>
-              <a:t>19</a:t>
+              <a:t>20</a:t>
             </a:fld>
             <a:endParaRPr lang="en-US" altLang="zh-TW" sz="1300" smtClean="0">
               <a:solidFill>
@@ -25043,676 +26244,7 @@
 </p:sld>
 </file>
 
-<file path=ppt/slides/slide2.xml><?xml version="1.0" encoding="utf-8"?>
-<p:sld xmlns:a="http://schemas.openxmlformats.org/drawingml/2006/main" xmlns:r="http://schemas.openxmlformats.org/officeDocument/2006/relationships" xmlns:p="http://schemas.openxmlformats.org/presentationml/2006/main">
-  <p:cSld>
-    <p:spTree>
-      <p:nvGrpSpPr>
-        <p:cNvPr id="1" name=""/>
-        <p:cNvGrpSpPr/>
-        <p:nvPr/>
-      </p:nvGrpSpPr>
-      <p:grpSpPr>
-        <a:xfrm>
-          <a:off x="0" y="0"/>
-          <a:ext cx="0" cy="0"/>
-          <a:chOff x="0" y="0"/>
-          <a:chExt cx="0" cy="0"/>
-        </a:xfrm>
-      </p:grpSpPr>
-      <p:sp>
-        <p:nvSpPr>
-          <p:cNvPr id="4098" name="灯片编号占位符 3"/>
-          <p:cNvSpPr>
-            <a:spLocks noGrp="1" noChangeArrowheads="1"/>
-          </p:cNvSpPr>
-          <p:nvPr>
-            <p:ph type="sldNum" sz="quarter" idx="10"/>
-          </p:nvPr>
-        </p:nvSpPr>
-        <p:spPr>
-          <a:noFill/>
-          <a:ln/>
-          <a:extLst>
-            <a:ext uri="{909E8E84-426E-40DD-AFC4-6F175D3DCCD1}">
-              <a14:hiddenFill xmlns:a14="http://schemas.microsoft.com/office/drawing/2010/main">
-                <a:solidFill>
-                  <a:srgbClr val="FFFFFF"/>
-                </a:solidFill>
-              </a14:hiddenFill>
-            </a:ext>
-            <a:ext uri="{91240B29-F687-4F45-9708-019B960494DF}">
-              <a14:hiddenLine xmlns:a14="http://schemas.microsoft.com/office/drawing/2010/main" w="9525">
-                <a:solidFill>
-                  <a:srgbClr val="000000"/>
-                </a:solidFill>
-                <a:miter lim="800000"/>
-                <a:headEnd/>
-                <a:tailEnd/>
-              </a14:hiddenLine>
-            </a:ext>
-          </a:extLst>
-        </p:spPr>
-        <p:txBody>
-          <a:bodyPr/>
-          <a:lstStyle>
-            <a:lvl1pPr defTabSz="820738" eaLnBrk="0" hangingPunct="0">
-              <a:spcBef>
-                <a:spcPct val="20000"/>
-              </a:spcBef>
-              <a:buChar char="•"/>
-              <a:defRPr sz="3300">
-                <a:solidFill>
-                  <a:srgbClr val="004664"/>
-                </a:solidFill>
-                <a:latin typeface="Gill Sans MT"/>
-                <a:ea typeface="Microsoft JhengHei" pitchFamily="34" charset="-120"/>
-              </a:defRPr>
-            </a:lvl1pPr>
-            <a:lvl2pPr marL="742950" indent="-285750" defTabSz="820738" eaLnBrk="0" hangingPunct="0">
-              <a:spcBef>
-                <a:spcPct val="20000"/>
-              </a:spcBef>
-              <a:buChar char="–"/>
-              <a:defRPr sz="2500">
-                <a:solidFill>
-                  <a:schemeClr val="tx1"/>
-                </a:solidFill>
-                <a:latin typeface="Gill Sans MT"/>
-                <a:ea typeface="Microsoft JhengHei" pitchFamily="34" charset="-120"/>
-              </a:defRPr>
-            </a:lvl2pPr>
-            <a:lvl3pPr marL="1143000" indent="-228600" defTabSz="820738" eaLnBrk="0" hangingPunct="0">
-              <a:spcBef>
-                <a:spcPct val="20000"/>
-              </a:spcBef>
-              <a:buChar char="•"/>
-              <a:defRPr sz="1700">
-                <a:solidFill>
-                  <a:srgbClr val="00638E"/>
-                </a:solidFill>
-                <a:latin typeface="Gill Sans MT"/>
-                <a:ea typeface="Microsoft JhengHei" pitchFamily="34" charset="-120"/>
-              </a:defRPr>
-            </a:lvl3pPr>
-            <a:lvl4pPr marL="1600200" indent="-228600" defTabSz="820738" eaLnBrk="0" hangingPunct="0">
-              <a:spcBef>
-                <a:spcPct val="20000"/>
-              </a:spcBef>
-              <a:buChar char="–"/>
-              <a:defRPr sz="1600">
-                <a:solidFill>
-                  <a:srgbClr val="777777"/>
-                </a:solidFill>
-                <a:latin typeface="Gill Sans MT"/>
-                <a:ea typeface="Microsoft JhengHei" pitchFamily="34" charset="-120"/>
-              </a:defRPr>
-            </a:lvl4pPr>
-            <a:lvl5pPr marL="2057400" indent="-228600" defTabSz="820738" eaLnBrk="0" hangingPunct="0">
-              <a:spcBef>
-                <a:spcPct val="20000"/>
-              </a:spcBef>
-              <a:buChar char="»"/>
-              <a:defRPr sz="2200">
-                <a:solidFill>
-                  <a:schemeClr val="tx1"/>
-                </a:solidFill>
-                <a:latin typeface="Gill Sans MT"/>
-                <a:ea typeface="PMingLiU" pitchFamily="18" charset="-120"/>
-              </a:defRPr>
-            </a:lvl5pPr>
-            <a:lvl6pPr marL="2514600" indent="-228600" defTabSz="820738" eaLnBrk="0" fontAlgn="base" hangingPunct="0">
-              <a:spcBef>
-                <a:spcPct val="20000"/>
-              </a:spcBef>
-              <a:spcAft>
-                <a:spcPct val="0"/>
-              </a:spcAft>
-              <a:buChar char="»"/>
-              <a:defRPr sz="2200">
-                <a:solidFill>
-                  <a:schemeClr val="tx1"/>
-                </a:solidFill>
-                <a:latin typeface="Gill Sans MT"/>
-                <a:ea typeface="PMingLiU" pitchFamily="18" charset="-120"/>
-              </a:defRPr>
-            </a:lvl6pPr>
-            <a:lvl7pPr marL="2971800" indent="-228600" defTabSz="820738" eaLnBrk="0" fontAlgn="base" hangingPunct="0">
-              <a:spcBef>
-                <a:spcPct val="20000"/>
-              </a:spcBef>
-              <a:spcAft>
-                <a:spcPct val="0"/>
-              </a:spcAft>
-              <a:buChar char="»"/>
-              <a:defRPr sz="2200">
-                <a:solidFill>
-                  <a:schemeClr val="tx1"/>
-                </a:solidFill>
-                <a:latin typeface="Gill Sans MT"/>
-                <a:ea typeface="PMingLiU" pitchFamily="18" charset="-120"/>
-              </a:defRPr>
-            </a:lvl7pPr>
-            <a:lvl8pPr marL="3429000" indent="-228600" defTabSz="820738" eaLnBrk="0" fontAlgn="base" hangingPunct="0">
-              <a:spcBef>
-                <a:spcPct val="20000"/>
-              </a:spcBef>
-              <a:spcAft>
-                <a:spcPct val="0"/>
-              </a:spcAft>
-              <a:buChar char="»"/>
-              <a:defRPr sz="2200">
-                <a:solidFill>
-                  <a:schemeClr val="tx1"/>
-                </a:solidFill>
-                <a:latin typeface="Gill Sans MT"/>
-                <a:ea typeface="PMingLiU" pitchFamily="18" charset="-120"/>
-              </a:defRPr>
-            </a:lvl8pPr>
-            <a:lvl9pPr marL="3886200" indent="-228600" defTabSz="820738" eaLnBrk="0" fontAlgn="base" hangingPunct="0">
-              <a:spcBef>
-                <a:spcPct val="20000"/>
-              </a:spcBef>
-              <a:spcAft>
-                <a:spcPct val="0"/>
-              </a:spcAft>
-              <a:buChar char="»"/>
-              <a:defRPr sz="2200">
-                <a:solidFill>
-                  <a:schemeClr val="tx1"/>
-                </a:solidFill>
-                <a:latin typeface="Gill Sans MT"/>
-                <a:ea typeface="PMingLiU" pitchFamily="18" charset="-120"/>
-              </a:defRPr>
-            </a:lvl9pPr>
-          </a:lstStyle>
-          <a:p>
-            <a:pPr eaLnBrk="1" hangingPunct="1">
-              <a:spcBef>
-                <a:spcPct val="0"/>
-              </a:spcBef>
-              <a:buFontTx/>
-              <a:buNone/>
-            </a:pPr>
-            <a:fld id="{107AFD8B-C7BC-44DA-8E9D-64AF10D3A9A4}" type="slidenum">
-              <a:rPr lang="en-US" altLang="zh-TW" sz="1300" smtClean="0">
-                <a:solidFill>
-                  <a:srgbClr val="B2B2B2"/>
-                </a:solidFill>
-                <a:latin typeface="Arial" pitchFamily="34" charset="0"/>
-                <a:ea typeface="PMingLiU" pitchFamily="18" charset="-120"/>
-              </a:rPr>
-              <a:pPr eaLnBrk="1" hangingPunct="1">
-                <a:spcBef>
-                  <a:spcPct val="0"/>
-                </a:spcBef>
-                <a:buFontTx/>
-                <a:buNone/>
-              </a:pPr>
-              <a:t>2</a:t>
-            </a:fld>
-            <a:endParaRPr lang="en-US" altLang="zh-TW" sz="1300" smtClean="0">
-              <a:solidFill>
-                <a:srgbClr val="B2B2B2"/>
-              </a:solidFill>
-              <a:latin typeface="Arial" pitchFamily="34" charset="0"/>
-              <a:ea typeface="PMingLiU" pitchFamily="18" charset="-120"/>
-            </a:endParaRPr>
-          </a:p>
-        </p:txBody>
-      </p:sp>
-      <p:sp>
-        <p:nvSpPr>
-          <p:cNvPr id="4099" name="Rectangle 4"/>
-          <p:cNvSpPr>
-            <a:spLocks noChangeArrowheads="1"/>
-          </p:cNvSpPr>
-          <p:nvPr/>
-        </p:nvSpPr>
-        <p:spPr bwMode="auto">
-          <a:xfrm>
-            <a:off x="623888" y="434975"/>
-            <a:ext cx="8280400" cy="647700"/>
-          </a:xfrm>
-          <a:prstGeom prst="rect">
-            <a:avLst/>
-          </a:prstGeom>
-          <a:noFill/>
-          <a:ln>
-            <a:noFill/>
-          </a:ln>
-          <a:extLst>
-            <a:ext uri="{909E8E84-426E-40DD-AFC4-6F175D3DCCD1}">
-              <a14:hiddenFill xmlns:a14="http://schemas.microsoft.com/office/drawing/2010/main">
-                <a:solidFill>
-                  <a:srgbClr val="FFFFFF"/>
-                </a:solidFill>
-              </a14:hiddenFill>
-            </a:ext>
-            <a:ext uri="{91240B29-F687-4F45-9708-019B960494DF}">
-              <a14:hiddenLine xmlns:a14="http://schemas.microsoft.com/office/drawing/2010/main" w="9525">
-                <a:solidFill>
-                  <a:srgbClr val="000000"/>
-                </a:solidFill>
-                <a:miter lim="800000"/>
-                <a:headEnd/>
-                <a:tailEnd/>
-              </a14:hiddenLine>
-            </a:ext>
-          </a:extLst>
-        </p:spPr>
-        <p:txBody>
-          <a:bodyPr anchor="ctr"/>
-          <a:lstStyle>
-            <a:lvl1pPr eaLnBrk="0" hangingPunct="0">
-              <a:spcBef>
-                <a:spcPct val="20000"/>
-              </a:spcBef>
-              <a:buChar char="•"/>
-              <a:defRPr sz="3300">
-                <a:solidFill>
-                  <a:srgbClr val="004664"/>
-                </a:solidFill>
-                <a:latin typeface="Gill Sans MT"/>
-                <a:ea typeface="Microsoft JhengHei" pitchFamily="34" charset="-120"/>
-              </a:defRPr>
-            </a:lvl1pPr>
-            <a:lvl2pPr marL="742950" indent="-285750" eaLnBrk="0" hangingPunct="0">
-              <a:spcBef>
-                <a:spcPct val="20000"/>
-              </a:spcBef>
-              <a:buChar char="–"/>
-              <a:defRPr sz="2500">
-                <a:solidFill>
-                  <a:schemeClr val="tx1"/>
-                </a:solidFill>
-                <a:latin typeface="Gill Sans MT"/>
-                <a:ea typeface="Microsoft JhengHei" pitchFamily="34" charset="-120"/>
-              </a:defRPr>
-            </a:lvl2pPr>
-            <a:lvl3pPr marL="1143000" indent="-228600" eaLnBrk="0" hangingPunct="0">
-              <a:spcBef>
-                <a:spcPct val="20000"/>
-              </a:spcBef>
-              <a:buChar char="•"/>
-              <a:defRPr sz="1700">
-                <a:solidFill>
-                  <a:srgbClr val="00638E"/>
-                </a:solidFill>
-                <a:latin typeface="Gill Sans MT"/>
-                <a:ea typeface="Microsoft JhengHei" pitchFamily="34" charset="-120"/>
-              </a:defRPr>
-            </a:lvl3pPr>
-            <a:lvl4pPr marL="1600200" indent="-228600" eaLnBrk="0" hangingPunct="0">
-              <a:spcBef>
-                <a:spcPct val="20000"/>
-              </a:spcBef>
-              <a:buChar char="–"/>
-              <a:defRPr sz="1600">
-                <a:solidFill>
-                  <a:srgbClr val="777777"/>
-                </a:solidFill>
-                <a:latin typeface="Gill Sans MT"/>
-                <a:ea typeface="Microsoft JhengHei" pitchFamily="34" charset="-120"/>
-              </a:defRPr>
-            </a:lvl4pPr>
-            <a:lvl5pPr marL="2057400" indent="-228600" eaLnBrk="0" hangingPunct="0">
-              <a:spcBef>
-                <a:spcPct val="20000"/>
-              </a:spcBef>
-              <a:buChar char="»"/>
-              <a:defRPr sz="2200">
-                <a:solidFill>
-                  <a:schemeClr val="tx1"/>
-                </a:solidFill>
-                <a:latin typeface="Gill Sans MT"/>
-                <a:ea typeface="PMingLiU" pitchFamily="18" charset="-120"/>
-              </a:defRPr>
-            </a:lvl5pPr>
-            <a:lvl6pPr marL="2514600" indent="-228600" eaLnBrk="0" fontAlgn="base" hangingPunct="0">
-              <a:spcBef>
-                <a:spcPct val="20000"/>
-              </a:spcBef>
-              <a:spcAft>
-                <a:spcPct val="0"/>
-              </a:spcAft>
-              <a:buChar char="»"/>
-              <a:defRPr sz="2200">
-                <a:solidFill>
-                  <a:schemeClr val="tx1"/>
-                </a:solidFill>
-                <a:latin typeface="Gill Sans MT"/>
-                <a:ea typeface="PMingLiU" pitchFamily="18" charset="-120"/>
-              </a:defRPr>
-            </a:lvl6pPr>
-            <a:lvl7pPr marL="2971800" indent="-228600" eaLnBrk="0" fontAlgn="base" hangingPunct="0">
-              <a:spcBef>
-                <a:spcPct val="20000"/>
-              </a:spcBef>
-              <a:spcAft>
-                <a:spcPct val="0"/>
-              </a:spcAft>
-              <a:buChar char="»"/>
-              <a:defRPr sz="2200">
-                <a:solidFill>
-                  <a:schemeClr val="tx1"/>
-                </a:solidFill>
-                <a:latin typeface="Gill Sans MT"/>
-                <a:ea typeface="PMingLiU" pitchFamily="18" charset="-120"/>
-              </a:defRPr>
-            </a:lvl7pPr>
-            <a:lvl8pPr marL="3429000" indent="-228600" eaLnBrk="0" fontAlgn="base" hangingPunct="0">
-              <a:spcBef>
-                <a:spcPct val="20000"/>
-              </a:spcBef>
-              <a:spcAft>
-                <a:spcPct val="0"/>
-              </a:spcAft>
-              <a:buChar char="»"/>
-              <a:defRPr sz="2200">
-                <a:solidFill>
-                  <a:schemeClr val="tx1"/>
-                </a:solidFill>
-                <a:latin typeface="Gill Sans MT"/>
-                <a:ea typeface="PMingLiU" pitchFamily="18" charset="-120"/>
-              </a:defRPr>
-            </a:lvl8pPr>
-            <a:lvl9pPr marL="3886200" indent="-228600" eaLnBrk="0" fontAlgn="base" hangingPunct="0">
-              <a:spcBef>
-                <a:spcPct val="20000"/>
-              </a:spcBef>
-              <a:spcAft>
-                <a:spcPct val="0"/>
-              </a:spcAft>
-              <a:buChar char="»"/>
-              <a:defRPr sz="2200">
-                <a:solidFill>
-                  <a:schemeClr val="tx1"/>
-                </a:solidFill>
-                <a:latin typeface="Gill Sans MT"/>
-                <a:ea typeface="PMingLiU" pitchFamily="18" charset="-120"/>
-              </a:defRPr>
-            </a:lvl9pPr>
-          </a:lstStyle>
-          <a:p>
-            <a:pPr eaLnBrk="1" hangingPunct="1">
-              <a:spcBef>
-                <a:spcPct val="0"/>
-              </a:spcBef>
-            </a:pPr>
-            <a:r>
-              <a:rPr lang="en-US" altLang="zh-TW" sz="3400" b="1">
-                <a:latin typeface="微软雅黑" pitchFamily="34" charset="-122"/>
-                <a:ea typeface="微软雅黑" pitchFamily="34" charset="-122"/>
-              </a:rPr>
-              <a:t>Agenda</a:t>
-            </a:r>
-          </a:p>
-        </p:txBody>
-      </p:sp>
-      <p:sp>
-        <p:nvSpPr>
-          <p:cNvPr id="4100" name="Rectangle 5"/>
-          <p:cNvSpPr>
-            <a:spLocks noChangeArrowheads="1"/>
-          </p:cNvSpPr>
-          <p:nvPr/>
-        </p:nvSpPr>
-        <p:spPr bwMode="auto">
-          <a:xfrm>
-            <a:off x="1039813" y="1370013"/>
-            <a:ext cx="8062912" cy="4679950"/>
-          </a:xfrm>
-          <a:prstGeom prst="rect">
-            <a:avLst/>
-          </a:prstGeom>
-          <a:noFill/>
-          <a:ln>
-            <a:noFill/>
-          </a:ln>
-          <a:extLst>
-            <a:ext uri="{909E8E84-426E-40DD-AFC4-6F175D3DCCD1}">
-              <a14:hiddenFill xmlns:a14="http://schemas.microsoft.com/office/drawing/2010/main">
-                <a:solidFill>
-                  <a:srgbClr val="FFFFFF"/>
-                </a:solidFill>
-              </a14:hiddenFill>
-            </a:ext>
-            <a:ext uri="{91240B29-F687-4F45-9708-019B960494DF}">
-              <a14:hiddenLine xmlns:a14="http://schemas.microsoft.com/office/drawing/2010/main" w="9525">
-                <a:solidFill>
-                  <a:srgbClr val="000000"/>
-                </a:solidFill>
-                <a:miter lim="800000"/>
-                <a:headEnd/>
-                <a:tailEnd/>
-              </a14:hiddenLine>
-            </a:ext>
-          </a:extLst>
-        </p:spPr>
-        <p:txBody>
-          <a:bodyPr/>
-          <a:lstStyle>
-            <a:lvl1pPr marL="390525" indent="-390525" eaLnBrk="0" hangingPunct="0">
-              <a:spcBef>
-                <a:spcPct val="20000"/>
-              </a:spcBef>
-              <a:buChar char="•"/>
-              <a:defRPr sz="3300">
-                <a:solidFill>
-                  <a:srgbClr val="004664"/>
-                </a:solidFill>
-                <a:latin typeface="Gill Sans MT"/>
-                <a:ea typeface="Microsoft JhengHei" pitchFamily="34" charset="-120"/>
-              </a:defRPr>
-            </a:lvl1pPr>
-            <a:lvl2pPr marL="742950" indent="-285750" eaLnBrk="0" hangingPunct="0">
-              <a:spcBef>
-                <a:spcPct val="20000"/>
-              </a:spcBef>
-              <a:buChar char="–"/>
-              <a:defRPr sz="2500">
-                <a:solidFill>
-                  <a:schemeClr val="tx1"/>
-                </a:solidFill>
-                <a:latin typeface="Gill Sans MT"/>
-                <a:ea typeface="Microsoft JhengHei" pitchFamily="34" charset="-120"/>
-              </a:defRPr>
-            </a:lvl2pPr>
-            <a:lvl3pPr marL="1143000" indent="-228600" eaLnBrk="0" hangingPunct="0">
-              <a:spcBef>
-                <a:spcPct val="20000"/>
-              </a:spcBef>
-              <a:buChar char="•"/>
-              <a:defRPr sz="1700">
-                <a:solidFill>
-                  <a:srgbClr val="00638E"/>
-                </a:solidFill>
-                <a:latin typeface="Gill Sans MT"/>
-                <a:ea typeface="Microsoft JhengHei" pitchFamily="34" charset="-120"/>
-              </a:defRPr>
-            </a:lvl3pPr>
-            <a:lvl4pPr marL="1600200" indent="-228600" eaLnBrk="0" hangingPunct="0">
-              <a:spcBef>
-                <a:spcPct val="20000"/>
-              </a:spcBef>
-              <a:buChar char="–"/>
-              <a:defRPr sz="1600">
-                <a:solidFill>
-                  <a:srgbClr val="777777"/>
-                </a:solidFill>
-                <a:latin typeface="Gill Sans MT"/>
-                <a:ea typeface="Microsoft JhengHei" pitchFamily="34" charset="-120"/>
-              </a:defRPr>
-            </a:lvl4pPr>
-            <a:lvl5pPr marL="2057400" indent="-228600" eaLnBrk="0" hangingPunct="0">
-              <a:spcBef>
-                <a:spcPct val="20000"/>
-              </a:spcBef>
-              <a:buChar char="»"/>
-              <a:defRPr sz="2200">
-                <a:solidFill>
-                  <a:schemeClr val="tx1"/>
-                </a:solidFill>
-                <a:latin typeface="Gill Sans MT"/>
-                <a:ea typeface="PMingLiU" pitchFamily="18" charset="-120"/>
-              </a:defRPr>
-            </a:lvl5pPr>
-            <a:lvl6pPr marL="2514600" indent="-228600" eaLnBrk="0" fontAlgn="base" hangingPunct="0">
-              <a:spcBef>
-                <a:spcPct val="20000"/>
-              </a:spcBef>
-              <a:spcAft>
-                <a:spcPct val="0"/>
-              </a:spcAft>
-              <a:buChar char="»"/>
-              <a:defRPr sz="2200">
-                <a:solidFill>
-                  <a:schemeClr val="tx1"/>
-                </a:solidFill>
-                <a:latin typeface="Gill Sans MT"/>
-                <a:ea typeface="PMingLiU" pitchFamily="18" charset="-120"/>
-              </a:defRPr>
-            </a:lvl6pPr>
-            <a:lvl7pPr marL="2971800" indent="-228600" eaLnBrk="0" fontAlgn="base" hangingPunct="0">
-              <a:spcBef>
-                <a:spcPct val="20000"/>
-              </a:spcBef>
-              <a:spcAft>
-                <a:spcPct val="0"/>
-              </a:spcAft>
-              <a:buChar char="»"/>
-              <a:defRPr sz="2200">
-                <a:solidFill>
-                  <a:schemeClr val="tx1"/>
-                </a:solidFill>
-                <a:latin typeface="Gill Sans MT"/>
-                <a:ea typeface="PMingLiU" pitchFamily="18" charset="-120"/>
-              </a:defRPr>
-            </a:lvl7pPr>
-            <a:lvl8pPr marL="3429000" indent="-228600" eaLnBrk="0" fontAlgn="base" hangingPunct="0">
-              <a:spcBef>
-                <a:spcPct val="20000"/>
-              </a:spcBef>
-              <a:spcAft>
-                <a:spcPct val="0"/>
-              </a:spcAft>
-              <a:buChar char="»"/>
-              <a:defRPr sz="2200">
-                <a:solidFill>
-                  <a:schemeClr val="tx1"/>
-                </a:solidFill>
-                <a:latin typeface="Gill Sans MT"/>
-                <a:ea typeface="PMingLiU" pitchFamily="18" charset="-120"/>
-              </a:defRPr>
-            </a:lvl8pPr>
-            <a:lvl9pPr marL="3886200" indent="-228600" eaLnBrk="0" fontAlgn="base" hangingPunct="0">
-              <a:spcBef>
-                <a:spcPct val="20000"/>
-              </a:spcBef>
-              <a:spcAft>
-                <a:spcPct val="0"/>
-              </a:spcAft>
-              <a:buChar char="»"/>
-              <a:defRPr sz="2200">
-                <a:solidFill>
-                  <a:schemeClr val="tx1"/>
-                </a:solidFill>
-                <a:latin typeface="Gill Sans MT"/>
-                <a:ea typeface="PMingLiU" pitchFamily="18" charset="-120"/>
-              </a:defRPr>
-            </a:lvl9pPr>
-          </a:lstStyle>
-          <a:p>
-            <a:pPr eaLnBrk="1" hangingPunct="1">
-              <a:buFont typeface="Wingdings" pitchFamily="2" charset="2"/>
-              <a:buChar char="l"/>
-            </a:pPr>
-            <a:r>
-              <a:rPr lang="zh-CN" altLang="en-US" sz="2500" dirty="0">
-                <a:solidFill>
-                  <a:schemeClr val="tx1"/>
-                </a:solidFill>
-                <a:ea typeface="微软雅黑" pitchFamily="34" charset="-122"/>
-              </a:rPr>
-              <a:t>简介</a:t>
-            </a:r>
-            <a:endParaRPr lang="en-US" altLang="zh-CN" sz="2500" dirty="0">
-              <a:solidFill>
-                <a:schemeClr val="tx1"/>
-              </a:solidFill>
-              <a:ea typeface="微软雅黑" pitchFamily="34" charset="-122"/>
-            </a:endParaRPr>
-          </a:p>
-          <a:p>
-            <a:pPr eaLnBrk="1" hangingPunct="1">
-              <a:buFont typeface="Wingdings" pitchFamily="2" charset="2"/>
-              <a:buChar char="l"/>
-            </a:pPr>
-            <a:r>
-              <a:rPr lang="en-US" altLang="zh-CN" sz="2500" dirty="0">
-                <a:solidFill>
-                  <a:schemeClr val="tx1"/>
-                </a:solidFill>
-                <a:ea typeface="微软雅黑" pitchFamily="34" charset="-122"/>
-              </a:rPr>
-              <a:t>Portal</a:t>
-            </a:r>
-            <a:r>
-              <a:rPr lang="zh-CN" altLang="en-US" sz="2500" dirty="0">
-                <a:solidFill>
-                  <a:schemeClr val="tx1"/>
-                </a:solidFill>
-                <a:ea typeface="微软雅黑" pitchFamily="34" charset="-122"/>
-              </a:rPr>
-              <a:t>功能介绍</a:t>
-            </a:r>
-            <a:endParaRPr lang="en-US" altLang="zh-CN" sz="2500" dirty="0">
-              <a:solidFill>
-                <a:schemeClr val="tx1"/>
-              </a:solidFill>
-              <a:ea typeface="微软雅黑" pitchFamily="34" charset="-122"/>
-            </a:endParaRPr>
-          </a:p>
-          <a:p>
-            <a:pPr eaLnBrk="1" hangingPunct="1">
-              <a:buFont typeface="Wingdings" pitchFamily="2" charset="2"/>
-              <a:buChar char="l"/>
-            </a:pPr>
-            <a:r>
-              <a:rPr lang="zh-CN" altLang="en-US" sz="2500" dirty="0" smtClean="0">
-                <a:solidFill>
-                  <a:schemeClr val="tx1"/>
-                </a:solidFill>
-                <a:ea typeface="微软雅黑" pitchFamily="34" charset="-122"/>
-              </a:rPr>
-              <a:t>使用</a:t>
-            </a:r>
-            <a:endParaRPr lang="en-US" altLang="zh-CN" sz="2500" dirty="0">
-              <a:solidFill>
-                <a:schemeClr val="tx1"/>
-              </a:solidFill>
-              <a:ea typeface="微软雅黑" pitchFamily="34" charset="-122"/>
-            </a:endParaRPr>
-          </a:p>
-        </p:txBody>
-      </p:sp>
-    </p:spTree>
-  </p:cSld>
-  <p:clrMapOvr>
-    <a:masterClrMapping/>
-  </p:clrMapOvr>
-  <p:timing>
-    <p:tnLst>
-      <p:par>
-        <p:cTn id="1" dur="indefinite" restart="never" nodeType="tmRoot"/>
-      </p:par>
-    </p:tnLst>
-  </p:timing>
-</p:sld>
-</file>
-
-<file path=ppt/slides/slide20.xml><?xml version="1.0" encoding="utf-8"?>
+<file path=ppt/slides/slide21.xml><?xml version="1.0" encoding="utf-8"?>
 <p:sld xmlns:a="http://schemas.openxmlformats.org/drawingml/2006/main" xmlns:r="http://schemas.openxmlformats.org/officeDocument/2006/relationships" xmlns:p="http://schemas.openxmlformats.org/presentationml/2006/main">
   <p:cSld>
     <p:spTree>
@@ -25752,7 +26284,7 @@
         </p:blipFill>
         <p:spPr bwMode="auto">
           <a:xfrm>
-            <a:off x="5670550" y="2863850"/>
+            <a:off x="5765800" y="3127374"/>
             <a:ext cx="3771900" cy="3238500"/>
           </a:xfrm>
           <a:prstGeom prst="rect">
@@ -26026,7 +26558,7 @@
                 <a:buFontTx/>
                 <a:buNone/>
               </a:pPr>
-              <a:t>20</a:t>
+              <a:t>21</a:t>
             </a:fld>
             <a:endParaRPr lang="en-US" altLang="zh-TW" sz="1300" smtClean="0">
               <a:solidFill>
@@ -26548,7 +27080,7 @@
         </p:nvSpPr>
         <p:spPr bwMode="auto">
           <a:xfrm>
-            <a:off x="4294188" y="5280025"/>
+            <a:off x="4294188" y="5459411"/>
             <a:ext cx="2106612" cy="358775"/>
           </a:xfrm>
           <a:prstGeom prst="roundRect">
@@ -26608,7 +27140,7 @@
         </p:nvSpPr>
         <p:spPr bwMode="auto">
           <a:xfrm>
-            <a:off x="141288" y="5280025"/>
+            <a:off x="141288" y="5459412"/>
             <a:ext cx="3733800" cy="358775"/>
           </a:xfrm>
           <a:prstGeom prst="roundRect">
@@ -26743,7 +27275,7 @@
 </p:sld>
 </file>
 
-<file path=ppt/slides/slide21.xml><?xml version="1.0" encoding="utf-8"?>
+<file path=ppt/slides/slide22.xml><?xml version="1.0" encoding="utf-8"?>
 <p:sld xmlns:a="http://schemas.openxmlformats.org/drawingml/2006/main" xmlns:r="http://schemas.openxmlformats.org/officeDocument/2006/relationships" xmlns:p="http://schemas.openxmlformats.org/presentationml/2006/main">
   <p:cSld>
     <p:spTree>
@@ -26949,7 +27481,7 @@
                 <a:buFontTx/>
                 <a:buNone/>
               </a:pPr>
-              <a:t>21</a:t>
+              <a:t>22</a:t>
             </a:fld>
             <a:endParaRPr lang="en-US" altLang="zh-TW" sz="1300" smtClean="0">
               <a:solidFill>
@@ -27652,7 +28184,7 @@
 </p:sld>
 </file>
 
-<file path=ppt/slides/slide22.xml><?xml version="1.0" encoding="utf-8"?>
+<file path=ppt/slides/slide23.xml><?xml version="1.0" encoding="utf-8"?>
 <p:sld xmlns:a="http://schemas.openxmlformats.org/drawingml/2006/main" xmlns:r="http://schemas.openxmlformats.org/officeDocument/2006/relationships" xmlns:p="http://schemas.openxmlformats.org/presentationml/2006/main">
   <p:cSld>
     <p:spTree>
@@ -27858,7 +28390,7 @@
                 <a:buFontTx/>
                 <a:buNone/>
               </a:pPr>
-              <a:t>22</a:t>
+              <a:t>23</a:t>
             </a:fld>
             <a:endParaRPr lang="en-US" altLang="zh-TW" sz="1300" smtClean="0">
               <a:solidFill>
@@ -28501,7 +29033,7 @@
 </p:sld>
 </file>
 
-<file path=ppt/slides/slide23.xml><?xml version="1.0" encoding="utf-8"?>
+<file path=ppt/slides/slide24.xml><?xml version="1.0" encoding="utf-8"?>
 <p:sld xmlns:a="http://schemas.openxmlformats.org/drawingml/2006/main" xmlns:r="http://schemas.openxmlformats.org/officeDocument/2006/relationships" xmlns:p="http://schemas.openxmlformats.org/presentationml/2006/main">
   <p:cSld>
     <p:spTree>
@@ -28707,7 +29239,7 @@
                 <a:buFontTx/>
                 <a:buNone/>
               </a:pPr>
-              <a:t>23</a:t>
+              <a:t>24</a:t>
             </a:fld>
             <a:endParaRPr lang="en-US" altLang="zh-TW" sz="1300" smtClean="0">
               <a:solidFill>
@@ -29572,7 +30104,7 @@
 </p:sld>
 </file>
 
-<file path=ppt/slides/slide24.xml><?xml version="1.0" encoding="utf-8"?>
+<file path=ppt/slides/slide25.xml><?xml version="1.0" encoding="utf-8"?>
 <p:sld xmlns:a="http://schemas.openxmlformats.org/drawingml/2006/main" xmlns:r="http://schemas.openxmlformats.org/officeDocument/2006/relationships" xmlns:p="http://schemas.openxmlformats.org/presentationml/2006/main">
   <p:cSld>
     <p:spTree>
@@ -29778,7 +30310,7 @@
                 <a:buFontTx/>
                 <a:buNone/>
               </a:pPr>
-              <a:t>24</a:t>
+              <a:t>25</a:t>
             </a:fld>
             <a:endParaRPr lang="en-US" altLang="zh-TW" sz="1300" smtClean="0">
               <a:solidFill>
@@ -30648,7 +31180,7 @@
 </p:sld>
 </file>
 
-<file path=ppt/slides/slide25.xml><?xml version="1.0" encoding="utf-8"?>
+<file path=ppt/slides/slide26.xml><?xml version="1.0" encoding="utf-8"?>
 <p:sld xmlns:a="http://schemas.openxmlformats.org/drawingml/2006/main" xmlns:r="http://schemas.openxmlformats.org/officeDocument/2006/relationships" xmlns:p="http://schemas.openxmlformats.org/presentationml/2006/main">
   <p:cSld>
     <p:spTree>
@@ -30854,7 +31386,7 @@
                 <a:buFontTx/>
                 <a:buNone/>
               </a:pPr>
-              <a:t>25</a:t>
+              <a:t>26</a:t>
             </a:fld>
             <a:endParaRPr lang="en-US" altLang="zh-TW" sz="1300" smtClean="0">
               <a:solidFill>
@@ -31377,7 +31909,7 @@
 </p:sld>
 </file>
 
-<file path=ppt/slides/slide26.xml><?xml version="1.0" encoding="utf-8"?>
+<file path=ppt/slides/slide27.xml><?xml version="1.0" encoding="utf-8"?>
 <p:sld xmlns:a="http://schemas.openxmlformats.org/drawingml/2006/main" xmlns:r="http://schemas.openxmlformats.org/officeDocument/2006/relationships" xmlns:p="http://schemas.openxmlformats.org/presentationml/2006/main">
   <p:cSld>
     <p:spTree>
@@ -31583,7 +32115,7 @@
                 <a:buFontTx/>
                 <a:buNone/>
               </a:pPr>
-              <a:t>26</a:t>
+              <a:t>27</a:t>
             </a:fld>
             <a:endParaRPr lang="en-US" altLang="zh-TW" sz="1300" smtClean="0">
               <a:solidFill>
@@ -32418,7 +32950,7 @@
 </p:sld>
 </file>
 
-<file path=ppt/slides/slide27.xml><?xml version="1.0" encoding="utf-8"?>
+<file path=ppt/slides/slide28.xml><?xml version="1.0" encoding="utf-8"?>
 <p:sld xmlns:a="http://schemas.openxmlformats.org/drawingml/2006/main" xmlns:r="http://schemas.openxmlformats.org/officeDocument/2006/relationships" xmlns:p="http://schemas.openxmlformats.org/presentationml/2006/main">
   <p:cSld>
     <p:spTree>
@@ -32624,7 +33156,7 @@
                 <a:buFontTx/>
                 <a:buNone/>
               </a:pPr>
-              <a:t>27</a:t>
+              <a:t>28</a:t>
             </a:fld>
             <a:endParaRPr lang="en-US" altLang="zh-TW" sz="1300" smtClean="0">
               <a:solidFill>
@@ -33459,7 +33991,7 @@
 </p:sld>
 </file>
 
-<file path=ppt/slides/slide28.xml><?xml version="1.0" encoding="utf-8"?>
+<file path=ppt/slides/slide29.xml><?xml version="1.0" encoding="utf-8"?>
 <p:sld xmlns:a="http://schemas.openxmlformats.org/drawingml/2006/main" xmlns:r="http://schemas.openxmlformats.org/officeDocument/2006/relationships" xmlns:p="http://schemas.openxmlformats.org/presentationml/2006/main">
   <p:cSld>
     <p:spTree>
@@ -33665,7 +34197,7 @@
                 <a:buFontTx/>
                 <a:buNone/>
               </a:pPr>
-              <a:t>28</a:t>
+              <a:t>29</a:t>
             </a:fld>
             <a:endParaRPr lang="en-US" altLang="zh-TW" sz="1300" smtClean="0">
               <a:solidFill>
@@ -34043,63 +34575,6 @@
               <a:latin typeface="Microsoft New Tai Lue" panose="020B0502040204020203" pitchFamily="34" charset="0"/>
               <a:cs typeface="Microsoft New Tai Lue" panose="020B0502040204020203" pitchFamily="34" charset="0"/>
             </a:endParaRPr>
-          </a:p>
-        </p:txBody>
-      </p:sp>
-    </p:spTree>
-  </p:cSld>
-  <p:clrMapOvr>
-    <a:masterClrMapping/>
-  </p:clrMapOvr>
-  <p:timing>
-    <p:tnLst>
-      <p:par>
-        <p:cTn id="1" dur="indefinite" restart="never" nodeType="tmRoot"/>
-      </p:par>
-    </p:tnLst>
-  </p:timing>
-</p:sld>
-</file>
-
-<file path=ppt/slides/slide29.xml><?xml version="1.0" encoding="utf-8"?>
-<p:sld xmlns:a="http://schemas.openxmlformats.org/drawingml/2006/main" xmlns:r="http://schemas.openxmlformats.org/officeDocument/2006/relationships" xmlns:p="http://schemas.openxmlformats.org/presentationml/2006/main">
-  <p:cSld>
-    <p:spTree>
-      <p:nvGrpSpPr>
-        <p:cNvPr id="1" name=""/>
-        <p:cNvGrpSpPr/>
-        <p:nvPr/>
-      </p:nvGrpSpPr>
-      <p:grpSpPr>
-        <a:xfrm>
-          <a:off x="0" y="0"/>
-          <a:ext cx="0" cy="0"/>
-          <a:chOff x="0" y="0"/>
-          <a:chExt cx="0" cy="0"/>
-        </a:xfrm>
-      </p:grpSpPr>
-      <p:sp>
-        <p:nvSpPr>
-          <p:cNvPr id="23554" name="Rectangle 6"/>
-          <p:cNvSpPr>
-            <a:spLocks noGrp="1" noChangeArrowheads="1"/>
-          </p:cNvSpPr>
-          <p:nvPr>
-            <p:ph type="ctrTitle"/>
-          </p:nvPr>
-        </p:nvSpPr>
-        <p:spPr/>
-        <p:txBody>
-          <a:bodyPr/>
-          <a:lstStyle/>
-          <a:p>
-            <a:pPr eaLnBrk="1" hangingPunct="1"/>
-            <a:r>
-              <a:rPr lang="zh-CN" altLang="en-US" sz="3600" smtClean="0">
-                <a:ea typeface="微软雅黑" pitchFamily="34" charset="-122"/>
-              </a:rPr>
-              <a:t>使用</a:t>
-            </a:r>
           </a:p>
         </p:txBody>
       </p:sp>
@@ -34194,6 +34669,63 @@
       </p:grpSpPr>
       <p:sp>
         <p:nvSpPr>
+          <p:cNvPr id="23554" name="Rectangle 6"/>
+          <p:cNvSpPr>
+            <a:spLocks noGrp="1" noChangeArrowheads="1"/>
+          </p:cNvSpPr>
+          <p:nvPr>
+            <p:ph type="ctrTitle"/>
+          </p:nvPr>
+        </p:nvSpPr>
+        <p:spPr/>
+        <p:txBody>
+          <a:bodyPr/>
+          <a:lstStyle/>
+          <a:p>
+            <a:pPr eaLnBrk="1" hangingPunct="1"/>
+            <a:r>
+              <a:rPr lang="zh-CN" altLang="en-US" sz="3600" smtClean="0">
+                <a:ea typeface="微软雅黑" pitchFamily="34" charset="-122"/>
+              </a:rPr>
+              <a:t>使用</a:t>
+            </a:r>
+          </a:p>
+        </p:txBody>
+      </p:sp>
+    </p:spTree>
+  </p:cSld>
+  <p:clrMapOvr>
+    <a:masterClrMapping/>
+  </p:clrMapOvr>
+  <p:timing>
+    <p:tnLst>
+      <p:par>
+        <p:cTn id="1" dur="indefinite" restart="never" nodeType="tmRoot"/>
+      </p:par>
+    </p:tnLst>
+  </p:timing>
+</p:sld>
+</file>
+
+<file path=ppt/slides/slide31.xml><?xml version="1.0" encoding="utf-8"?>
+<p:sld xmlns:a="http://schemas.openxmlformats.org/drawingml/2006/main" xmlns:r="http://schemas.openxmlformats.org/officeDocument/2006/relationships" xmlns:p="http://schemas.openxmlformats.org/presentationml/2006/main">
+  <p:cSld>
+    <p:spTree>
+      <p:nvGrpSpPr>
+        <p:cNvPr id="1" name=""/>
+        <p:cNvGrpSpPr/>
+        <p:nvPr/>
+      </p:nvGrpSpPr>
+      <p:grpSpPr>
+        <a:xfrm>
+          <a:off x="0" y="0"/>
+          <a:ext cx="0" cy="0"/>
+          <a:chOff x="0" y="0"/>
+          <a:chExt cx="0" cy="0"/>
+        </a:xfrm>
+      </p:grpSpPr>
+      <p:sp>
+        <p:nvSpPr>
           <p:cNvPr id="24578" name="灯片编号占位符 3"/>
           <p:cNvSpPr>
             <a:spLocks noGrp="1" noChangeArrowheads="1"/>
@@ -34381,7 +34913,7 @@
                 <a:buFontTx/>
                 <a:buNone/>
               </a:pPr>
-              <a:t>30</a:t>
+              <a:t>31</a:t>
             </a:fld>
             <a:endParaRPr lang="en-US" altLang="zh-TW" sz="1300" smtClean="0">
               <a:solidFill>
@@ -36020,7 +36552,7 @@
 </p:sld>
 </file>
 
-<file path=ppt/slides/slide31.xml><?xml version="1.0" encoding="utf-8"?>
+<file path=ppt/slides/slide32.xml><?xml version="1.0" encoding="utf-8"?>
 <p:sld xmlns:a="http://schemas.openxmlformats.org/drawingml/2006/main" xmlns:r="http://schemas.openxmlformats.org/officeDocument/2006/relationships" xmlns:p="http://schemas.openxmlformats.org/presentationml/2006/main">
   <p:cSld>
     <p:spTree>
@@ -36226,7 +36758,7 @@
                 <a:buFontTx/>
                 <a:buNone/>
               </a:pPr>
-              <a:t>31</a:t>
+              <a:t>32</a:t>
             </a:fld>
             <a:endParaRPr lang="en-US" altLang="zh-TW" sz="1300" smtClean="0">
               <a:solidFill>
@@ -36816,7 +37348,7 @@
 </p:sld>
 </file>
 
-<file path=ppt/slides/slide32.xml><?xml version="1.0" encoding="utf-8"?>
+<file path=ppt/slides/slide33.xml><?xml version="1.0" encoding="utf-8"?>
 <p:sld xmlns:a="http://schemas.openxmlformats.org/drawingml/2006/main" xmlns:r="http://schemas.openxmlformats.org/officeDocument/2006/relationships" xmlns:p="http://schemas.openxmlformats.org/presentationml/2006/main">
   <p:cSld>
     <p:spTree>
@@ -37022,7 +37554,7 @@
                 <a:buFontTx/>
                 <a:buNone/>
               </a:pPr>
-              <a:t>32</a:t>
+              <a:t>33</a:t>
             </a:fld>
             <a:endParaRPr lang="en-US" altLang="zh-TW" sz="1300" smtClean="0">
               <a:solidFill>
@@ -37790,7 +38322,7 @@
 </p:sld>
 </file>
 
-<file path=ppt/slides/slide33.xml><?xml version="1.0" encoding="utf-8"?>
+<file path=ppt/slides/slide34.xml><?xml version="1.0" encoding="utf-8"?>
 <p:sld xmlns:a="http://schemas.openxmlformats.org/drawingml/2006/main" xmlns:r="http://schemas.openxmlformats.org/officeDocument/2006/relationships" xmlns:p="http://schemas.openxmlformats.org/presentationml/2006/main">
   <p:cSld>
     <p:spTree>
@@ -37996,7 +38528,7 @@
                 <a:buFontTx/>
                 <a:buNone/>
               </a:pPr>
-              <a:t>33</a:t>
+              <a:t>34</a:t>
             </a:fld>
             <a:endParaRPr lang="en-US" altLang="zh-TW" sz="1300" smtClean="0">
               <a:solidFill>
@@ -38658,7 +39190,7 @@
 </p:sld>
 </file>
 
-<file path=ppt/slides/slide34.xml><?xml version="1.0" encoding="utf-8"?>
+<file path=ppt/slides/slide35.xml><?xml version="1.0" encoding="utf-8"?>
 <p:sld xmlns:a="http://schemas.openxmlformats.org/drawingml/2006/main" xmlns:r="http://schemas.openxmlformats.org/officeDocument/2006/relationships" xmlns:p="http://schemas.openxmlformats.org/presentationml/2006/main">
   <p:cSld>
     <p:spTree>
@@ -38864,7 +39396,7 @@
                 <a:buFontTx/>
                 <a:buNone/>
               </a:pPr>
-              <a:t>34</a:t>
+              <a:t>35</a:t>
             </a:fld>
             <a:endParaRPr lang="en-US" altLang="zh-TW" sz="1300" smtClean="0">
               <a:solidFill>
@@ -39381,7 +39913,7 @@
 </p:sld>
 </file>
 
-<file path=ppt/slides/slide35.xml><?xml version="1.0" encoding="utf-8"?>
+<file path=ppt/slides/slide36.xml><?xml version="1.0" encoding="utf-8"?>
 <p:sld xmlns:a="http://schemas.openxmlformats.org/drawingml/2006/main" xmlns:r="http://schemas.openxmlformats.org/officeDocument/2006/relationships" xmlns:p="http://schemas.openxmlformats.org/presentationml/2006/main">
   <p:cSld>
     <p:bg bwMode="auto">
@@ -40619,18 +41151,18 @@
               <a:buNone/>
             </a:pPr>
             <a:r>
+              <a:rPr lang="en-US" altLang="zh-CN" sz="3400" b="1" dirty="0" smtClean="0">
+                <a:latin typeface="微软雅黑" pitchFamily="34" charset="-122"/>
+                <a:ea typeface="微软雅黑" pitchFamily="34" charset="-122"/>
+              </a:rPr>
+              <a:t>BACH30</a:t>
+            </a:r>
+            <a:r>
               <a:rPr lang="zh-CN" altLang="en-US" sz="3400" b="1" dirty="0" smtClean="0">
                 <a:latin typeface="微软雅黑" pitchFamily="34" charset="-122"/>
                 <a:ea typeface="微软雅黑" pitchFamily="34" charset="-122"/>
               </a:rPr>
-              <a:t>权限模型 </a:t>
-            </a:r>
-            <a:r>
-              <a:rPr lang="en-US" altLang="zh-CN" sz="3400" b="1" dirty="0" smtClean="0">
-                <a:latin typeface="微软雅黑" pitchFamily="34" charset="-122"/>
-                <a:ea typeface="微软雅黑" pitchFamily="34" charset="-122"/>
-              </a:rPr>
-              <a:t>– Org User / Role</a:t>
+              <a:t>权限控制</a:t>
             </a:r>
             <a:endParaRPr lang="en-US" altLang="zh-TW" sz="3400" b="1" dirty="0">
               <a:latin typeface="微软雅黑" pitchFamily="34" charset="-122"/>
@@ -40641,7 +41173,7 @@
       </p:sp>
       <p:pic>
         <p:nvPicPr>
-          <p:cNvPr id="71683" name="Picture 3"/>
+          <p:cNvPr id="1027" name="Picture 3"/>
           <p:cNvPicPr>
             <a:picLocks noChangeAspect="1" noChangeArrowheads="1"/>
           </p:cNvPicPr>
@@ -40662,8 +41194,8 @@
         </p:blipFill>
         <p:spPr bwMode="auto">
           <a:xfrm>
-            <a:off x="279400" y="1984375"/>
-            <a:ext cx="10276047" cy="3540125"/>
+            <a:off x="212724" y="1814512"/>
+            <a:ext cx="10244413" cy="4027487"/>
           </a:xfrm>
           <a:prstGeom prst="rect">
             <a:avLst/>
@@ -41135,7 +41667,7 @@
       </p:sp>
       <p:pic>
         <p:nvPicPr>
-          <p:cNvPr id="75782" name="Picture 6"/>
+          <p:cNvPr id="71683" name="Picture 3"/>
           <p:cNvPicPr>
             <a:picLocks noChangeAspect="1" noChangeArrowheads="1"/>
           </p:cNvPicPr>
@@ -41156,8 +41688,8 @@
         </p:blipFill>
         <p:spPr bwMode="auto">
           <a:xfrm>
-            <a:off x="1722981" y="2216150"/>
-            <a:ext cx="7181307" cy="4197350"/>
+            <a:off x="279400" y="1984375"/>
+            <a:ext cx="10276047" cy="3540125"/>
           </a:xfrm>
           <a:prstGeom prst="rect">
             <a:avLst/>
@@ -41190,7 +41722,7 @@
     </p:spTree>
     <p:extLst>
       <p:ext uri="{BB962C8B-B14F-4D97-AF65-F5344CB8AC3E}">
-        <p14:creationId xmlns:p14="http://schemas.microsoft.com/office/powerpoint/2010/main" val="470571561"/>
+        <p14:creationId xmlns:p14="http://schemas.microsoft.com/office/powerpoint/2010/main" val="3721367316"/>
       </p:ext>
     </p:extLst>
   </p:cSld>
@@ -41618,7 +42150,7 @@
                 <a:latin typeface="微软雅黑" pitchFamily="34" charset="-122"/>
                 <a:ea typeface="微软雅黑" pitchFamily="34" charset="-122"/>
               </a:rPr>
-              <a:t>– System Function</a:t>
+              <a:t>– Org User / Role</a:t>
             </a:r>
             <a:endParaRPr lang="en-US" altLang="zh-TW" sz="3400" b="1" dirty="0">
               <a:latin typeface="微软雅黑" pitchFamily="34" charset="-122"/>
@@ -41629,7 +42161,7 @@
       </p:sp>
       <p:pic>
         <p:nvPicPr>
-          <p:cNvPr id="73733" name="Picture 5"/>
+          <p:cNvPr id="75782" name="Picture 6"/>
           <p:cNvPicPr>
             <a:picLocks noChangeAspect="1" noChangeArrowheads="1"/>
           </p:cNvPicPr>
@@ -41650,8 +42182,8 @@
         </p:blipFill>
         <p:spPr bwMode="auto">
           <a:xfrm>
-            <a:off x="623888" y="1984375"/>
-            <a:ext cx="9620723" cy="4225925"/>
+            <a:off x="1722981" y="2216150"/>
+            <a:ext cx="7181307" cy="4197350"/>
           </a:xfrm>
           <a:prstGeom prst="rect">
             <a:avLst/>
@@ -41684,7 +42216,7 @@
     </p:spTree>
     <p:extLst>
       <p:ext uri="{BB962C8B-B14F-4D97-AF65-F5344CB8AC3E}">
-        <p14:creationId xmlns:p14="http://schemas.microsoft.com/office/powerpoint/2010/main" val="2751206770"/>
+        <p14:creationId xmlns:p14="http://schemas.microsoft.com/office/powerpoint/2010/main" val="470571561"/>
       </p:ext>
     </p:extLst>
   </p:cSld>
@@ -42123,7 +42655,7 @@
       </p:sp>
       <p:pic>
         <p:nvPicPr>
-          <p:cNvPr id="74755" name="Picture 3"/>
+          <p:cNvPr id="2050" name="Picture 2"/>
           <p:cNvPicPr>
             <a:picLocks noChangeAspect="1" noChangeArrowheads="1"/>
           </p:cNvPicPr>
@@ -42144,8 +42676,8 @@
         </p:blipFill>
         <p:spPr bwMode="auto">
           <a:xfrm>
-            <a:off x="982663" y="2174875"/>
-            <a:ext cx="8843147" cy="4441825"/>
+            <a:off x="384176" y="2022475"/>
+            <a:ext cx="9852025" cy="4327525"/>
           </a:xfrm>
           <a:prstGeom prst="rect">
             <a:avLst/>
@@ -42178,7 +42710,7 @@
     </p:spTree>
     <p:extLst>
       <p:ext uri="{BB962C8B-B14F-4D97-AF65-F5344CB8AC3E}">
-        <p14:creationId xmlns:p14="http://schemas.microsoft.com/office/powerpoint/2010/main" val="671978014"/>
+        <p14:creationId xmlns:p14="http://schemas.microsoft.com/office/powerpoint/2010/main" val="2751206770"/>
       </p:ext>
     </p:extLst>
   </p:cSld>
@@ -42606,7 +43138,7 @@
                 <a:latin typeface="微软雅黑" pitchFamily="34" charset="-122"/>
                 <a:ea typeface="微软雅黑" pitchFamily="34" charset="-122"/>
               </a:rPr>
-              <a:t>– Permission</a:t>
+              <a:t>– System Function</a:t>
             </a:r>
             <a:endParaRPr lang="en-US" altLang="zh-TW" sz="3400" b="1" dirty="0">
               <a:latin typeface="微软雅黑" pitchFamily="34" charset="-122"/>
@@ -42617,7 +43149,7 @@
       </p:sp>
       <p:pic>
         <p:nvPicPr>
-          <p:cNvPr id="77826" name="Picture 2"/>
+          <p:cNvPr id="3074" name="Picture 2"/>
           <p:cNvPicPr>
             <a:picLocks noChangeAspect="1" noChangeArrowheads="1"/>
           </p:cNvPicPr>
@@ -42638,8 +43170,8 @@
         </p:blipFill>
         <p:spPr bwMode="auto">
           <a:xfrm>
-            <a:off x="420688" y="2419350"/>
-            <a:ext cx="9720279" cy="3752850"/>
+            <a:off x="811213" y="1597024"/>
+            <a:ext cx="8895293" cy="5337176"/>
           </a:xfrm>
           <a:prstGeom prst="rect">
             <a:avLst/>
@@ -42672,7 +43204,7 @@
     </p:spTree>
     <p:extLst>
       <p:ext uri="{BB962C8B-B14F-4D97-AF65-F5344CB8AC3E}">
-        <p14:creationId xmlns:p14="http://schemas.microsoft.com/office/powerpoint/2010/main" val="3004429615"/>
+        <p14:creationId xmlns:p14="http://schemas.microsoft.com/office/powerpoint/2010/main" val="671978014"/>
       </p:ext>
     </p:extLst>
   </p:cSld>

--- a/Document/New Webframework Introduction.pptx
+++ b/Document/New Webframework Introduction.pptx
@@ -5,10 +5,10 @@
     <p:sldMasterId id="2147483648" r:id="rId1"/>
   </p:sldMasterIdLst>
   <p:notesMasterIdLst>
-    <p:notesMasterId r:id="rId38"/>
+    <p:notesMasterId r:id="rId39"/>
   </p:notesMasterIdLst>
   <p:handoutMasterIdLst>
-    <p:handoutMasterId r:id="rId39"/>
+    <p:handoutMasterId r:id="rId40"/>
   </p:handoutMasterIdLst>
   <p:sldIdLst>
     <p:sldId id="260" r:id="rId2"/>
@@ -43,10 +43,11 @@
     <p:sldId id="325" r:id="rId31"/>
     <p:sldId id="326" r:id="rId32"/>
     <p:sldId id="355" r:id="rId33"/>
-    <p:sldId id="354" r:id="rId34"/>
-    <p:sldId id="333" r:id="rId35"/>
-    <p:sldId id="339" r:id="rId36"/>
-    <p:sldId id="263" r:id="rId37"/>
+    <p:sldId id="358" r:id="rId34"/>
+    <p:sldId id="354" r:id="rId35"/>
+    <p:sldId id="333" r:id="rId36"/>
+    <p:sldId id="339" r:id="rId37"/>
+    <p:sldId id="263" r:id="rId38"/>
   </p:sldIdLst>
   <p:sldSz cx="10693400" cy="7561263"/>
   <p:notesSz cx="9144000" cy="6858000"/>
@@ -11578,7 +11579,7 @@
       </p:grpSpPr>
       <p:sp>
         <p:nvSpPr>
-          <p:cNvPr id="54274" name="Rectangle 7"/>
+          <p:cNvPr id="52226" name="Rectangle 7"/>
           <p:cNvSpPr>
             <a:spLocks noGrp="1" noChangeArrowheads="1"/>
           </p:cNvSpPr>
@@ -11741,7 +11742,7 @@
               <a:buFontTx/>
               <a:buNone/>
             </a:pPr>
-            <a:fld id="{160DB81A-39C8-47BD-BE21-CD39A6975DD9}" type="slidenum">
+            <a:fld id="{336686D5-D307-4823-8333-76F50C77A074}" type="slidenum">
               <a:rPr lang="en-US" altLang="zh-TW" sz="1700" smtClean="0">
                 <a:latin typeface="Gill Sans MT"/>
                 <a:ea typeface="Microsoft JhengHei" pitchFamily="34" charset="-120"/>
@@ -11764,7 +11765,7 @@
       </p:sp>
       <p:sp>
         <p:nvSpPr>
-          <p:cNvPr id="54275" name="Rectangle 2"/>
+          <p:cNvPr id="52227" name="Rectangle 2"/>
           <p:cNvSpPr>
             <a:spLocks noGrp="1" noRot="1" noChangeAspect="1" noChangeArrowheads="1" noTextEdit="1"/>
           </p:cNvSpPr>
@@ -11778,7 +11779,7 @@
       </p:sp>
       <p:sp>
         <p:nvSpPr>
-          <p:cNvPr id="54276" name="Rectangle 3"/>
+          <p:cNvPr id="52228" name="Rectangle 3"/>
           <p:cNvSpPr>
             <a:spLocks noGrp="1" noChangeArrowheads="1"/>
           </p:cNvSpPr>
@@ -11849,7 +11850,7 @@
       </p:grpSpPr>
       <p:sp>
         <p:nvSpPr>
-          <p:cNvPr id="55298" name="Rectangle 7"/>
+          <p:cNvPr id="54274" name="Rectangle 7"/>
           <p:cNvSpPr>
             <a:spLocks noGrp="1" noChangeArrowheads="1"/>
           </p:cNvSpPr>
@@ -12012,7 +12013,7 @@
               <a:buFontTx/>
               <a:buNone/>
             </a:pPr>
-            <a:fld id="{4A52CA37-17A7-4A76-9E73-F7B0375E7F50}" type="slidenum">
+            <a:fld id="{160DB81A-39C8-47BD-BE21-CD39A6975DD9}" type="slidenum">
               <a:rPr lang="en-US" altLang="zh-TW" sz="1700" smtClean="0">
                 <a:latin typeface="Gill Sans MT"/>
                 <a:ea typeface="Microsoft JhengHei" pitchFamily="34" charset="-120"/>
@@ -12035,7 +12036,7 @@
       </p:sp>
       <p:sp>
         <p:nvSpPr>
-          <p:cNvPr id="55299" name="Rectangle 2"/>
+          <p:cNvPr id="54275" name="Rectangle 2"/>
           <p:cNvSpPr>
             <a:spLocks noGrp="1" noRot="1" noChangeAspect="1" noChangeArrowheads="1" noTextEdit="1"/>
           </p:cNvSpPr>
@@ -12049,7 +12050,7 @@
       </p:sp>
       <p:sp>
         <p:nvSpPr>
-          <p:cNvPr id="55300" name="Rectangle 3"/>
+          <p:cNvPr id="54276" name="Rectangle 3"/>
           <p:cNvSpPr>
             <a:spLocks noGrp="1" noChangeArrowheads="1"/>
           </p:cNvSpPr>
@@ -12120,6 +12121,277 @@
       </p:grpSpPr>
       <p:sp>
         <p:nvSpPr>
+          <p:cNvPr id="55298" name="Rectangle 7"/>
+          <p:cNvSpPr>
+            <a:spLocks noGrp="1" noChangeArrowheads="1"/>
+          </p:cNvSpPr>
+          <p:nvPr>
+            <p:ph type="sldNum" sz="quarter" idx="5"/>
+          </p:nvPr>
+        </p:nvSpPr>
+        <p:spPr>
+          <a:noFill/>
+          <a:ln/>
+          <a:extLst>
+            <a:ext uri="{909E8E84-426E-40DD-AFC4-6F175D3DCCD1}">
+              <a14:hiddenFill xmlns:a14="http://schemas.microsoft.com/office/drawing/2010/main">
+                <a:solidFill>
+                  <a:srgbClr val="FFFFFF"/>
+                </a:solidFill>
+              </a14:hiddenFill>
+            </a:ext>
+            <a:ext uri="{91240B29-F687-4F45-9708-019B960494DF}">
+              <a14:hiddenLine xmlns:a14="http://schemas.microsoft.com/office/drawing/2010/main" w="9525">
+                <a:solidFill>
+                  <a:srgbClr val="000000"/>
+                </a:solidFill>
+                <a:miter lim="800000"/>
+                <a:headEnd/>
+                <a:tailEnd/>
+              </a14:hiddenLine>
+            </a:ext>
+          </a:extLst>
+        </p:spPr>
+        <p:txBody>
+          <a:bodyPr/>
+          <a:lstStyle>
+            <a:lvl1pPr eaLnBrk="0" hangingPunct="0">
+              <a:spcBef>
+                <a:spcPct val="30000"/>
+              </a:spcBef>
+              <a:defRPr sz="1200">
+                <a:solidFill>
+                  <a:schemeClr val="tx1"/>
+                </a:solidFill>
+                <a:latin typeface="Arial" pitchFamily="34" charset="0"/>
+                <a:ea typeface="PMingLiU" pitchFamily="18" charset="-120"/>
+              </a:defRPr>
+            </a:lvl1pPr>
+            <a:lvl2pPr marL="742950" indent="-285750" eaLnBrk="0" hangingPunct="0">
+              <a:spcBef>
+                <a:spcPct val="30000"/>
+              </a:spcBef>
+              <a:defRPr sz="1200">
+                <a:solidFill>
+                  <a:schemeClr val="tx1"/>
+                </a:solidFill>
+                <a:latin typeface="Arial" pitchFamily="34" charset="0"/>
+                <a:ea typeface="PMingLiU" pitchFamily="18" charset="-120"/>
+              </a:defRPr>
+            </a:lvl2pPr>
+            <a:lvl3pPr marL="1143000" indent="-228600" eaLnBrk="0" hangingPunct="0">
+              <a:spcBef>
+                <a:spcPct val="30000"/>
+              </a:spcBef>
+              <a:defRPr sz="1200">
+                <a:solidFill>
+                  <a:schemeClr val="tx1"/>
+                </a:solidFill>
+                <a:latin typeface="Arial" pitchFamily="34" charset="0"/>
+                <a:ea typeface="PMingLiU" pitchFamily="18" charset="-120"/>
+              </a:defRPr>
+            </a:lvl3pPr>
+            <a:lvl4pPr marL="1600200" indent="-228600" eaLnBrk="0" hangingPunct="0">
+              <a:spcBef>
+                <a:spcPct val="30000"/>
+              </a:spcBef>
+              <a:defRPr sz="1200">
+                <a:solidFill>
+                  <a:schemeClr val="tx1"/>
+                </a:solidFill>
+                <a:latin typeface="Arial" pitchFamily="34" charset="0"/>
+                <a:ea typeface="PMingLiU" pitchFamily="18" charset="-120"/>
+              </a:defRPr>
+            </a:lvl4pPr>
+            <a:lvl5pPr marL="2057400" indent="-228600" eaLnBrk="0" hangingPunct="0">
+              <a:spcBef>
+                <a:spcPct val="30000"/>
+              </a:spcBef>
+              <a:defRPr sz="1200">
+                <a:solidFill>
+                  <a:schemeClr val="tx1"/>
+                </a:solidFill>
+                <a:latin typeface="Arial" pitchFamily="34" charset="0"/>
+                <a:ea typeface="PMingLiU" pitchFamily="18" charset="-120"/>
+              </a:defRPr>
+            </a:lvl5pPr>
+            <a:lvl6pPr marL="2514600" indent="-228600" eaLnBrk="0" fontAlgn="base" hangingPunct="0">
+              <a:spcBef>
+                <a:spcPct val="30000"/>
+              </a:spcBef>
+              <a:spcAft>
+                <a:spcPct val="0"/>
+              </a:spcAft>
+              <a:defRPr sz="1200">
+                <a:solidFill>
+                  <a:schemeClr val="tx1"/>
+                </a:solidFill>
+                <a:latin typeface="Arial" pitchFamily="34" charset="0"/>
+                <a:ea typeface="PMingLiU" pitchFamily="18" charset="-120"/>
+              </a:defRPr>
+            </a:lvl6pPr>
+            <a:lvl7pPr marL="2971800" indent="-228600" eaLnBrk="0" fontAlgn="base" hangingPunct="0">
+              <a:spcBef>
+                <a:spcPct val="30000"/>
+              </a:spcBef>
+              <a:spcAft>
+                <a:spcPct val="0"/>
+              </a:spcAft>
+              <a:defRPr sz="1200">
+                <a:solidFill>
+                  <a:schemeClr val="tx1"/>
+                </a:solidFill>
+                <a:latin typeface="Arial" pitchFamily="34" charset="0"/>
+                <a:ea typeface="PMingLiU" pitchFamily="18" charset="-120"/>
+              </a:defRPr>
+            </a:lvl7pPr>
+            <a:lvl8pPr marL="3429000" indent="-228600" eaLnBrk="0" fontAlgn="base" hangingPunct="0">
+              <a:spcBef>
+                <a:spcPct val="30000"/>
+              </a:spcBef>
+              <a:spcAft>
+                <a:spcPct val="0"/>
+              </a:spcAft>
+              <a:defRPr sz="1200">
+                <a:solidFill>
+                  <a:schemeClr val="tx1"/>
+                </a:solidFill>
+                <a:latin typeface="Arial" pitchFamily="34" charset="0"/>
+                <a:ea typeface="PMingLiU" pitchFamily="18" charset="-120"/>
+              </a:defRPr>
+            </a:lvl8pPr>
+            <a:lvl9pPr marL="3886200" indent="-228600" eaLnBrk="0" fontAlgn="base" hangingPunct="0">
+              <a:spcBef>
+                <a:spcPct val="30000"/>
+              </a:spcBef>
+              <a:spcAft>
+                <a:spcPct val="0"/>
+              </a:spcAft>
+              <a:defRPr sz="1200">
+                <a:solidFill>
+                  <a:schemeClr val="tx1"/>
+                </a:solidFill>
+                <a:latin typeface="Arial" pitchFamily="34" charset="0"/>
+                <a:ea typeface="PMingLiU" pitchFamily="18" charset="-120"/>
+              </a:defRPr>
+            </a:lvl9pPr>
+          </a:lstStyle>
+          <a:p>
+            <a:pPr eaLnBrk="1" hangingPunct="1">
+              <a:spcBef>
+                <a:spcPct val="0"/>
+              </a:spcBef>
+              <a:buFontTx/>
+              <a:buNone/>
+            </a:pPr>
+            <a:fld id="{4A52CA37-17A7-4A76-9E73-F7B0375E7F50}" type="slidenum">
+              <a:rPr lang="en-US" altLang="zh-TW" sz="1700" smtClean="0">
+                <a:latin typeface="Gill Sans MT"/>
+                <a:ea typeface="Microsoft JhengHei" pitchFamily="34" charset="-120"/>
+              </a:rPr>
+              <a:pPr eaLnBrk="1" hangingPunct="1">
+                <a:spcBef>
+                  <a:spcPct val="0"/>
+                </a:spcBef>
+                <a:buFontTx/>
+                <a:buNone/>
+              </a:pPr>
+              <a:t>36</a:t>
+            </a:fld>
+            <a:endParaRPr lang="en-US" altLang="zh-TW" sz="1700" smtClean="0">
+              <a:latin typeface="Gill Sans MT"/>
+              <a:ea typeface="Microsoft JhengHei" pitchFamily="34" charset="-120"/>
+            </a:endParaRPr>
+          </a:p>
+        </p:txBody>
+      </p:sp>
+      <p:sp>
+        <p:nvSpPr>
+          <p:cNvPr id="55299" name="Rectangle 2"/>
+          <p:cNvSpPr>
+            <a:spLocks noGrp="1" noRot="1" noChangeAspect="1" noChangeArrowheads="1" noTextEdit="1"/>
+          </p:cNvSpPr>
+          <p:nvPr>
+            <p:ph type="sldImg" idx="4294967295"/>
+          </p:nvPr>
+        </p:nvSpPr>
+        <p:spPr>
+          <a:ln/>
+        </p:spPr>
+      </p:sp>
+      <p:sp>
+        <p:nvSpPr>
+          <p:cNvPr id="55300" name="Rectangle 3"/>
+          <p:cNvSpPr>
+            <a:spLocks noGrp="1" noChangeArrowheads="1"/>
+          </p:cNvSpPr>
+          <p:nvPr>
+            <p:ph type="body" idx="4294967295"/>
+          </p:nvPr>
+        </p:nvSpPr>
+        <p:spPr>
+          <a:noFill/>
+          <a:ln/>
+          <a:extLst>
+            <a:ext uri="{909E8E84-426E-40DD-AFC4-6F175D3DCCD1}">
+              <a14:hiddenFill xmlns:a14="http://schemas.microsoft.com/office/drawing/2010/main">
+                <a:solidFill>
+                  <a:srgbClr val="FFFFFF"/>
+                </a:solidFill>
+              </a14:hiddenFill>
+            </a:ext>
+            <a:ext uri="{91240B29-F687-4F45-9708-019B960494DF}">
+              <a14:hiddenLine xmlns:a14="http://schemas.microsoft.com/office/drawing/2010/main" w="9525">
+                <a:solidFill>
+                  <a:srgbClr val="000000"/>
+                </a:solidFill>
+                <a:miter lim="800000"/>
+                <a:headEnd/>
+                <a:tailEnd/>
+              </a14:hiddenLine>
+            </a:ext>
+          </a:extLst>
+        </p:spPr>
+        <p:txBody>
+          <a:bodyPr>
+            <a:prstTxWarp prst="textNoShape">
+              <a:avLst/>
+            </a:prstTxWarp>
+          </a:bodyPr>
+          <a:lstStyle/>
+          <a:p>
+            <a:pPr eaLnBrk="1" hangingPunct="1"/>
+            <a:endParaRPr lang="zh-CN" altLang="en-US" smtClean="0"/>
+          </a:p>
+        </p:txBody>
+      </p:sp>
+    </p:spTree>
+  </p:cSld>
+  <p:clrMapOvr>
+    <a:masterClrMapping/>
+  </p:clrMapOvr>
+</p:notes>
+</file>
+
+<file path=ppt/notesSlides/notesSlide37.xml><?xml version="1.0" encoding="utf-8"?>
+<p:notes xmlns:a="http://schemas.openxmlformats.org/drawingml/2006/main" xmlns:r="http://schemas.openxmlformats.org/officeDocument/2006/relationships" xmlns:p="http://schemas.openxmlformats.org/presentationml/2006/main">
+  <p:cSld>
+    <p:spTree>
+      <p:nvGrpSpPr>
+        <p:cNvPr id="1" name=""/>
+        <p:cNvGrpSpPr/>
+        <p:nvPr/>
+      </p:nvGrpSpPr>
+      <p:grpSpPr>
+        <a:xfrm>
+          <a:off x="0" y="0"/>
+          <a:ext cx="0" cy="0"/>
+          <a:chOff x="0" y="0"/>
+          <a:chExt cx="0" cy="0"/>
+        </a:xfrm>
+      </p:grpSpPr>
+      <p:sp>
+        <p:nvSpPr>
           <p:cNvPr id="57346" name="Rectangle 7"/>
           <p:cNvSpPr>
             <a:spLocks noGrp="1" noChangeArrowheads="1"/>
@@ -12295,7 +12567,7 @@
                 <a:buFontTx/>
                 <a:buNone/>
               </a:pPr>
-              <a:t>36</a:t>
+              <a:t>37</a:t>
             </a:fld>
             <a:endParaRPr lang="en-US" altLang="zh-TW" sz="1700" smtClean="0">
               <a:latin typeface="Gill Sans MT"/>
@@ -23802,7 +24074,7 @@
         </p:nvSpPr>
         <p:spPr bwMode="auto">
           <a:xfrm>
-            <a:off x="1208088" y="6416675"/>
+            <a:off x="1171576" y="5986461"/>
             <a:ext cx="1219200" cy="358775"/>
           </a:xfrm>
           <a:prstGeom prst="roundRect">
@@ -32511,14 +32783,14 @@
       </p:sp>
       <p:pic>
         <p:nvPicPr>
-          <p:cNvPr id="20485" name="Picture 3"/>
+          <p:cNvPr id="1026" name="Picture 2"/>
           <p:cNvPicPr>
             <a:picLocks noChangeAspect="1" noChangeArrowheads="1"/>
           </p:cNvPicPr>
           <p:nvPr/>
         </p:nvPicPr>
         <p:blipFill>
-          <a:blip r:embed="rId3">
+          <a:blip r:embed="rId3" cstate="print">
             <a:extLst>
               <a:ext uri="{28A0092B-C50C-407E-A947-70E740481C1C}">
                 <a14:useLocalDpi xmlns:a14="http://schemas.microsoft.com/office/drawing/2010/main" val="0"/>
@@ -32532,8 +32804,8 @@
         </p:blipFill>
         <p:spPr bwMode="auto">
           <a:xfrm>
-            <a:off x="438150" y="1319213"/>
-            <a:ext cx="4041775" cy="2566987"/>
+            <a:off x="368299" y="1150714"/>
+            <a:ext cx="4181475" cy="2670621"/>
           </a:xfrm>
           <a:prstGeom prst="rect">
             <a:avLst/>
@@ -32563,15 +32835,69 @@
           </a:extLst>
         </p:spPr>
       </p:pic>
+      <p:pic>
+        <p:nvPicPr>
+          <p:cNvPr id="1028" name="Picture 4"/>
+          <p:cNvPicPr>
+            <a:picLocks noChangeAspect="1" noChangeArrowheads="1"/>
+          </p:cNvPicPr>
+          <p:nvPr/>
+        </p:nvPicPr>
+        <p:blipFill>
+          <a:blip r:embed="rId4" cstate="print">
+            <a:extLst>
+              <a:ext uri="{28A0092B-C50C-407E-A947-70E740481C1C}">
+                <a14:useLocalDpi xmlns:a14="http://schemas.microsoft.com/office/drawing/2010/main" val="0"/>
+              </a:ext>
+            </a:extLst>
+          </a:blip>
+          <a:srcRect/>
+          <a:stretch>
+            <a:fillRect/>
+          </a:stretch>
+        </p:blipFill>
+        <p:spPr bwMode="auto">
+          <a:xfrm>
+            <a:off x="360458" y="4016375"/>
+            <a:ext cx="4250902" cy="2714625"/>
+          </a:xfrm>
+          <a:prstGeom prst="rect">
+            <a:avLst/>
+          </a:prstGeom>
+          <a:noFill/>
+          <a:ln>
+            <a:noFill/>
+          </a:ln>
+          <a:extLst>
+            <a:ext uri="{909E8E84-426E-40DD-AFC4-6F175D3DCCD1}">
+              <a14:hiddenFill xmlns:a14="http://schemas.microsoft.com/office/drawing/2010/main">
+                <a:solidFill>
+                  <a:schemeClr val="accent1"/>
+                </a:solidFill>
+              </a14:hiddenFill>
+            </a:ext>
+            <a:ext uri="{91240B29-F687-4F45-9708-019B960494DF}">
+              <a14:hiddenLine xmlns:a14="http://schemas.microsoft.com/office/drawing/2010/main" w="9525">
+                <a:solidFill>
+                  <a:schemeClr val="tx1"/>
+                </a:solidFill>
+                <a:miter lim="800000"/>
+                <a:headEnd/>
+                <a:tailEnd/>
+              </a14:hiddenLine>
+            </a:ext>
+          </a:extLst>
+        </p:spPr>
+      </p:pic>
       <p:sp>
         <p:nvSpPr>
-          <p:cNvPr id="2" name="椭圆形标注 1"/>
+          <p:cNvPr id="18" name="椭圆形标注 17"/>
           <p:cNvSpPr/>
           <p:nvPr/>
         </p:nvSpPr>
         <p:spPr bwMode="auto">
           <a:xfrm>
-            <a:off x="5092700" y="1857375"/>
+            <a:off x="5092700" y="1698624"/>
             <a:ext cx="2022475" cy="1216025"/>
           </a:xfrm>
           <a:prstGeom prst="wedgeEllipseCallout">
@@ -32608,63 +32934,9 @@
           </a:p>
         </p:txBody>
       </p:sp>
-      <p:pic>
-        <p:nvPicPr>
-          <p:cNvPr id="20487" name="Picture 2"/>
-          <p:cNvPicPr>
-            <a:picLocks noChangeAspect="1" noChangeArrowheads="1"/>
-          </p:cNvPicPr>
-          <p:nvPr/>
-        </p:nvPicPr>
-        <p:blipFill>
-          <a:blip r:embed="rId4">
-            <a:extLst>
-              <a:ext uri="{28A0092B-C50C-407E-A947-70E740481C1C}">
-                <a14:useLocalDpi xmlns:a14="http://schemas.microsoft.com/office/drawing/2010/main" val="0"/>
-              </a:ext>
-            </a:extLst>
-          </a:blip>
-          <a:srcRect/>
-          <a:stretch>
-            <a:fillRect/>
-          </a:stretch>
-        </p:blipFill>
-        <p:spPr bwMode="auto">
-          <a:xfrm>
-            <a:off x="5394325" y="2127250"/>
-            <a:ext cx="361950" cy="476250"/>
-          </a:xfrm>
-          <a:prstGeom prst="rect">
-            <a:avLst/>
-          </a:prstGeom>
-          <a:noFill/>
-          <a:ln>
-            <a:noFill/>
-          </a:ln>
-          <a:extLst>
-            <a:ext uri="{909E8E84-426E-40DD-AFC4-6F175D3DCCD1}">
-              <a14:hiddenFill xmlns:a14="http://schemas.microsoft.com/office/drawing/2010/main">
-                <a:solidFill>
-                  <a:schemeClr val="accent1"/>
-                </a:solidFill>
-              </a14:hiddenFill>
-            </a:ext>
-            <a:ext uri="{91240B29-F687-4F45-9708-019B960494DF}">
-              <a14:hiddenLine xmlns:a14="http://schemas.microsoft.com/office/drawing/2010/main" w="9525">
-                <a:solidFill>
-                  <a:schemeClr val="tx1"/>
-                </a:solidFill>
-                <a:miter lim="800000"/>
-                <a:headEnd/>
-                <a:tailEnd/>
-              </a14:hiddenLine>
-            </a:ext>
-          </a:extLst>
-        </p:spPr>
-      </p:pic>
       <p:sp>
         <p:nvSpPr>
-          <p:cNvPr id="10" name="圆角矩形 9"/>
+          <p:cNvPr id="19" name="圆角矩形 18"/>
           <p:cNvSpPr/>
           <p:nvPr/>
         </p:nvSpPr>
@@ -32724,7 +32996,7 @@
       </p:sp>
       <p:pic>
         <p:nvPicPr>
-          <p:cNvPr id="20489" name="Picture 4"/>
+          <p:cNvPr id="20" name="Picture 3"/>
           <p:cNvPicPr>
             <a:picLocks noChangeAspect="1" noChangeArrowheads="1"/>
           </p:cNvPicPr>
@@ -32745,8 +33017,8 @@
         </p:blipFill>
         <p:spPr bwMode="auto">
           <a:xfrm>
-            <a:off x="438150" y="4132263"/>
-            <a:ext cx="4041775" cy="2565400"/>
+            <a:off x="5508625" y="2082798"/>
+            <a:ext cx="323850" cy="447675"/>
           </a:xfrm>
           <a:prstGeom prst="rect">
             <a:avLst/>
@@ -32778,7 +33050,7 @@
       </p:pic>
       <p:sp>
         <p:nvSpPr>
-          <p:cNvPr id="12" name="椭圆形标注 11"/>
+          <p:cNvPr id="21" name="椭圆形标注 20"/>
           <p:cNvSpPr/>
           <p:nvPr/>
         </p:nvSpPr>
@@ -32823,7 +33095,7 @@
       </p:sp>
       <p:sp>
         <p:nvSpPr>
-          <p:cNvPr id="14" name="圆角矩形 13"/>
+          <p:cNvPr id="22" name="圆角矩形 21"/>
           <p:cNvSpPr/>
           <p:nvPr/>
         </p:nvSpPr>
@@ -32883,7 +33155,7 @@
       </p:sp>
       <p:pic>
         <p:nvPicPr>
-          <p:cNvPr id="20492" name="Picture 5"/>
+          <p:cNvPr id="1029" name="Picture 5"/>
           <p:cNvPicPr>
             <a:picLocks noChangeAspect="1" noChangeArrowheads="1"/>
           </p:cNvPicPr>
@@ -32904,8 +33176,8 @@
         </p:blipFill>
         <p:spPr bwMode="auto">
           <a:xfrm>
-            <a:off x="5403850" y="4883150"/>
-            <a:ext cx="352425" cy="333375"/>
+            <a:off x="5453063" y="4910137"/>
+            <a:ext cx="314325" cy="314325"/>
           </a:xfrm>
           <a:prstGeom prst="rect">
             <a:avLst/>
@@ -33552,7 +33824,7 @@
       </p:sp>
       <p:pic>
         <p:nvPicPr>
-          <p:cNvPr id="21509" name="Picture 2"/>
+          <p:cNvPr id="2050" name="Picture 2"/>
           <p:cNvPicPr>
             <a:picLocks noChangeAspect="1" noChangeArrowheads="1"/>
           </p:cNvPicPr>
@@ -33573,8 +33845,8 @@
         </p:blipFill>
         <p:spPr bwMode="auto">
           <a:xfrm>
-            <a:off x="1136650" y="1338263"/>
-            <a:ext cx="2355850" cy="3365500"/>
+            <a:off x="727075" y="1235869"/>
+            <a:ext cx="2724819" cy="4075906"/>
           </a:xfrm>
           <a:prstGeom prst="rect">
             <a:avLst/>
@@ -33604,9 +33876,114 @@
           </a:extLst>
         </p:spPr>
       </p:pic>
+      <p:sp>
+        <p:nvSpPr>
+          <p:cNvPr id="17" name="椭圆形标注 16"/>
+          <p:cNvSpPr/>
+          <p:nvPr/>
+        </p:nvSpPr>
+        <p:spPr bwMode="auto">
+          <a:xfrm>
+            <a:off x="3924300" y="1900238"/>
+            <a:ext cx="2022475" cy="1216025"/>
+          </a:xfrm>
+          <a:prstGeom prst="wedgeEllipseCallout">
+            <a:avLst>
+              <a:gd name="adj1" fmla="val -77337"/>
+              <a:gd name="adj2" fmla="val -61023"/>
+            </a:avLst>
+          </a:prstGeom>
+          <a:solidFill>
+            <a:schemeClr val="accent1">
+              <a:lumMod val="40000"/>
+              <a:lumOff val="60000"/>
+            </a:schemeClr>
+          </a:solidFill>
+          <a:ln w="25400" cap="flat" cmpd="sng" algn="ctr">
+            <a:noFill/>
+            <a:prstDash val="solid"/>
+            <a:round/>
+            <a:headEnd type="none" w="med" len="med"/>
+            <a:tailEnd type="none" w="med" len="med"/>
+          </a:ln>
+        </p:spPr>
+        <p:txBody>
+          <a:bodyPr wrap="none" lIns="0" tIns="0" rIns="0" bIns="0" anchor="ctr"/>
+          <a:lstStyle/>
+          <a:p>
+            <a:pPr defTabSz="1044575">
+              <a:defRPr/>
+            </a:pPr>
+            <a:endParaRPr kumimoji="1" lang="zh-CN" altLang="en-US">
+              <a:latin typeface="Gill Sans MT" pitchFamily="34" charset="0"/>
+              <a:ea typeface="微軟正黑體" pitchFamily="34" charset="-120"/>
+            </a:endParaRPr>
+          </a:p>
+        </p:txBody>
+      </p:sp>
+      <p:sp>
+        <p:nvSpPr>
+          <p:cNvPr id="19" name="圆角矩形 18"/>
+          <p:cNvSpPr/>
+          <p:nvPr/>
+        </p:nvSpPr>
+        <p:spPr bwMode="auto">
+          <a:xfrm>
+            <a:off x="4781550" y="2170113"/>
+            <a:ext cx="2554288" cy="358775"/>
+          </a:xfrm>
+          <a:prstGeom prst="roundRect">
+            <a:avLst/>
+          </a:prstGeom>
+          <a:ln>
+            <a:headEnd type="none" w="med" len="med"/>
+            <a:tailEnd type="none" w="med" len="med"/>
+          </a:ln>
+        </p:spPr>
+        <p:style>
+          <a:lnRef idx="1">
+            <a:schemeClr val="accent3"/>
+          </a:lnRef>
+          <a:fillRef idx="3">
+            <a:schemeClr val="accent3"/>
+          </a:fillRef>
+          <a:effectRef idx="2">
+            <a:schemeClr val="accent3"/>
+          </a:effectRef>
+          <a:fontRef idx="minor">
+            <a:schemeClr val="lt1"/>
+          </a:fontRef>
+        </p:style>
+        <p:txBody>
+          <a:bodyPr wrap="none" lIns="0" tIns="0" rIns="0" bIns="0" anchor="ctr"/>
+          <a:lstStyle/>
+          <a:p>
+            <a:pPr algn="ctr" defTabSz="1044575">
+              <a:defRPr/>
+            </a:pPr>
+            <a:r>
+              <a:rPr kumimoji="1" lang="en-US" altLang="zh-CN" sz="1400" dirty="0">
+                <a:solidFill>
+                  <a:schemeClr val="bg1"/>
+                </a:solidFill>
+                <a:latin typeface="Microsoft New Tai Lue" panose="020B0502040204020203" pitchFamily="34" charset="0"/>
+                <a:cs typeface="Microsoft New Tai Lue" panose="020B0502040204020203" pitchFamily="34" charset="0"/>
+              </a:rPr>
+              <a:t>Click to hide Header</a:t>
+            </a:r>
+            <a:endParaRPr kumimoji="1" lang="zh-CN" altLang="en-US" sz="1400" dirty="0">
+              <a:solidFill>
+                <a:schemeClr val="bg1"/>
+              </a:solidFill>
+              <a:latin typeface="Microsoft New Tai Lue" panose="020B0502040204020203" pitchFamily="34" charset="0"/>
+              <a:cs typeface="Microsoft New Tai Lue" panose="020B0502040204020203" pitchFamily="34" charset="0"/>
+            </a:endParaRPr>
+          </a:p>
+        </p:txBody>
+      </p:sp>
       <p:pic>
         <p:nvPicPr>
-          <p:cNvPr id="21510" name="Picture 3"/>
+          <p:cNvPr id="21" name="Picture 3"/>
           <p:cNvPicPr>
             <a:picLocks noChangeAspect="1" noChangeArrowheads="1"/>
           </p:cNvPicPr>
@@ -33627,8 +34004,8 @@
         </p:blipFill>
         <p:spPr bwMode="auto">
           <a:xfrm>
-            <a:off x="4479925" y="3549650"/>
-            <a:ext cx="2444750" cy="3468688"/>
+            <a:off x="4318000" y="2170113"/>
+            <a:ext cx="323850" cy="447675"/>
           </a:xfrm>
           <a:prstGeom prst="rect">
             <a:avLst/>
@@ -33658,9 +34035,63 @@
           </a:extLst>
         </p:spPr>
       </p:pic>
+      <p:pic>
+        <p:nvPicPr>
+          <p:cNvPr id="2051" name="Picture 3"/>
+          <p:cNvPicPr>
+            <a:picLocks noChangeAspect="1" noChangeArrowheads="1"/>
+          </p:cNvPicPr>
+          <p:nvPr/>
+        </p:nvPicPr>
+        <p:blipFill>
+          <a:blip r:embed="rId5">
+            <a:extLst>
+              <a:ext uri="{28A0092B-C50C-407E-A947-70E740481C1C}">
+                <a14:useLocalDpi xmlns:a14="http://schemas.microsoft.com/office/drawing/2010/main" val="0"/>
+              </a:ext>
+            </a:extLst>
+          </a:blip>
+          <a:srcRect/>
+          <a:stretch>
+            <a:fillRect/>
+          </a:stretch>
+        </p:blipFill>
+        <p:spPr bwMode="auto">
+          <a:xfrm>
+            <a:off x="4178300" y="3462770"/>
+            <a:ext cx="2654300" cy="3926609"/>
+          </a:xfrm>
+          <a:prstGeom prst="rect">
+            <a:avLst/>
+          </a:prstGeom>
+          <a:noFill/>
+          <a:ln>
+            <a:noFill/>
+          </a:ln>
+          <a:extLst>
+            <a:ext uri="{909E8E84-426E-40DD-AFC4-6F175D3DCCD1}">
+              <a14:hiddenFill xmlns:a14="http://schemas.microsoft.com/office/drawing/2010/main">
+                <a:solidFill>
+                  <a:schemeClr val="accent1"/>
+                </a:solidFill>
+              </a14:hiddenFill>
+            </a:ext>
+            <a:ext uri="{91240B29-F687-4F45-9708-019B960494DF}">
+              <a14:hiddenLine xmlns:a14="http://schemas.microsoft.com/office/drawing/2010/main" w="9525">
+                <a:solidFill>
+                  <a:schemeClr val="tx1"/>
+                </a:solidFill>
+                <a:miter lim="800000"/>
+                <a:headEnd/>
+                <a:tailEnd/>
+              </a14:hiddenLine>
+            </a:ext>
+          </a:extLst>
+        </p:spPr>
+      </p:pic>
       <p:sp>
         <p:nvSpPr>
-          <p:cNvPr id="15" name="椭圆形标注 14"/>
+          <p:cNvPr id="22" name="椭圆形标注 21"/>
           <p:cNvSpPr/>
           <p:nvPr/>
         </p:nvSpPr>
@@ -33705,7 +34136,7 @@
       </p:sp>
       <p:sp>
         <p:nvSpPr>
-          <p:cNvPr id="16" name="圆角矩形 15"/>
+          <p:cNvPr id="23" name="圆角矩形 22"/>
           <p:cNvSpPr/>
           <p:nvPr/>
         </p:nvSpPr>
@@ -33765,106 +34196,7 @@
       </p:sp>
       <p:pic>
         <p:nvPicPr>
-          <p:cNvPr id="21513" name="Picture 5"/>
-          <p:cNvPicPr>
-            <a:picLocks noChangeAspect="1" noChangeArrowheads="1"/>
-          </p:cNvPicPr>
-          <p:nvPr/>
-        </p:nvPicPr>
-        <p:blipFill>
-          <a:blip r:embed="rId5">
-            <a:extLst>
-              <a:ext uri="{28A0092B-C50C-407E-A947-70E740481C1C}">
-                <a14:useLocalDpi xmlns:a14="http://schemas.microsoft.com/office/drawing/2010/main" val="0"/>
-              </a:ext>
-            </a:extLst>
-          </a:blip>
-          <a:srcRect/>
-          <a:stretch>
-            <a:fillRect/>
-          </a:stretch>
-        </p:blipFill>
-        <p:spPr bwMode="auto">
-          <a:xfrm>
-            <a:off x="7593013" y="4391025"/>
-            <a:ext cx="352425" cy="333375"/>
-          </a:xfrm>
-          <a:prstGeom prst="rect">
-            <a:avLst/>
-          </a:prstGeom>
-          <a:noFill/>
-          <a:ln>
-            <a:noFill/>
-          </a:ln>
-          <a:extLst>
-            <a:ext uri="{909E8E84-426E-40DD-AFC4-6F175D3DCCD1}">
-              <a14:hiddenFill xmlns:a14="http://schemas.microsoft.com/office/drawing/2010/main">
-                <a:solidFill>
-                  <a:schemeClr val="accent1"/>
-                </a:solidFill>
-              </a14:hiddenFill>
-            </a:ext>
-            <a:ext uri="{91240B29-F687-4F45-9708-019B960494DF}">
-              <a14:hiddenLine xmlns:a14="http://schemas.microsoft.com/office/drawing/2010/main" w="9525">
-                <a:solidFill>
-                  <a:schemeClr val="tx1"/>
-                </a:solidFill>
-                <a:miter lim="800000"/>
-                <a:headEnd/>
-                <a:tailEnd/>
-              </a14:hiddenLine>
-            </a:ext>
-          </a:extLst>
-        </p:spPr>
-      </p:pic>
-      <p:sp>
-        <p:nvSpPr>
-          <p:cNvPr id="18" name="椭圆形标注 17"/>
-          <p:cNvSpPr/>
-          <p:nvPr/>
-        </p:nvSpPr>
-        <p:spPr bwMode="auto">
-          <a:xfrm>
-            <a:off x="3924300" y="1900238"/>
-            <a:ext cx="2022475" cy="1216025"/>
-          </a:xfrm>
-          <a:prstGeom prst="wedgeEllipseCallout">
-            <a:avLst>
-              <a:gd name="adj1" fmla="val -77337"/>
-              <a:gd name="adj2" fmla="val -61023"/>
-            </a:avLst>
-          </a:prstGeom>
-          <a:solidFill>
-            <a:schemeClr val="accent1">
-              <a:lumMod val="40000"/>
-              <a:lumOff val="60000"/>
-            </a:schemeClr>
-          </a:solidFill>
-          <a:ln w="25400" cap="flat" cmpd="sng" algn="ctr">
-            <a:noFill/>
-            <a:prstDash val="solid"/>
-            <a:round/>
-            <a:headEnd type="none" w="med" len="med"/>
-            <a:tailEnd type="none" w="med" len="med"/>
-          </a:ln>
-        </p:spPr>
-        <p:txBody>
-          <a:bodyPr wrap="none" lIns="0" tIns="0" rIns="0" bIns="0" anchor="ctr"/>
-          <a:lstStyle/>
-          <a:p>
-            <a:pPr defTabSz="1044575">
-              <a:defRPr/>
-            </a:pPr>
-            <a:endParaRPr kumimoji="1" lang="zh-CN" altLang="en-US">
-              <a:latin typeface="Gill Sans MT" pitchFamily="34" charset="0"/>
-              <a:ea typeface="微軟正黑體" pitchFamily="34" charset="-120"/>
-            </a:endParaRPr>
-          </a:p>
-        </p:txBody>
-      </p:sp>
-      <p:pic>
-        <p:nvPicPr>
-          <p:cNvPr id="21515" name="Picture 2"/>
+          <p:cNvPr id="24" name="Picture 5"/>
           <p:cNvPicPr>
             <a:picLocks noChangeAspect="1" noChangeArrowheads="1"/>
           </p:cNvPicPr>
@@ -33885,8 +34217,8 @@
         </p:blipFill>
         <p:spPr bwMode="auto">
           <a:xfrm>
-            <a:off x="4225925" y="2170113"/>
-            <a:ext cx="361950" cy="476250"/>
+            <a:off x="7624763" y="4410075"/>
+            <a:ext cx="314325" cy="314325"/>
           </a:xfrm>
           <a:prstGeom prst="rect">
             <a:avLst/>
@@ -33916,66 +34248,6 @@
           </a:extLst>
         </p:spPr>
       </p:pic>
-      <p:sp>
-        <p:nvSpPr>
-          <p:cNvPr id="20" name="圆角矩形 19"/>
-          <p:cNvSpPr/>
-          <p:nvPr/>
-        </p:nvSpPr>
-        <p:spPr bwMode="auto">
-          <a:xfrm>
-            <a:off x="4781550" y="2170113"/>
-            <a:ext cx="2554288" cy="358775"/>
-          </a:xfrm>
-          <a:prstGeom prst="roundRect">
-            <a:avLst/>
-          </a:prstGeom>
-          <a:ln>
-            <a:headEnd type="none" w="med" len="med"/>
-            <a:tailEnd type="none" w="med" len="med"/>
-          </a:ln>
-        </p:spPr>
-        <p:style>
-          <a:lnRef idx="1">
-            <a:schemeClr val="accent3"/>
-          </a:lnRef>
-          <a:fillRef idx="3">
-            <a:schemeClr val="accent3"/>
-          </a:fillRef>
-          <a:effectRef idx="2">
-            <a:schemeClr val="accent3"/>
-          </a:effectRef>
-          <a:fontRef idx="minor">
-            <a:schemeClr val="lt1"/>
-          </a:fontRef>
-        </p:style>
-        <p:txBody>
-          <a:bodyPr wrap="none" lIns="0" tIns="0" rIns="0" bIns="0" anchor="ctr"/>
-          <a:lstStyle/>
-          <a:p>
-            <a:pPr algn="ctr" defTabSz="1044575">
-              <a:defRPr/>
-            </a:pPr>
-            <a:r>
-              <a:rPr kumimoji="1" lang="en-US" altLang="zh-CN" sz="1400" dirty="0">
-                <a:solidFill>
-                  <a:schemeClr val="bg1"/>
-                </a:solidFill>
-                <a:latin typeface="Microsoft New Tai Lue" panose="020B0502040204020203" pitchFamily="34" charset="0"/>
-                <a:cs typeface="Microsoft New Tai Lue" panose="020B0502040204020203" pitchFamily="34" charset="0"/>
-              </a:rPr>
-              <a:t>Click to hide Header</a:t>
-            </a:r>
-            <a:endParaRPr kumimoji="1" lang="zh-CN" altLang="en-US" sz="1400" dirty="0">
-              <a:solidFill>
-                <a:schemeClr val="bg1"/>
-              </a:solidFill>
-              <a:latin typeface="Microsoft New Tai Lue" panose="020B0502040204020203" pitchFamily="34" charset="0"/>
-              <a:cs typeface="Microsoft New Tai Lue" panose="020B0502040204020203" pitchFamily="34" charset="0"/>
-            </a:endParaRPr>
-          </a:p>
-        </p:txBody>
-      </p:sp>
     </p:spTree>
   </p:cSld>
   <p:clrMapOvr>
@@ -37154,7 +37426,7 @@
       </p:sp>
       <p:pic>
         <p:nvPicPr>
-          <p:cNvPr id="79874" name="Picture 2"/>
+          <p:cNvPr id="4098" name="Picture 2"/>
           <p:cNvPicPr>
             <a:picLocks noChangeAspect="1" noChangeArrowheads="1"/>
           </p:cNvPicPr>
@@ -37175,8 +37447,8 @@
         </p:blipFill>
         <p:spPr bwMode="auto">
           <a:xfrm>
-            <a:off x="292100" y="2509838"/>
-            <a:ext cx="10261214" cy="3255962"/>
+            <a:off x="827088" y="2374900"/>
+            <a:ext cx="7009778" cy="3560522"/>
           </a:xfrm>
           <a:prstGeom prst="rect">
             <a:avLst/>
@@ -37208,7 +37480,7 @@
       </p:pic>
       <p:pic>
         <p:nvPicPr>
-          <p:cNvPr id="24" name="Picture 3"/>
+          <p:cNvPr id="4099" name="Picture 3"/>
           <p:cNvPicPr>
             <a:picLocks noChangeAspect="1" noChangeArrowheads="1"/>
           </p:cNvPicPr>
@@ -37229,8 +37501,8 @@
         </p:blipFill>
         <p:spPr bwMode="auto">
           <a:xfrm>
-            <a:off x="292100" y="2166144"/>
-            <a:ext cx="10232730" cy="3599656"/>
+            <a:off x="482529" y="2423872"/>
+            <a:ext cx="9982271" cy="3511550"/>
           </a:xfrm>
           <a:prstGeom prst="rect">
             <a:avLst/>
@@ -37291,7 +37563,7 @@
                             </p:stCondLst>
                             <p:childTnLst>
                               <p:par>
-                                <p:cTn id="5" presetID="1" presetClass="entr" presetSubtype="0" fill="hold" nodeType="clickEffect">
+                                <p:cTn id="5" presetID="10" presetClass="entr" presetSubtype="0" fill="hold" nodeType="clickEffect">
                                   <p:stCondLst>
                                     <p:cond delay="0"/>
                                   </p:stCondLst>
@@ -37304,7 +37576,7 @@
                                           </p:stCondLst>
                                         </p:cTn>
                                         <p:tgtEl>
-                                          <p:spTgt spid="24"/>
+                                          <p:spTgt spid="4099"/>
                                         </p:tgtEl>
                                         <p:attrNameLst>
                                           <p:attrName>style.visibility</p:attrName>
@@ -37314,6 +37586,14 @@
                                         <p:strVal val="visible"/>
                                       </p:to>
                                     </p:set>
+                                    <p:animEffect transition="in" filter="fade">
+                                      <p:cBhvr>
+                                        <p:cTn id="7" dur="500"/>
+                                        <p:tgtEl>
+                                          <p:spTgt spid="4099"/>
+                                        </p:tgtEl>
+                                      </p:cBhvr>
+                                    </p:animEffect>
                                   </p:childTnLst>
                                 </p:cTn>
                               </p:par>
@@ -37748,6 +38028,843 @@
               <a:buNone/>
             </a:pPr>
             <a:r>
+              <a:rPr lang="zh-CN" altLang="en-US" sz="3400" b="1" dirty="0" smtClean="0">
+                <a:latin typeface="微软雅黑" pitchFamily="34" charset="-122"/>
+                <a:ea typeface="微软雅黑" pitchFamily="34" charset="-122"/>
+              </a:rPr>
+              <a:t>定制控件</a:t>
+            </a:r>
+            <a:endParaRPr lang="en-US" altLang="zh-TW" sz="3400" b="1" dirty="0">
+              <a:latin typeface="微软雅黑" pitchFamily="34" charset="-122"/>
+              <a:ea typeface="微软雅黑" pitchFamily="34" charset="-122"/>
+            </a:endParaRPr>
+          </a:p>
+        </p:txBody>
+      </p:sp>
+      <p:pic>
+        <p:nvPicPr>
+          <p:cNvPr id="5125" name="Picture 5"/>
+          <p:cNvPicPr>
+            <a:picLocks noChangeAspect="1" noChangeArrowheads="1"/>
+          </p:cNvPicPr>
+          <p:nvPr/>
+        </p:nvPicPr>
+        <p:blipFill>
+          <a:blip r:embed="rId3">
+            <a:extLst>
+              <a:ext uri="{28A0092B-C50C-407E-A947-70E740481C1C}">
+                <a14:useLocalDpi xmlns:a14="http://schemas.microsoft.com/office/drawing/2010/main" val="0"/>
+              </a:ext>
+            </a:extLst>
+          </a:blip>
+          <a:srcRect/>
+          <a:stretch>
+            <a:fillRect/>
+          </a:stretch>
+        </p:blipFill>
+        <p:spPr bwMode="auto">
+          <a:xfrm>
+            <a:off x="1308100" y="1538288"/>
+            <a:ext cx="1143000" cy="393700"/>
+          </a:xfrm>
+          <a:prstGeom prst="rect">
+            <a:avLst/>
+          </a:prstGeom>
+          <a:noFill/>
+          <a:ln>
+            <a:noFill/>
+          </a:ln>
+          <a:extLst>
+            <a:ext uri="{909E8E84-426E-40DD-AFC4-6F175D3DCCD1}">
+              <a14:hiddenFill xmlns:a14="http://schemas.microsoft.com/office/drawing/2010/main">
+                <a:solidFill>
+                  <a:schemeClr val="accent1"/>
+                </a:solidFill>
+              </a14:hiddenFill>
+            </a:ext>
+            <a:ext uri="{91240B29-F687-4F45-9708-019B960494DF}">
+              <a14:hiddenLine xmlns:a14="http://schemas.microsoft.com/office/drawing/2010/main" w="9525">
+                <a:solidFill>
+                  <a:schemeClr val="tx1"/>
+                </a:solidFill>
+                <a:miter lim="800000"/>
+                <a:headEnd/>
+                <a:tailEnd/>
+              </a14:hiddenLine>
+            </a:ext>
+          </a:extLst>
+        </p:spPr>
+      </p:pic>
+      <p:pic>
+        <p:nvPicPr>
+          <p:cNvPr id="5126" name="Picture 6"/>
+          <p:cNvPicPr>
+            <a:picLocks noChangeAspect="1" noChangeArrowheads="1"/>
+          </p:cNvPicPr>
+          <p:nvPr/>
+        </p:nvPicPr>
+        <p:blipFill>
+          <a:blip r:embed="rId4">
+            <a:extLst>
+              <a:ext uri="{28A0092B-C50C-407E-A947-70E740481C1C}">
+                <a14:useLocalDpi xmlns:a14="http://schemas.microsoft.com/office/drawing/2010/main" val="0"/>
+              </a:ext>
+            </a:extLst>
+          </a:blip>
+          <a:srcRect/>
+          <a:stretch>
+            <a:fillRect/>
+          </a:stretch>
+        </p:blipFill>
+        <p:spPr bwMode="auto">
+          <a:xfrm>
+            <a:off x="2895600" y="1538288"/>
+            <a:ext cx="1143000" cy="393700"/>
+          </a:xfrm>
+          <a:prstGeom prst="rect">
+            <a:avLst/>
+          </a:prstGeom>
+          <a:noFill/>
+          <a:ln>
+            <a:noFill/>
+          </a:ln>
+          <a:extLst>
+            <a:ext uri="{909E8E84-426E-40DD-AFC4-6F175D3DCCD1}">
+              <a14:hiddenFill xmlns:a14="http://schemas.microsoft.com/office/drawing/2010/main">
+                <a:solidFill>
+                  <a:schemeClr val="accent1"/>
+                </a:solidFill>
+              </a14:hiddenFill>
+            </a:ext>
+            <a:ext uri="{91240B29-F687-4F45-9708-019B960494DF}">
+              <a14:hiddenLine xmlns:a14="http://schemas.microsoft.com/office/drawing/2010/main" w="9525">
+                <a:solidFill>
+                  <a:schemeClr val="tx1"/>
+                </a:solidFill>
+                <a:miter lim="800000"/>
+                <a:headEnd/>
+                <a:tailEnd/>
+              </a14:hiddenLine>
+            </a:ext>
+          </a:extLst>
+        </p:spPr>
+      </p:pic>
+      <p:pic>
+        <p:nvPicPr>
+          <p:cNvPr id="5127" name="Picture 7"/>
+          <p:cNvPicPr>
+            <a:picLocks noChangeAspect="1" noChangeArrowheads="1"/>
+          </p:cNvPicPr>
+          <p:nvPr/>
+        </p:nvPicPr>
+        <p:blipFill>
+          <a:blip r:embed="rId5">
+            <a:extLst>
+              <a:ext uri="{28A0092B-C50C-407E-A947-70E740481C1C}">
+                <a14:useLocalDpi xmlns:a14="http://schemas.microsoft.com/office/drawing/2010/main" val="0"/>
+              </a:ext>
+            </a:extLst>
+          </a:blip>
+          <a:srcRect/>
+          <a:stretch>
+            <a:fillRect/>
+          </a:stretch>
+        </p:blipFill>
+        <p:spPr bwMode="auto">
+          <a:xfrm>
+            <a:off x="4502150" y="1538288"/>
+            <a:ext cx="1130300" cy="393700"/>
+          </a:xfrm>
+          <a:prstGeom prst="rect">
+            <a:avLst/>
+          </a:prstGeom>
+          <a:noFill/>
+          <a:ln>
+            <a:noFill/>
+          </a:ln>
+          <a:extLst>
+            <a:ext uri="{909E8E84-426E-40DD-AFC4-6F175D3DCCD1}">
+              <a14:hiddenFill xmlns:a14="http://schemas.microsoft.com/office/drawing/2010/main">
+                <a:solidFill>
+                  <a:schemeClr val="accent1"/>
+                </a:solidFill>
+              </a14:hiddenFill>
+            </a:ext>
+            <a:ext uri="{91240B29-F687-4F45-9708-019B960494DF}">
+              <a14:hiddenLine xmlns:a14="http://schemas.microsoft.com/office/drawing/2010/main" w="9525">
+                <a:solidFill>
+                  <a:schemeClr val="tx1"/>
+                </a:solidFill>
+                <a:miter lim="800000"/>
+                <a:headEnd/>
+                <a:tailEnd/>
+              </a14:hiddenLine>
+            </a:ext>
+          </a:extLst>
+        </p:spPr>
+      </p:pic>
+      <p:pic>
+        <p:nvPicPr>
+          <p:cNvPr id="5128" name="Picture 8"/>
+          <p:cNvPicPr>
+            <a:picLocks noChangeAspect="1" noChangeArrowheads="1"/>
+          </p:cNvPicPr>
+          <p:nvPr/>
+        </p:nvPicPr>
+        <p:blipFill>
+          <a:blip r:embed="rId6">
+            <a:extLst>
+              <a:ext uri="{28A0092B-C50C-407E-A947-70E740481C1C}">
+                <a14:useLocalDpi xmlns:a14="http://schemas.microsoft.com/office/drawing/2010/main" val="0"/>
+              </a:ext>
+            </a:extLst>
+          </a:blip>
+          <a:srcRect/>
+          <a:stretch>
+            <a:fillRect/>
+          </a:stretch>
+        </p:blipFill>
+        <p:spPr bwMode="auto">
+          <a:xfrm>
+            <a:off x="6172200" y="1538288"/>
+            <a:ext cx="1143000" cy="393700"/>
+          </a:xfrm>
+          <a:prstGeom prst="rect">
+            <a:avLst/>
+          </a:prstGeom>
+          <a:noFill/>
+          <a:ln>
+            <a:noFill/>
+          </a:ln>
+          <a:extLst>
+            <a:ext uri="{909E8E84-426E-40DD-AFC4-6F175D3DCCD1}">
+              <a14:hiddenFill xmlns:a14="http://schemas.microsoft.com/office/drawing/2010/main">
+                <a:solidFill>
+                  <a:schemeClr val="accent1"/>
+                </a:solidFill>
+              </a14:hiddenFill>
+            </a:ext>
+            <a:ext uri="{91240B29-F687-4F45-9708-019B960494DF}">
+              <a14:hiddenLine xmlns:a14="http://schemas.microsoft.com/office/drawing/2010/main" w="9525">
+                <a:solidFill>
+                  <a:schemeClr val="tx1"/>
+                </a:solidFill>
+                <a:miter lim="800000"/>
+                <a:headEnd/>
+                <a:tailEnd/>
+              </a14:hiddenLine>
+            </a:ext>
+          </a:extLst>
+        </p:spPr>
+      </p:pic>
+      <p:pic>
+        <p:nvPicPr>
+          <p:cNvPr id="5129" name="Picture 9"/>
+          <p:cNvPicPr>
+            <a:picLocks noChangeAspect="1" noChangeArrowheads="1"/>
+          </p:cNvPicPr>
+          <p:nvPr/>
+        </p:nvPicPr>
+        <p:blipFill>
+          <a:blip r:embed="rId7">
+            <a:extLst>
+              <a:ext uri="{28A0092B-C50C-407E-A947-70E740481C1C}">
+                <a14:useLocalDpi xmlns:a14="http://schemas.microsoft.com/office/drawing/2010/main" val="0"/>
+              </a:ext>
+            </a:extLst>
+          </a:blip>
+          <a:srcRect/>
+          <a:stretch>
+            <a:fillRect/>
+          </a:stretch>
+        </p:blipFill>
+        <p:spPr bwMode="auto">
+          <a:xfrm>
+            <a:off x="7761288" y="1520826"/>
+            <a:ext cx="1143000" cy="393700"/>
+          </a:xfrm>
+          <a:prstGeom prst="rect">
+            <a:avLst/>
+          </a:prstGeom>
+          <a:noFill/>
+          <a:ln>
+            <a:noFill/>
+          </a:ln>
+          <a:extLst>
+            <a:ext uri="{909E8E84-426E-40DD-AFC4-6F175D3DCCD1}">
+              <a14:hiddenFill xmlns:a14="http://schemas.microsoft.com/office/drawing/2010/main">
+                <a:solidFill>
+                  <a:schemeClr val="accent1"/>
+                </a:solidFill>
+              </a14:hiddenFill>
+            </a:ext>
+            <a:ext uri="{91240B29-F687-4F45-9708-019B960494DF}">
+              <a14:hiddenLine xmlns:a14="http://schemas.microsoft.com/office/drawing/2010/main" w="9525">
+                <a:solidFill>
+                  <a:schemeClr val="tx1"/>
+                </a:solidFill>
+                <a:miter lim="800000"/>
+                <a:headEnd/>
+                <a:tailEnd/>
+              </a14:hiddenLine>
+            </a:ext>
+          </a:extLst>
+        </p:spPr>
+      </p:pic>
+      <p:pic>
+        <p:nvPicPr>
+          <p:cNvPr id="5130" name="Picture 10"/>
+          <p:cNvPicPr>
+            <a:picLocks noChangeAspect="1" noChangeArrowheads="1"/>
+          </p:cNvPicPr>
+          <p:nvPr/>
+        </p:nvPicPr>
+        <p:blipFill>
+          <a:blip r:embed="rId8">
+            <a:extLst>
+              <a:ext uri="{28A0092B-C50C-407E-A947-70E740481C1C}">
+                <a14:useLocalDpi xmlns:a14="http://schemas.microsoft.com/office/drawing/2010/main" val="0"/>
+              </a:ext>
+            </a:extLst>
+          </a:blip>
+          <a:srcRect/>
+          <a:stretch>
+            <a:fillRect/>
+          </a:stretch>
+        </p:blipFill>
+        <p:spPr bwMode="auto">
+          <a:xfrm>
+            <a:off x="992188" y="2882900"/>
+            <a:ext cx="7543800" cy="279400"/>
+          </a:xfrm>
+          <a:prstGeom prst="rect">
+            <a:avLst/>
+          </a:prstGeom>
+          <a:noFill/>
+          <a:ln>
+            <a:noFill/>
+          </a:ln>
+          <a:extLst>
+            <a:ext uri="{909E8E84-426E-40DD-AFC4-6F175D3DCCD1}">
+              <a14:hiddenFill xmlns:a14="http://schemas.microsoft.com/office/drawing/2010/main">
+                <a:solidFill>
+                  <a:schemeClr val="accent1"/>
+                </a:solidFill>
+              </a14:hiddenFill>
+            </a:ext>
+            <a:ext uri="{91240B29-F687-4F45-9708-019B960494DF}">
+              <a14:hiddenLine xmlns:a14="http://schemas.microsoft.com/office/drawing/2010/main" w="9525">
+                <a:solidFill>
+                  <a:schemeClr val="tx1"/>
+                </a:solidFill>
+                <a:miter lim="800000"/>
+                <a:headEnd/>
+                <a:tailEnd/>
+              </a14:hiddenLine>
+            </a:ext>
+          </a:extLst>
+        </p:spPr>
+      </p:pic>
+      <p:sp>
+        <p:nvSpPr>
+          <p:cNvPr id="16" name="圆角矩形 15"/>
+          <p:cNvSpPr/>
+          <p:nvPr/>
+        </p:nvSpPr>
+        <p:spPr bwMode="auto">
+          <a:xfrm>
+            <a:off x="4038600" y="3255963"/>
+            <a:ext cx="5626100" cy="358775"/>
+          </a:xfrm>
+          <a:prstGeom prst="roundRect">
+            <a:avLst/>
+          </a:prstGeom>
+          <a:ln>
+            <a:headEnd type="none" w="med" len="med"/>
+            <a:tailEnd type="none" w="med" len="med"/>
+          </a:ln>
+        </p:spPr>
+        <p:style>
+          <a:lnRef idx="1">
+            <a:schemeClr val="accent3"/>
+          </a:lnRef>
+          <a:fillRef idx="3">
+            <a:schemeClr val="accent3"/>
+          </a:fillRef>
+          <a:effectRef idx="2">
+            <a:schemeClr val="accent3"/>
+          </a:effectRef>
+          <a:fontRef idx="minor">
+            <a:schemeClr val="lt1"/>
+          </a:fontRef>
+        </p:style>
+        <p:txBody>
+          <a:bodyPr wrap="none" lIns="0" tIns="0" rIns="0" bIns="0" anchor="ctr"/>
+          <a:lstStyle/>
+          <a:p>
+            <a:pPr algn="ctr" defTabSz="1044575">
+              <a:defRPr/>
+            </a:pPr>
+            <a:r>
+              <a:rPr kumimoji="1" lang="zh-CN" altLang="en-US" sz="1400" dirty="0" smtClean="0">
+                <a:solidFill>
+                  <a:schemeClr val="bg1"/>
+                </a:solidFill>
+                <a:latin typeface="Microsoft New Tai Lue" panose="020B0502040204020203" pitchFamily="34" charset="0"/>
+                <a:cs typeface="Microsoft New Tai Lue" panose="020B0502040204020203" pitchFamily="34" charset="0"/>
+              </a:rPr>
+              <a:t>加上一个</a:t>
+            </a:r>
+            <a:r>
+              <a:rPr kumimoji="1" lang="en-US" altLang="zh-CN" sz="1400" dirty="0" smtClean="0">
+                <a:solidFill>
+                  <a:schemeClr val="bg1"/>
+                </a:solidFill>
+                <a:latin typeface="Microsoft New Tai Lue" panose="020B0502040204020203" pitchFamily="34" charset="0"/>
+                <a:cs typeface="Microsoft New Tai Lue" panose="020B0502040204020203" pitchFamily="34" charset="0"/>
+              </a:rPr>
+              <a:t>class</a:t>
+            </a:r>
+            <a:r>
+              <a:rPr kumimoji="1" lang="zh-CN" altLang="en-US" sz="1400" dirty="0" smtClean="0">
+                <a:solidFill>
+                  <a:schemeClr val="bg1"/>
+                </a:solidFill>
+                <a:latin typeface="Microsoft New Tai Lue" panose="020B0502040204020203" pitchFamily="34" charset="0"/>
+                <a:cs typeface="Microsoft New Tai Lue" panose="020B0502040204020203" pitchFamily="34" charset="0"/>
+              </a:rPr>
+              <a:t>属性，即无需考虑样式、多语言、自适应的问题</a:t>
+            </a:r>
+            <a:endParaRPr kumimoji="1" lang="zh-CN" altLang="en-US" sz="1400" dirty="0">
+              <a:solidFill>
+                <a:schemeClr val="bg1"/>
+              </a:solidFill>
+              <a:latin typeface="Microsoft New Tai Lue" panose="020B0502040204020203" pitchFamily="34" charset="0"/>
+              <a:cs typeface="Microsoft New Tai Lue" panose="020B0502040204020203" pitchFamily="34" charset="0"/>
+            </a:endParaRPr>
+          </a:p>
+        </p:txBody>
+      </p:sp>
+    </p:spTree>
+    <p:extLst>
+      <p:ext uri="{BB962C8B-B14F-4D97-AF65-F5344CB8AC3E}">
+        <p14:creationId xmlns:p14="http://schemas.microsoft.com/office/powerpoint/2010/main" val="3673910921"/>
+      </p:ext>
+    </p:extLst>
+  </p:cSld>
+  <p:clrMapOvr>
+    <a:masterClrMapping/>
+  </p:clrMapOvr>
+  <p:timing>
+    <p:tnLst>
+      <p:par>
+        <p:cTn id="1" dur="indefinite" restart="never" nodeType="tmRoot"/>
+      </p:par>
+    </p:tnLst>
+  </p:timing>
+</p:sld>
+</file>
+
+<file path=ppt/slides/slide34.xml><?xml version="1.0" encoding="utf-8"?>
+<p:sld xmlns:a="http://schemas.openxmlformats.org/drawingml/2006/main" xmlns:r="http://schemas.openxmlformats.org/officeDocument/2006/relationships" xmlns:p="http://schemas.openxmlformats.org/presentationml/2006/main">
+  <p:cSld>
+    <p:spTree>
+      <p:nvGrpSpPr>
+        <p:cNvPr id="1" name=""/>
+        <p:cNvGrpSpPr/>
+        <p:nvPr/>
+      </p:nvGrpSpPr>
+      <p:grpSpPr>
+        <a:xfrm>
+          <a:off x="0" y="0"/>
+          <a:ext cx="0" cy="0"/>
+          <a:chOff x="0" y="0"/>
+          <a:chExt cx="0" cy="0"/>
+        </a:xfrm>
+      </p:grpSpPr>
+      <p:sp>
+        <p:nvSpPr>
+          <p:cNvPr id="24578" name="灯片编号占位符 3"/>
+          <p:cNvSpPr>
+            <a:spLocks noGrp="1" noChangeArrowheads="1"/>
+          </p:cNvSpPr>
+          <p:nvPr>
+            <p:ph type="sldNum" sz="quarter" idx="10"/>
+          </p:nvPr>
+        </p:nvSpPr>
+        <p:spPr>
+          <a:noFill/>
+          <a:ln/>
+          <a:extLst>
+            <a:ext uri="{909E8E84-426E-40DD-AFC4-6F175D3DCCD1}">
+              <a14:hiddenFill xmlns:a14="http://schemas.microsoft.com/office/drawing/2010/main">
+                <a:solidFill>
+                  <a:srgbClr val="FFFFFF"/>
+                </a:solidFill>
+              </a14:hiddenFill>
+            </a:ext>
+            <a:ext uri="{91240B29-F687-4F45-9708-019B960494DF}">
+              <a14:hiddenLine xmlns:a14="http://schemas.microsoft.com/office/drawing/2010/main" w="9525">
+                <a:solidFill>
+                  <a:srgbClr val="000000"/>
+                </a:solidFill>
+                <a:miter lim="800000"/>
+                <a:headEnd/>
+                <a:tailEnd/>
+              </a14:hiddenLine>
+            </a:ext>
+          </a:extLst>
+        </p:spPr>
+        <p:txBody>
+          <a:bodyPr/>
+          <a:lstStyle>
+            <a:lvl1pPr defTabSz="820738" eaLnBrk="0" hangingPunct="0">
+              <a:spcBef>
+                <a:spcPct val="20000"/>
+              </a:spcBef>
+              <a:buChar char="•"/>
+              <a:defRPr sz="3300">
+                <a:solidFill>
+                  <a:srgbClr val="004664"/>
+                </a:solidFill>
+                <a:latin typeface="Gill Sans MT"/>
+                <a:ea typeface="Microsoft JhengHei" pitchFamily="34" charset="-120"/>
+              </a:defRPr>
+            </a:lvl1pPr>
+            <a:lvl2pPr marL="742950" indent="-285750" defTabSz="820738" eaLnBrk="0" hangingPunct="0">
+              <a:spcBef>
+                <a:spcPct val="20000"/>
+              </a:spcBef>
+              <a:buChar char="–"/>
+              <a:defRPr sz="2500">
+                <a:solidFill>
+                  <a:schemeClr val="tx1"/>
+                </a:solidFill>
+                <a:latin typeface="Gill Sans MT"/>
+                <a:ea typeface="Microsoft JhengHei" pitchFamily="34" charset="-120"/>
+              </a:defRPr>
+            </a:lvl2pPr>
+            <a:lvl3pPr marL="1143000" indent="-228600" defTabSz="820738" eaLnBrk="0" hangingPunct="0">
+              <a:spcBef>
+                <a:spcPct val="20000"/>
+              </a:spcBef>
+              <a:buChar char="•"/>
+              <a:defRPr sz="1700">
+                <a:solidFill>
+                  <a:srgbClr val="00638E"/>
+                </a:solidFill>
+                <a:latin typeface="Gill Sans MT"/>
+                <a:ea typeface="Microsoft JhengHei" pitchFamily="34" charset="-120"/>
+              </a:defRPr>
+            </a:lvl3pPr>
+            <a:lvl4pPr marL="1600200" indent="-228600" defTabSz="820738" eaLnBrk="0" hangingPunct="0">
+              <a:spcBef>
+                <a:spcPct val="20000"/>
+              </a:spcBef>
+              <a:buChar char="–"/>
+              <a:defRPr sz="1600">
+                <a:solidFill>
+                  <a:srgbClr val="777777"/>
+                </a:solidFill>
+                <a:latin typeface="Gill Sans MT"/>
+                <a:ea typeface="Microsoft JhengHei" pitchFamily="34" charset="-120"/>
+              </a:defRPr>
+            </a:lvl4pPr>
+            <a:lvl5pPr marL="2057400" indent="-228600" defTabSz="820738" eaLnBrk="0" hangingPunct="0">
+              <a:spcBef>
+                <a:spcPct val="20000"/>
+              </a:spcBef>
+              <a:buChar char="»"/>
+              <a:defRPr sz="2200">
+                <a:solidFill>
+                  <a:schemeClr val="tx1"/>
+                </a:solidFill>
+                <a:latin typeface="Gill Sans MT"/>
+                <a:ea typeface="PMingLiU" pitchFamily="18" charset="-120"/>
+              </a:defRPr>
+            </a:lvl5pPr>
+            <a:lvl6pPr marL="2514600" indent="-228600" defTabSz="820738" eaLnBrk="0" fontAlgn="base" hangingPunct="0">
+              <a:spcBef>
+                <a:spcPct val="20000"/>
+              </a:spcBef>
+              <a:spcAft>
+                <a:spcPct val="0"/>
+              </a:spcAft>
+              <a:buChar char="»"/>
+              <a:defRPr sz="2200">
+                <a:solidFill>
+                  <a:schemeClr val="tx1"/>
+                </a:solidFill>
+                <a:latin typeface="Gill Sans MT"/>
+                <a:ea typeface="PMingLiU" pitchFamily="18" charset="-120"/>
+              </a:defRPr>
+            </a:lvl6pPr>
+            <a:lvl7pPr marL="2971800" indent="-228600" defTabSz="820738" eaLnBrk="0" fontAlgn="base" hangingPunct="0">
+              <a:spcBef>
+                <a:spcPct val="20000"/>
+              </a:spcBef>
+              <a:spcAft>
+                <a:spcPct val="0"/>
+              </a:spcAft>
+              <a:buChar char="»"/>
+              <a:defRPr sz="2200">
+                <a:solidFill>
+                  <a:schemeClr val="tx1"/>
+                </a:solidFill>
+                <a:latin typeface="Gill Sans MT"/>
+                <a:ea typeface="PMingLiU" pitchFamily="18" charset="-120"/>
+              </a:defRPr>
+            </a:lvl7pPr>
+            <a:lvl8pPr marL="3429000" indent="-228600" defTabSz="820738" eaLnBrk="0" fontAlgn="base" hangingPunct="0">
+              <a:spcBef>
+                <a:spcPct val="20000"/>
+              </a:spcBef>
+              <a:spcAft>
+                <a:spcPct val="0"/>
+              </a:spcAft>
+              <a:buChar char="»"/>
+              <a:defRPr sz="2200">
+                <a:solidFill>
+                  <a:schemeClr val="tx1"/>
+                </a:solidFill>
+                <a:latin typeface="Gill Sans MT"/>
+                <a:ea typeface="PMingLiU" pitchFamily="18" charset="-120"/>
+              </a:defRPr>
+            </a:lvl8pPr>
+            <a:lvl9pPr marL="3886200" indent="-228600" defTabSz="820738" eaLnBrk="0" fontAlgn="base" hangingPunct="0">
+              <a:spcBef>
+                <a:spcPct val="20000"/>
+              </a:spcBef>
+              <a:spcAft>
+                <a:spcPct val="0"/>
+              </a:spcAft>
+              <a:buChar char="»"/>
+              <a:defRPr sz="2200">
+                <a:solidFill>
+                  <a:schemeClr val="tx1"/>
+                </a:solidFill>
+                <a:latin typeface="Gill Sans MT"/>
+                <a:ea typeface="PMingLiU" pitchFamily="18" charset="-120"/>
+              </a:defRPr>
+            </a:lvl9pPr>
+          </a:lstStyle>
+          <a:p>
+            <a:pPr eaLnBrk="1" hangingPunct="1">
+              <a:spcBef>
+                <a:spcPct val="0"/>
+              </a:spcBef>
+              <a:buFontTx/>
+              <a:buNone/>
+            </a:pPr>
+            <a:fld id="{580AE8EA-0D41-4EA7-8BB8-878DC446C953}" type="slidenum">
+              <a:rPr lang="en-US" altLang="zh-TW" sz="1300" smtClean="0">
+                <a:solidFill>
+                  <a:srgbClr val="B2B2B2"/>
+                </a:solidFill>
+                <a:latin typeface="Arial" pitchFamily="34" charset="0"/>
+                <a:ea typeface="PMingLiU" pitchFamily="18" charset="-120"/>
+              </a:rPr>
+              <a:pPr eaLnBrk="1" hangingPunct="1">
+                <a:spcBef>
+                  <a:spcPct val="0"/>
+                </a:spcBef>
+                <a:buFontTx/>
+                <a:buNone/>
+              </a:pPr>
+              <a:t>34</a:t>
+            </a:fld>
+            <a:endParaRPr lang="en-US" altLang="zh-TW" sz="1300" smtClean="0">
+              <a:solidFill>
+                <a:srgbClr val="B2B2B2"/>
+              </a:solidFill>
+              <a:latin typeface="Arial" pitchFamily="34" charset="0"/>
+              <a:ea typeface="PMingLiU" pitchFamily="18" charset="-120"/>
+            </a:endParaRPr>
+          </a:p>
+        </p:txBody>
+      </p:sp>
+      <p:sp>
+        <p:nvSpPr>
+          <p:cNvPr id="24579" name="Rectangle 4"/>
+          <p:cNvSpPr>
+            <a:spLocks noChangeArrowheads="1"/>
+          </p:cNvSpPr>
+          <p:nvPr/>
+        </p:nvSpPr>
+        <p:spPr bwMode="auto">
+          <a:xfrm>
+            <a:off x="623888" y="434975"/>
+            <a:ext cx="8280400" cy="647700"/>
+          </a:xfrm>
+          <a:prstGeom prst="rect">
+            <a:avLst/>
+          </a:prstGeom>
+          <a:noFill/>
+          <a:ln>
+            <a:noFill/>
+          </a:ln>
+          <a:extLst>
+            <a:ext uri="{909E8E84-426E-40DD-AFC4-6F175D3DCCD1}">
+              <a14:hiddenFill xmlns:a14="http://schemas.microsoft.com/office/drawing/2010/main">
+                <a:solidFill>
+                  <a:srgbClr val="FFFFFF"/>
+                </a:solidFill>
+              </a14:hiddenFill>
+            </a:ext>
+            <a:ext uri="{91240B29-F687-4F45-9708-019B960494DF}">
+              <a14:hiddenLine xmlns:a14="http://schemas.microsoft.com/office/drawing/2010/main" w="9525">
+                <a:solidFill>
+                  <a:srgbClr val="000000"/>
+                </a:solidFill>
+                <a:miter lim="800000"/>
+                <a:headEnd/>
+                <a:tailEnd/>
+              </a14:hiddenLine>
+            </a:ext>
+          </a:extLst>
+        </p:spPr>
+        <p:txBody>
+          <a:bodyPr anchor="ctr"/>
+          <a:lstStyle>
+            <a:lvl1pPr eaLnBrk="0" hangingPunct="0">
+              <a:spcBef>
+                <a:spcPct val="20000"/>
+              </a:spcBef>
+              <a:buChar char="•"/>
+              <a:defRPr sz="3300">
+                <a:solidFill>
+                  <a:srgbClr val="004664"/>
+                </a:solidFill>
+                <a:latin typeface="Gill Sans MT"/>
+                <a:ea typeface="Microsoft JhengHei" pitchFamily="34" charset="-120"/>
+              </a:defRPr>
+            </a:lvl1pPr>
+            <a:lvl2pPr marL="742950" indent="-285750" eaLnBrk="0" hangingPunct="0">
+              <a:spcBef>
+                <a:spcPct val="20000"/>
+              </a:spcBef>
+              <a:buChar char="–"/>
+              <a:defRPr sz="2500">
+                <a:solidFill>
+                  <a:schemeClr val="tx1"/>
+                </a:solidFill>
+                <a:latin typeface="Gill Sans MT"/>
+                <a:ea typeface="Microsoft JhengHei" pitchFamily="34" charset="-120"/>
+              </a:defRPr>
+            </a:lvl2pPr>
+            <a:lvl3pPr marL="1143000" indent="-228600" eaLnBrk="0" hangingPunct="0">
+              <a:spcBef>
+                <a:spcPct val="20000"/>
+              </a:spcBef>
+              <a:buChar char="•"/>
+              <a:defRPr sz="1700">
+                <a:solidFill>
+                  <a:srgbClr val="00638E"/>
+                </a:solidFill>
+                <a:latin typeface="Gill Sans MT"/>
+                <a:ea typeface="Microsoft JhengHei" pitchFamily="34" charset="-120"/>
+              </a:defRPr>
+            </a:lvl3pPr>
+            <a:lvl4pPr marL="1600200" indent="-228600" eaLnBrk="0" hangingPunct="0">
+              <a:spcBef>
+                <a:spcPct val="20000"/>
+              </a:spcBef>
+              <a:buChar char="–"/>
+              <a:defRPr sz="1600">
+                <a:solidFill>
+                  <a:srgbClr val="777777"/>
+                </a:solidFill>
+                <a:latin typeface="Gill Sans MT"/>
+                <a:ea typeface="Microsoft JhengHei" pitchFamily="34" charset="-120"/>
+              </a:defRPr>
+            </a:lvl4pPr>
+            <a:lvl5pPr marL="2057400" indent="-228600" eaLnBrk="0" hangingPunct="0">
+              <a:spcBef>
+                <a:spcPct val="20000"/>
+              </a:spcBef>
+              <a:buChar char="»"/>
+              <a:defRPr sz="2200">
+                <a:solidFill>
+                  <a:schemeClr val="tx1"/>
+                </a:solidFill>
+                <a:latin typeface="Gill Sans MT"/>
+                <a:ea typeface="PMingLiU" pitchFamily="18" charset="-120"/>
+              </a:defRPr>
+            </a:lvl5pPr>
+            <a:lvl6pPr marL="2514600" indent="-228600" eaLnBrk="0" fontAlgn="base" hangingPunct="0">
+              <a:spcBef>
+                <a:spcPct val="20000"/>
+              </a:spcBef>
+              <a:spcAft>
+                <a:spcPct val="0"/>
+              </a:spcAft>
+              <a:buChar char="»"/>
+              <a:defRPr sz="2200">
+                <a:solidFill>
+                  <a:schemeClr val="tx1"/>
+                </a:solidFill>
+                <a:latin typeface="Gill Sans MT"/>
+                <a:ea typeface="PMingLiU" pitchFamily="18" charset="-120"/>
+              </a:defRPr>
+            </a:lvl6pPr>
+            <a:lvl7pPr marL="2971800" indent="-228600" eaLnBrk="0" fontAlgn="base" hangingPunct="0">
+              <a:spcBef>
+                <a:spcPct val="20000"/>
+              </a:spcBef>
+              <a:spcAft>
+                <a:spcPct val="0"/>
+              </a:spcAft>
+              <a:buChar char="»"/>
+              <a:defRPr sz="2200">
+                <a:solidFill>
+                  <a:schemeClr val="tx1"/>
+                </a:solidFill>
+                <a:latin typeface="Gill Sans MT"/>
+                <a:ea typeface="PMingLiU" pitchFamily="18" charset="-120"/>
+              </a:defRPr>
+            </a:lvl7pPr>
+            <a:lvl8pPr marL="3429000" indent="-228600" eaLnBrk="0" fontAlgn="base" hangingPunct="0">
+              <a:spcBef>
+                <a:spcPct val="20000"/>
+              </a:spcBef>
+              <a:spcAft>
+                <a:spcPct val="0"/>
+              </a:spcAft>
+              <a:buChar char="»"/>
+              <a:defRPr sz="2200">
+                <a:solidFill>
+                  <a:schemeClr val="tx1"/>
+                </a:solidFill>
+                <a:latin typeface="Gill Sans MT"/>
+                <a:ea typeface="PMingLiU" pitchFamily="18" charset="-120"/>
+              </a:defRPr>
+            </a:lvl8pPr>
+            <a:lvl9pPr marL="3886200" indent="-228600" eaLnBrk="0" fontAlgn="base" hangingPunct="0">
+              <a:spcBef>
+                <a:spcPct val="20000"/>
+              </a:spcBef>
+              <a:spcAft>
+                <a:spcPct val="0"/>
+              </a:spcAft>
+              <a:buChar char="»"/>
+              <a:defRPr sz="2200">
+                <a:solidFill>
+                  <a:schemeClr val="tx1"/>
+                </a:solidFill>
+                <a:latin typeface="Gill Sans MT"/>
+                <a:ea typeface="PMingLiU" pitchFamily="18" charset="-120"/>
+              </a:defRPr>
+            </a:lvl9pPr>
+          </a:lstStyle>
+          <a:p>
+            <a:pPr eaLnBrk="1" hangingPunct="1">
+              <a:spcBef>
+                <a:spcPct val="0"/>
+              </a:spcBef>
+              <a:buFontTx/>
+              <a:buNone/>
+            </a:pPr>
+            <a:r>
               <a:rPr lang="zh-CN" altLang="en-US" sz="3400" b="1">
                 <a:latin typeface="微软雅黑" pitchFamily="34" charset="-122"/>
                 <a:ea typeface="微软雅黑" pitchFamily="34" charset="-122"/>
@@ -38322,7 +39439,7 @@
 </p:sld>
 </file>
 
-<file path=ppt/slides/slide34.xml><?xml version="1.0" encoding="utf-8"?>
+<file path=ppt/slides/slide35.xml><?xml version="1.0" encoding="utf-8"?>
 <p:sld xmlns:a="http://schemas.openxmlformats.org/drawingml/2006/main" xmlns:r="http://schemas.openxmlformats.org/officeDocument/2006/relationships" xmlns:p="http://schemas.openxmlformats.org/presentationml/2006/main">
   <p:cSld>
     <p:spTree>
@@ -38528,7 +39645,7 @@
                 <a:buFontTx/>
                 <a:buNone/>
               </a:pPr>
-              <a:t>34</a:t>
+              <a:t>35</a:t>
             </a:fld>
             <a:endParaRPr lang="en-US" altLang="zh-TW" sz="1300" smtClean="0">
               <a:solidFill>
@@ -39190,7 +40307,7 @@
 </p:sld>
 </file>
 
-<file path=ppt/slides/slide35.xml><?xml version="1.0" encoding="utf-8"?>
+<file path=ppt/slides/slide36.xml><?xml version="1.0" encoding="utf-8"?>
 <p:sld xmlns:a="http://schemas.openxmlformats.org/drawingml/2006/main" xmlns:r="http://schemas.openxmlformats.org/officeDocument/2006/relationships" xmlns:p="http://schemas.openxmlformats.org/presentationml/2006/main">
   <p:cSld>
     <p:spTree>
@@ -39396,7 +40513,7 @@
                 <a:buFontTx/>
                 <a:buNone/>
               </a:pPr>
-              <a:t>35</a:t>
+              <a:t>36</a:t>
             </a:fld>
             <a:endParaRPr lang="en-US" altLang="zh-TW" sz="1300" smtClean="0">
               <a:solidFill>
@@ -39792,7 +40909,7 @@
       </p:sp>
       <p:pic>
         <p:nvPicPr>
-          <p:cNvPr id="27653" name="Picture 2"/>
+          <p:cNvPr id="3074" name="Picture 2"/>
           <p:cNvPicPr>
             <a:picLocks noChangeAspect="1" noChangeArrowheads="1"/>
           </p:cNvPicPr>
@@ -39813,8 +40930,8 @@
         </p:blipFill>
         <p:spPr bwMode="auto">
           <a:xfrm>
-            <a:off x="774700" y="1370013"/>
-            <a:ext cx="7439025" cy="4729162"/>
+            <a:off x="1014320" y="1216819"/>
+            <a:ext cx="7889968" cy="4986338"/>
           </a:xfrm>
           <a:prstGeom prst="rect">
             <a:avLst/>
@@ -39846,7 +40963,7 @@
       </p:pic>
       <p:pic>
         <p:nvPicPr>
-          <p:cNvPr id="27654" name="Picture 3"/>
+          <p:cNvPr id="8" name="Picture 3"/>
           <p:cNvPicPr>
             <a:picLocks noChangeAspect="1" noChangeArrowheads="1"/>
           </p:cNvPicPr>
@@ -39913,7 +41030,7 @@
 </p:sld>
 </file>
 
-<file path=ppt/slides/slide36.xml><?xml version="1.0" encoding="utf-8"?>
+<file path=ppt/slides/slide37.xml><?xml version="1.0" encoding="utf-8"?>
 <p:sld xmlns:a="http://schemas.openxmlformats.org/drawingml/2006/main" xmlns:r="http://schemas.openxmlformats.org/officeDocument/2006/relationships" xmlns:p="http://schemas.openxmlformats.org/presentationml/2006/main">
   <p:cSld>
     <p:bg bwMode="auto">
@@ -44045,7 +45162,7 @@
   </a:extraClrSchemeLst>
   <a:extLst>
     <a:ext uri="{05A4C25C-085E-4340-85A3-A5531E510DB2}">
-      <thm15:themeFamily xmlns:thm15="http://schemas.microsoft.com/office/thememl/2012/main" xmlns="" name="Office Theme" id="{62F939B6-93AF-4DB8-9C6B-D6C7DFDC589F}" vid="{4A3C46E8-61CC-4603-A589-7422A47A8E4A}"/>
+      <thm15:themeFamily xmlns="" xmlns:thm15="http://schemas.microsoft.com/office/thememl/2012/main" name="Office Theme" id="{62F939B6-93AF-4DB8-9C6B-D6C7DFDC589F}" vid="{4A3C46E8-61CC-4603-A589-7422A47A8E4A}"/>
     </a:ext>
   </a:extLst>
 </a:theme>
@@ -44333,7 +45450,7 @@
   <a:extraClrSchemeLst/>
   <a:extLst>
     <a:ext uri="{05A4C25C-085E-4340-85A3-A5531E510DB2}">
-      <thm15:themeFamily xmlns:thm15="http://schemas.microsoft.com/office/thememl/2012/main" xmlns="" name="Office Theme" id="{62F939B6-93AF-4DB8-9C6B-D6C7DFDC589F}" vid="{4A3C46E8-61CC-4603-A589-7422A47A8E4A}"/>
+      <thm15:themeFamily xmlns="" xmlns:thm15="http://schemas.microsoft.com/office/thememl/2012/main" name="Office Theme" id="{62F939B6-93AF-4DB8-9C6B-D6C7DFDC589F}" vid="{4A3C46E8-61CC-4603-A589-7422A47A8E4A}"/>
     </a:ext>
   </a:extLst>
 </a:theme>
@@ -44621,7 +45738,7 @@
   <a:extraClrSchemeLst/>
   <a:extLst>
     <a:ext uri="{05A4C25C-085E-4340-85A3-A5531E510DB2}">
-      <thm15:themeFamily xmlns:thm15="http://schemas.microsoft.com/office/thememl/2012/main" xmlns="" name="Office Theme" id="{62F939B6-93AF-4DB8-9C6B-D6C7DFDC589F}" vid="{4A3C46E8-61CC-4603-A589-7422A47A8E4A}"/>
+      <thm15:themeFamily xmlns="" xmlns:thm15="http://schemas.microsoft.com/office/thememl/2012/main" name="Office Theme" id="{62F939B6-93AF-4DB8-9C6B-D6C7DFDC589F}" vid="{4A3C46E8-61CC-4603-A589-7422A47A8E4A}"/>
     </a:ext>
   </a:extLst>
 </a:theme>
